--- a/Trabajo final/Diagrama er.pptx
+++ b/Trabajo final/Diagrama er.pptx
@@ -5,11 +5,9 @@
     <p:sldMasterId id="2147483648" r:id="rId1"/>
   </p:sldMasterIdLst>
   <p:sldIdLst>
-    <p:sldId id="256" r:id="rId2"/>
-    <p:sldId id="257" r:id="rId3"/>
-    <p:sldId id="258" r:id="rId4"/>
-    <p:sldId id="259" r:id="rId5"/>
-    <p:sldId id="260" r:id="rId6"/>
+    <p:sldId id="258" r:id="rId2"/>
+    <p:sldId id="259" r:id="rId3"/>
+    <p:sldId id="260" r:id="rId4"/>
   </p:sldIdLst>
   <p:sldSz cx="12192000" cy="6858000"/>
   <p:notesSz cx="6858000" cy="9144000"/>
@@ -273,7 +271,7 @@
           <a:p>
             <a:fld id="{09508018-52CA-4908-B40B-B4448E1F034E}" type="datetimeFigureOut">
               <a:rPr lang="es-DO" smtClean="0"/>
-              <a:t>3/8/2021</a:t>
+              <a:t>5/8/2021</a:t>
             </a:fld>
             <a:endParaRPr lang="es-DO"/>
           </a:p>
@@ -473,7 +471,7 @@
           <a:p>
             <a:fld id="{09508018-52CA-4908-B40B-B4448E1F034E}" type="datetimeFigureOut">
               <a:rPr lang="es-DO" smtClean="0"/>
-              <a:t>3/8/2021</a:t>
+              <a:t>5/8/2021</a:t>
             </a:fld>
             <a:endParaRPr lang="es-DO"/>
           </a:p>
@@ -683,7 +681,7 @@
           <a:p>
             <a:fld id="{09508018-52CA-4908-B40B-B4448E1F034E}" type="datetimeFigureOut">
               <a:rPr lang="es-DO" smtClean="0"/>
-              <a:t>3/8/2021</a:t>
+              <a:t>5/8/2021</a:t>
             </a:fld>
             <a:endParaRPr lang="es-DO"/>
           </a:p>
@@ -883,7 +881,7 @@
           <a:p>
             <a:fld id="{09508018-52CA-4908-B40B-B4448E1F034E}" type="datetimeFigureOut">
               <a:rPr lang="es-DO" smtClean="0"/>
-              <a:t>3/8/2021</a:t>
+              <a:t>5/8/2021</a:t>
             </a:fld>
             <a:endParaRPr lang="es-DO"/>
           </a:p>
@@ -1159,7 +1157,7 @@
           <a:p>
             <a:fld id="{09508018-52CA-4908-B40B-B4448E1F034E}" type="datetimeFigureOut">
               <a:rPr lang="es-DO" smtClean="0"/>
-              <a:t>3/8/2021</a:t>
+              <a:t>5/8/2021</a:t>
             </a:fld>
             <a:endParaRPr lang="es-DO"/>
           </a:p>
@@ -1427,7 +1425,7 @@
           <a:p>
             <a:fld id="{09508018-52CA-4908-B40B-B4448E1F034E}" type="datetimeFigureOut">
               <a:rPr lang="es-DO" smtClean="0"/>
-              <a:t>3/8/2021</a:t>
+              <a:t>5/8/2021</a:t>
             </a:fld>
             <a:endParaRPr lang="es-DO"/>
           </a:p>
@@ -1842,7 +1840,7 @@
           <a:p>
             <a:fld id="{09508018-52CA-4908-B40B-B4448E1F034E}" type="datetimeFigureOut">
               <a:rPr lang="es-DO" smtClean="0"/>
-              <a:t>3/8/2021</a:t>
+              <a:t>5/8/2021</a:t>
             </a:fld>
             <a:endParaRPr lang="es-DO"/>
           </a:p>
@@ -1984,7 +1982,7 @@
           <a:p>
             <a:fld id="{09508018-52CA-4908-B40B-B4448E1F034E}" type="datetimeFigureOut">
               <a:rPr lang="es-DO" smtClean="0"/>
-              <a:t>3/8/2021</a:t>
+              <a:t>5/8/2021</a:t>
             </a:fld>
             <a:endParaRPr lang="es-DO"/>
           </a:p>
@@ -2097,7 +2095,7 @@
           <a:p>
             <a:fld id="{09508018-52CA-4908-B40B-B4448E1F034E}" type="datetimeFigureOut">
               <a:rPr lang="es-DO" smtClean="0"/>
-              <a:t>3/8/2021</a:t>
+              <a:t>5/8/2021</a:t>
             </a:fld>
             <a:endParaRPr lang="es-DO"/>
           </a:p>
@@ -2410,7 +2408,7 @@
           <a:p>
             <a:fld id="{09508018-52CA-4908-B40B-B4448E1F034E}" type="datetimeFigureOut">
               <a:rPr lang="es-DO" smtClean="0"/>
-              <a:t>3/8/2021</a:t>
+              <a:t>5/8/2021</a:t>
             </a:fld>
             <a:endParaRPr lang="es-DO"/>
           </a:p>
@@ -2699,7 +2697,7 @@
           <a:p>
             <a:fld id="{09508018-52CA-4908-B40B-B4448E1F034E}" type="datetimeFigureOut">
               <a:rPr lang="es-DO" smtClean="0"/>
-              <a:t>3/8/2021</a:t>
+              <a:t>5/8/2021</a:t>
             </a:fld>
             <a:endParaRPr lang="es-DO"/>
           </a:p>
@@ -2942,7 +2940,7 @@
           <a:p>
             <a:fld id="{09508018-52CA-4908-B40B-B4448E1F034E}" type="datetimeFigureOut">
               <a:rPr lang="es-DO" smtClean="0"/>
-              <a:t>3/8/2021</a:t>
+              <a:t>5/8/2021</a:t>
             </a:fld>
             <a:endParaRPr lang="es-DO"/>
           </a:p>
@@ -3361,5565 +3359,6 @@
       </p:grpSpPr>
       <p:grpSp>
         <p:nvGrpSpPr>
-          <p:cNvPr id="127" name="Group 126">
-            <a:extLst>
-              <a:ext uri="{FF2B5EF4-FFF2-40B4-BE49-F238E27FC236}">
-                <a16:creationId xmlns:a16="http://schemas.microsoft.com/office/drawing/2014/main" id="{617C4E87-B84F-4425-9475-42B430980B2E}"/>
-              </a:ext>
-            </a:extLst>
-          </p:cNvPr>
-          <p:cNvGrpSpPr/>
-          <p:nvPr/>
-        </p:nvGrpSpPr>
-        <p:grpSpPr>
-          <a:xfrm>
-            <a:off x="1585241" y="692940"/>
-            <a:ext cx="8365895" cy="5177616"/>
-            <a:chOff x="35841" y="1505740"/>
-            <a:chExt cx="8365895" cy="5177616"/>
-          </a:xfrm>
-        </p:grpSpPr>
-        <p:sp>
-          <p:nvSpPr>
-            <p:cNvPr id="6" name="Rectangle 5">
-              <a:extLst>
-                <a:ext uri="{FF2B5EF4-FFF2-40B4-BE49-F238E27FC236}">
-                  <a16:creationId xmlns:a16="http://schemas.microsoft.com/office/drawing/2014/main" id="{664D9A73-07D6-4DE8-868A-1EB7708F3F0B}"/>
-                </a:ext>
-              </a:extLst>
-            </p:cNvPr>
-            <p:cNvSpPr/>
-            <p:nvPr/>
-          </p:nvSpPr>
-          <p:spPr>
-            <a:xfrm>
-              <a:off x="5802782" y="3241055"/>
-              <a:ext cx="1457739" cy="490331"/>
-            </a:xfrm>
-            <a:prstGeom prst="rect">
-              <a:avLst/>
-            </a:prstGeom>
-            <a:solidFill>
-              <a:schemeClr val="tx1">
-                <a:lumMod val="85000"/>
-                <a:lumOff val="15000"/>
-              </a:schemeClr>
-            </a:solidFill>
-            <a:ln>
-              <a:solidFill>
-                <a:schemeClr val="bg1"/>
-              </a:solidFill>
-            </a:ln>
-          </p:spPr>
-          <p:style>
-            <a:lnRef idx="2">
-              <a:schemeClr val="accent1">
-                <a:shade val="50000"/>
-              </a:schemeClr>
-            </a:lnRef>
-            <a:fillRef idx="1">
-              <a:schemeClr val="accent1"/>
-            </a:fillRef>
-            <a:effectRef idx="0">
-              <a:schemeClr val="accent1"/>
-            </a:effectRef>
-            <a:fontRef idx="minor">
-              <a:schemeClr val="lt1"/>
-            </a:fontRef>
-          </p:style>
-          <p:txBody>
-            <a:bodyPr rtlCol="0" anchor="ctr"/>
-            <a:lstStyle/>
-            <a:p>
-              <a:pPr algn="ctr"/>
-              <a:r>
-                <a:rPr lang="es-DO" sz="2000" b="1" dirty="0">
-                  <a:solidFill>
-                    <a:schemeClr val="bg1"/>
-                  </a:solidFill>
-                </a:rPr>
-                <a:t>Seguros</a:t>
-              </a:r>
-              <a:endParaRPr lang="es-DO" b="1" dirty="0">
-                <a:solidFill>
-                  <a:schemeClr val="bg1"/>
-                </a:solidFill>
-              </a:endParaRPr>
-            </a:p>
-          </p:txBody>
-        </p:sp>
-        <p:sp>
-          <p:nvSpPr>
-            <p:cNvPr id="8" name="Rectangle 7">
-              <a:extLst>
-                <a:ext uri="{FF2B5EF4-FFF2-40B4-BE49-F238E27FC236}">
-                  <a16:creationId xmlns:a16="http://schemas.microsoft.com/office/drawing/2014/main" id="{EDC47314-253B-453C-B674-7916EFE28C80}"/>
-                </a:ext>
-              </a:extLst>
-            </p:cNvPr>
-            <p:cNvSpPr/>
-            <p:nvPr/>
-          </p:nvSpPr>
-          <p:spPr>
-            <a:xfrm>
-              <a:off x="1124248" y="3240334"/>
-              <a:ext cx="1457739" cy="490331"/>
-            </a:xfrm>
-            <a:prstGeom prst="rect">
-              <a:avLst/>
-            </a:prstGeom>
-            <a:solidFill>
-              <a:schemeClr val="tx1">
-                <a:lumMod val="85000"/>
-                <a:lumOff val="15000"/>
-              </a:schemeClr>
-            </a:solidFill>
-            <a:ln>
-              <a:solidFill>
-                <a:schemeClr val="bg1"/>
-              </a:solidFill>
-            </a:ln>
-          </p:spPr>
-          <p:style>
-            <a:lnRef idx="2">
-              <a:schemeClr val="accent1">
-                <a:shade val="50000"/>
-              </a:schemeClr>
-            </a:lnRef>
-            <a:fillRef idx="1">
-              <a:schemeClr val="accent1"/>
-            </a:fillRef>
-            <a:effectRef idx="0">
-              <a:schemeClr val="accent1"/>
-            </a:effectRef>
-            <a:fontRef idx="minor">
-              <a:schemeClr val="lt1"/>
-            </a:fontRef>
-          </p:style>
-          <p:txBody>
-            <a:bodyPr rtlCol="0" anchor="ctr"/>
-            <a:lstStyle/>
-            <a:p>
-              <a:pPr algn="ctr"/>
-              <a:r>
-                <a:rPr lang="es-DO" sz="2000" b="1" dirty="0"/>
-                <a:t>clientes</a:t>
-              </a:r>
-              <a:endParaRPr lang="es-DO" b="1" dirty="0">
-                <a:solidFill>
-                  <a:schemeClr val="bg1"/>
-                </a:solidFill>
-              </a:endParaRPr>
-            </a:p>
-          </p:txBody>
-        </p:sp>
-        <p:sp>
-          <p:nvSpPr>
-            <p:cNvPr id="10" name="Rectangle 9">
-              <a:extLst>
-                <a:ext uri="{FF2B5EF4-FFF2-40B4-BE49-F238E27FC236}">
-                  <a16:creationId xmlns:a16="http://schemas.microsoft.com/office/drawing/2014/main" id="{667410DD-E8D0-49B3-885C-09C31414A8E7}"/>
-                </a:ext>
-              </a:extLst>
-            </p:cNvPr>
-            <p:cNvSpPr/>
-            <p:nvPr/>
-          </p:nvSpPr>
-          <p:spPr>
-            <a:xfrm>
-              <a:off x="1121981" y="6139464"/>
-              <a:ext cx="1457739" cy="490331"/>
-            </a:xfrm>
-            <a:prstGeom prst="rect">
-              <a:avLst/>
-            </a:prstGeom>
-            <a:solidFill>
-              <a:schemeClr val="tx1">
-                <a:lumMod val="85000"/>
-                <a:lumOff val="15000"/>
-              </a:schemeClr>
-            </a:solidFill>
-            <a:ln>
-              <a:solidFill>
-                <a:schemeClr val="bg1"/>
-              </a:solidFill>
-            </a:ln>
-          </p:spPr>
-          <p:style>
-            <a:lnRef idx="2">
-              <a:schemeClr val="accent1">
-                <a:shade val="50000"/>
-              </a:schemeClr>
-            </a:lnRef>
-            <a:fillRef idx="1">
-              <a:schemeClr val="accent1"/>
-            </a:fillRef>
-            <a:effectRef idx="0">
-              <a:schemeClr val="accent1"/>
-            </a:effectRef>
-            <a:fontRef idx="minor">
-              <a:schemeClr val="lt1"/>
-            </a:fontRef>
-          </p:style>
-          <p:txBody>
-            <a:bodyPr rtlCol="0" anchor="ctr"/>
-            <a:lstStyle/>
-            <a:p>
-              <a:pPr algn="ctr"/>
-              <a:r>
-                <a:rPr lang="es-DO" sz="2000" b="1" dirty="0"/>
-                <a:t>coches</a:t>
-              </a:r>
-              <a:endParaRPr lang="es-DO" b="1" dirty="0">
-                <a:solidFill>
-                  <a:schemeClr val="bg1"/>
-                </a:solidFill>
-              </a:endParaRPr>
-            </a:p>
-          </p:txBody>
-        </p:sp>
-        <p:sp>
-          <p:nvSpPr>
-            <p:cNvPr id="11" name="Rectangle 10">
-              <a:extLst>
-                <a:ext uri="{FF2B5EF4-FFF2-40B4-BE49-F238E27FC236}">
-                  <a16:creationId xmlns:a16="http://schemas.microsoft.com/office/drawing/2014/main" id="{181BC9C4-69F3-4089-99BD-CED8D1033BE5}"/>
-                </a:ext>
-              </a:extLst>
-            </p:cNvPr>
-            <p:cNvSpPr/>
-            <p:nvPr/>
-          </p:nvSpPr>
-          <p:spPr>
-            <a:xfrm>
-              <a:off x="6035337" y="6139464"/>
-              <a:ext cx="1457739" cy="490331"/>
-            </a:xfrm>
-            <a:prstGeom prst="rect">
-              <a:avLst/>
-            </a:prstGeom>
-            <a:solidFill>
-              <a:schemeClr val="tx1">
-                <a:lumMod val="85000"/>
-                <a:lumOff val="15000"/>
-              </a:schemeClr>
-            </a:solidFill>
-            <a:ln>
-              <a:solidFill>
-                <a:schemeClr val="bg1"/>
-              </a:solidFill>
-            </a:ln>
-          </p:spPr>
-          <p:style>
-            <a:lnRef idx="2">
-              <a:schemeClr val="accent1">
-                <a:shade val="50000"/>
-              </a:schemeClr>
-            </a:lnRef>
-            <a:fillRef idx="1">
-              <a:schemeClr val="accent1"/>
-            </a:fillRef>
-            <a:effectRef idx="0">
-              <a:schemeClr val="accent1"/>
-            </a:effectRef>
-            <a:fontRef idx="minor">
-              <a:schemeClr val="lt1"/>
-            </a:fontRef>
-          </p:style>
-          <p:txBody>
-            <a:bodyPr rtlCol="0" anchor="ctr"/>
-            <a:lstStyle/>
-            <a:p>
-              <a:pPr algn="ctr"/>
-              <a:r>
-                <a:rPr lang="es-DO" sz="2000" b="1" dirty="0"/>
-                <a:t>accidentes</a:t>
-              </a:r>
-              <a:endParaRPr lang="es-DO" b="1" dirty="0">
-                <a:solidFill>
-                  <a:schemeClr val="bg1"/>
-                </a:solidFill>
-              </a:endParaRPr>
-            </a:p>
-          </p:txBody>
-        </p:sp>
-        <p:sp>
-          <p:nvSpPr>
-            <p:cNvPr id="12" name="Oval 11">
-              <a:extLst>
-                <a:ext uri="{FF2B5EF4-FFF2-40B4-BE49-F238E27FC236}">
-                  <a16:creationId xmlns:a16="http://schemas.microsoft.com/office/drawing/2014/main" id="{CE015DAB-9FAF-45B4-826F-AE80EF16FAD7}"/>
-                </a:ext>
-              </a:extLst>
-            </p:cNvPr>
-            <p:cNvSpPr/>
-            <p:nvPr/>
-          </p:nvSpPr>
-          <p:spPr>
-            <a:xfrm>
-              <a:off x="910313" y="1505740"/>
-              <a:ext cx="1431241" cy="390563"/>
-            </a:xfrm>
-            <a:prstGeom prst="ellipse">
-              <a:avLst/>
-            </a:prstGeom>
-            <a:solidFill>
-              <a:schemeClr val="tx1">
-                <a:lumMod val="65000"/>
-                <a:lumOff val="35000"/>
-              </a:schemeClr>
-            </a:solidFill>
-            <a:ln>
-              <a:solidFill>
-                <a:schemeClr val="bg1"/>
-              </a:solidFill>
-            </a:ln>
-          </p:spPr>
-          <p:style>
-            <a:lnRef idx="2">
-              <a:schemeClr val="accent1">
-                <a:shade val="50000"/>
-              </a:schemeClr>
-            </a:lnRef>
-            <a:fillRef idx="1">
-              <a:schemeClr val="accent1"/>
-            </a:fillRef>
-            <a:effectRef idx="0">
-              <a:schemeClr val="accent1"/>
-            </a:effectRef>
-            <a:fontRef idx="minor">
-              <a:schemeClr val="lt1"/>
-            </a:fontRef>
-          </p:style>
-          <p:txBody>
-            <a:bodyPr rtlCol="0" anchor="ctr"/>
-            <a:lstStyle/>
-            <a:p>
-              <a:pPr algn="ctr"/>
-              <a:r>
-                <a:rPr lang="es-DO" dirty="0"/>
-                <a:t>nombre</a:t>
-              </a:r>
-            </a:p>
-          </p:txBody>
-        </p:sp>
-        <p:sp>
-          <p:nvSpPr>
-            <p:cNvPr id="13" name="Oval 12">
-              <a:extLst>
-                <a:ext uri="{FF2B5EF4-FFF2-40B4-BE49-F238E27FC236}">
-                  <a16:creationId xmlns:a16="http://schemas.microsoft.com/office/drawing/2014/main" id="{383AF5E3-99BF-43C9-BF04-648BF80E574D}"/>
-                </a:ext>
-              </a:extLst>
-            </p:cNvPr>
-            <p:cNvSpPr/>
-            <p:nvPr/>
-          </p:nvSpPr>
-          <p:spPr>
-            <a:xfrm>
-              <a:off x="2035340" y="2502649"/>
-              <a:ext cx="1580328" cy="390563"/>
-            </a:xfrm>
-            <a:prstGeom prst="ellipse">
-              <a:avLst/>
-            </a:prstGeom>
-            <a:solidFill>
-              <a:schemeClr val="tx1">
-                <a:lumMod val="65000"/>
-                <a:lumOff val="35000"/>
-              </a:schemeClr>
-            </a:solidFill>
-            <a:ln>
-              <a:solidFill>
-                <a:schemeClr val="bg1"/>
-              </a:solidFill>
-            </a:ln>
-          </p:spPr>
-          <p:style>
-            <a:lnRef idx="2">
-              <a:schemeClr val="accent1">
-                <a:shade val="50000"/>
-              </a:schemeClr>
-            </a:lnRef>
-            <a:fillRef idx="1">
-              <a:schemeClr val="accent1"/>
-            </a:fillRef>
-            <a:effectRef idx="0">
-              <a:schemeClr val="accent1"/>
-            </a:effectRef>
-            <a:fontRef idx="minor">
-              <a:schemeClr val="lt1"/>
-            </a:fontRef>
-          </p:style>
-          <p:txBody>
-            <a:bodyPr rtlCol="0" anchor="ctr"/>
-            <a:lstStyle/>
-            <a:p>
-              <a:pPr algn="ctr"/>
-              <a:r>
-                <a:rPr lang="es-DO" noProof="1"/>
-                <a:t>direccion</a:t>
-              </a:r>
-            </a:p>
-          </p:txBody>
-        </p:sp>
-        <p:sp>
-          <p:nvSpPr>
-            <p:cNvPr id="14" name="Oval 13">
-              <a:extLst>
-                <a:ext uri="{FF2B5EF4-FFF2-40B4-BE49-F238E27FC236}">
-                  <a16:creationId xmlns:a16="http://schemas.microsoft.com/office/drawing/2014/main" id="{F3283762-B2BA-4531-AD32-09A75C9B1587}"/>
-                </a:ext>
-              </a:extLst>
-            </p:cNvPr>
-            <p:cNvSpPr/>
-            <p:nvPr/>
-          </p:nvSpPr>
-          <p:spPr>
-            <a:xfrm>
-              <a:off x="183344" y="2719996"/>
-              <a:ext cx="1431240" cy="390563"/>
-            </a:xfrm>
-            <a:prstGeom prst="ellipse">
-              <a:avLst/>
-            </a:prstGeom>
-            <a:solidFill>
-              <a:schemeClr val="tx1">
-                <a:lumMod val="65000"/>
-                <a:lumOff val="35000"/>
-              </a:schemeClr>
-            </a:solidFill>
-            <a:ln>
-              <a:solidFill>
-                <a:schemeClr val="bg1"/>
-              </a:solidFill>
-            </a:ln>
-          </p:spPr>
-          <p:style>
-            <a:lnRef idx="2">
-              <a:schemeClr val="accent1">
-                <a:shade val="50000"/>
-              </a:schemeClr>
-            </a:lnRef>
-            <a:fillRef idx="1">
-              <a:schemeClr val="accent1"/>
-            </a:fillRef>
-            <a:effectRef idx="0">
-              <a:schemeClr val="accent1"/>
-            </a:effectRef>
-            <a:fontRef idx="minor">
-              <a:schemeClr val="lt1"/>
-            </a:fontRef>
-          </p:style>
-          <p:txBody>
-            <a:bodyPr rtlCol="0" anchor="ctr"/>
-            <a:lstStyle/>
-            <a:p>
-              <a:pPr algn="ctr"/>
-              <a:r>
-                <a:rPr lang="es-DO" noProof="1"/>
-                <a:t>contacto</a:t>
-              </a:r>
-            </a:p>
-          </p:txBody>
-        </p:sp>
-        <p:cxnSp>
-          <p:nvCxnSpPr>
-            <p:cNvPr id="16" name="Straight Connector 15">
-              <a:extLst>
-                <a:ext uri="{FF2B5EF4-FFF2-40B4-BE49-F238E27FC236}">
-                  <a16:creationId xmlns:a16="http://schemas.microsoft.com/office/drawing/2014/main" id="{BF66F001-C819-4E30-8CE3-6C1011B7BED4}"/>
-                </a:ext>
-              </a:extLst>
-            </p:cNvPr>
-            <p:cNvCxnSpPr>
-              <a:cxnSpLocks/>
-              <a:stCxn id="13" idx="4"/>
-              <a:endCxn id="8" idx="0"/>
-            </p:cNvCxnSpPr>
-            <p:nvPr/>
-          </p:nvCxnSpPr>
-          <p:spPr>
-            <a:xfrm flipH="1">
-              <a:off x="1853118" y="2893212"/>
-              <a:ext cx="972386" cy="347122"/>
-            </a:xfrm>
-            <a:prstGeom prst="line">
-              <a:avLst/>
-            </a:prstGeom>
-            <a:ln>
-              <a:solidFill>
-                <a:schemeClr val="accent1"/>
-              </a:solidFill>
-            </a:ln>
-          </p:spPr>
-          <p:style>
-            <a:lnRef idx="3">
-              <a:schemeClr val="dk1"/>
-            </a:lnRef>
-            <a:fillRef idx="0">
-              <a:schemeClr val="dk1"/>
-            </a:fillRef>
-            <a:effectRef idx="2">
-              <a:schemeClr val="dk1"/>
-            </a:effectRef>
-            <a:fontRef idx="minor">
-              <a:schemeClr val="tx1"/>
-            </a:fontRef>
-          </p:style>
-        </p:cxnSp>
-        <p:cxnSp>
-          <p:nvCxnSpPr>
-            <p:cNvPr id="20" name="Straight Connector 19">
-              <a:extLst>
-                <a:ext uri="{FF2B5EF4-FFF2-40B4-BE49-F238E27FC236}">
-                  <a16:creationId xmlns:a16="http://schemas.microsoft.com/office/drawing/2014/main" id="{40EC2FE1-56F4-4AD8-B191-146157DB4699}"/>
-                </a:ext>
-              </a:extLst>
-            </p:cNvPr>
-            <p:cNvCxnSpPr>
-              <a:cxnSpLocks/>
-              <a:stCxn id="12" idx="4"/>
-              <a:endCxn id="8" idx="0"/>
-            </p:cNvCxnSpPr>
-            <p:nvPr/>
-          </p:nvCxnSpPr>
-          <p:spPr>
-            <a:xfrm>
-              <a:off x="1625934" y="1896303"/>
-              <a:ext cx="227184" cy="1344031"/>
-            </a:xfrm>
-            <a:prstGeom prst="line">
-              <a:avLst/>
-            </a:prstGeom>
-            <a:ln>
-              <a:solidFill>
-                <a:schemeClr val="accent1"/>
-              </a:solidFill>
-            </a:ln>
-          </p:spPr>
-          <p:style>
-            <a:lnRef idx="3">
-              <a:schemeClr val="dk1"/>
-            </a:lnRef>
-            <a:fillRef idx="0">
-              <a:schemeClr val="dk1"/>
-            </a:fillRef>
-            <a:effectRef idx="2">
-              <a:schemeClr val="dk1"/>
-            </a:effectRef>
-            <a:fontRef idx="minor">
-              <a:schemeClr val="tx1"/>
-            </a:fontRef>
-          </p:style>
-        </p:cxnSp>
-        <p:cxnSp>
-          <p:nvCxnSpPr>
-            <p:cNvPr id="21" name="Straight Connector 20">
-              <a:extLst>
-                <a:ext uri="{FF2B5EF4-FFF2-40B4-BE49-F238E27FC236}">
-                  <a16:creationId xmlns:a16="http://schemas.microsoft.com/office/drawing/2014/main" id="{9F1ADE00-A64E-4766-B337-2A013EA44525}"/>
-                </a:ext>
-              </a:extLst>
-            </p:cNvPr>
-            <p:cNvCxnSpPr>
-              <a:cxnSpLocks/>
-              <a:stCxn id="14" idx="4"/>
-              <a:endCxn id="8" idx="0"/>
-            </p:cNvCxnSpPr>
-            <p:nvPr/>
-          </p:nvCxnSpPr>
-          <p:spPr>
-            <a:xfrm>
-              <a:off x="898964" y="3110559"/>
-              <a:ext cx="954154" cy="129775"/>
-            </a:xfrm>
-            <a:prstGeom prst="line">
-              <a:avLst/>
-            </a:prstGeom>
-            <a:ln>
-              <a:solidFill>
-                <a:schemeClr val="accent1"/>
-              </a:solidFill>
-            </a:ln>
-          </p:spPr>
-          <p:style>
-            <a:lnRef idx="3">
-              <a:schemeClr val="dk1"/>
-            </a:lnRef>
-            <a:fillRef idx="0">
-              <a:schemeClr val="dk1"/>
-            </a:fillRef>
-            <a:effectRef idx="2">
-              <a:schemeClr val="dk1"/>
-            </a:effectRef>
-            <a:fontRef idx="minor">
-              <a:schemeClr val="tx1"/>
-            </a:fontRef>
-          </p:style>
-        </p:cxnSp>
-        <p:sp>
-          <p:nvSpPr>
-            <p:cNvPr id="26" name="Oval 25">
-              <a:extLst>
-                <a:ext uri="{FF2B5EF4-FFF2-40B4-BE49-F238E27FC236}">
-                  <a16:creationId xmlns:a16="http://schemas.microsoft.com/office/drawing/2014/main" id="{EEE352D9-28B0-4D50-AAF8-4B75C8174676}"/>
-                </a:ext>
-              </a:extLst>
-            </p:cNvPr>
-            <p:cNvSpPr/>
-            <p:nvPr/>
-          </p:nvSpPr>
-          <p:spPr>
-            <a:xfrm>
-              <a:off x="6343101" y="2679866"/>
-              <a:ext cx="1580328" cy="390563"/>
-            </a:xfrm>
-            <a:prstGeom prst="ellipse">
-              <a:avLst/>
-            </a:prstGeom>
-            <a:solidFill>
-              <a:schemeClr val="tx1">
-                <a:lumMod val="65000"/>
-                <a:lumOff val="35000"/>
-              </a:schemeClr>
-            </a:solidFill>
-            <a:ln>
-              <a:solidFill>
-                <a:schemeClr val="bg1"/>
-              </a:solidFill>
-            </a:ln>
-          </p:spPr>
-          <p:style>
-            <a:lnRef idx="2">
-              <a:schemeClr val="accent1">
-                <a:shade val="50000"/>
-              </a:schemeClr>
-            </a:lnRef>
-            <a:fillRef idx="1">
-              <a:schemeClr val="accent1"/>
-            </a:fillRef>
-            <a:effectRef idx="0">
-              <a:schemeClr val="accent1"/>
-            </a:effectRef>
-            <a:fontRef idx="minor">
-              <a:schemeClr val="lt1"/>
-            </a:fontRef>
-          </p:style>
-          <p:txBody>
-            <a:bodyPr rtlCol="0" anchor="ctr"/>
-            <a:lstStyle/>
-            <a:p>
-              <a:pPr algn="ctr"/>
-              <a:r>
-                <a:rPr lang="es-DO" noProof="1"/>
-                <a:t>seguro</a:t>
-              </a:r>
-            </a:p>
-          </p:txBody>
-        </p:sp>
-        <p:sp>
-          <p:nvSpPr>
-            <p:cNvPr id="28" name="Oval 27">
-              <a:extLst>
-                <a:ext uri="{FF2B5EF4-FFF2-40B4-BE49-F238E27FC236}">
-                  <a16:creationId xmlns:a16="http://schemas.microsoft.com/office/drawing/2014/main" id="{69EE593E-7969-453B-B680-50F3D9723558}"/>
-                </a:ext>
-              </a:extLst>
-            </p:cNvPr>
-            <p:cNvSpPr/>
-            <p:nvPr/>
-          </p:nvSpPr>
-          <p:spPr>
-            <a:xfrm>
-              <a:off x="35841" y="2267860"/>
-              <a:ext cx="1658698" cy="390563"/>
-            </a:xfrm>
-            <a:prstGeom prst="ellipse">
-              <a:avLst/>
-            </a:prstGeom>
-            <a:solidFill>
-              <a:schemeClr val="tx1">
-                <a:lumMod val="65000"/>
-                <a:lumOff val="35000"/>
-              </a:schemeClr>
-            </a:solidFill>
-            <a:ln>
-              <a:solidFill>
-                <a:schemeClr val="bg1"/>
-              </a:solidFill>
-            </a:ln>
-          </p:spPr>
-          <p:style>
-            <a:lnRef idx="2">
-              <a:schemeClr val="accent1">
-                <a:shade val="50000"/>
-              </a:schemeClr>
-            </a:lnRef>
-            <a:fillRef idx="1">
-              <a:schemeClr val="accent1"/>
-            </a:fillRef>
-            <a:effectRef idx="0">
-              <a:schemeClr val="accent1"/>
-            </a:effectRef>
-            <a:fontRef idx="minor">
-              <a:schemeClr val="lt1"/>
-            </a:fontRef>
-          </p:style>
-          <p:txBody>
-            <a:bodyPr rtlCol="0" anchor="ctr"/>
-            <a:lstStyle/>
-            <a:p>
-              <a:pPr algn="ctr"/>
-              <a:r>
-                <a:rPr lang="es-DO" noProof="1"/>
-                <a:t>Id_seguro</a:t>
-              </a:r>
-            </a:p>
-          </p:txBody>
-        </p:sp>
-        <p:sp>
-          <p:nvSpPr>
-            <p:cNvPr id="29" name="Oval 28">
-              <a:extLst>
-                <a:ext uri="{FF2B5EF4-FFF2-40B4-BE49-F238E27FC236}">
-                  <a16:creationId xmlns:a16="http://schemas.microsoft.com/office/drawing/2014/main" id="{71456A61-6056-497E-B0D1-2D30A2E98713}"/>
-                </a:ext>
-              </a:extLst>
-            </p:cNvPr>
-            <p:cNvSpPr/>
-            <p:nvPr/>
-          </p:nvSpPr>
-          <p:spPr>
-            <a:xfrm>
-              <a:off x="1446656" y="5359515"/>
-              <a:ext cx="1580328" cy="390563"/>
-            </a:xfrm>
-            <a:prstGeom prst="ellipse">
-              <a:avLst/>
-            </a:prstGeom>
-            <a:solidFill>
-              <a:schemeClr val="tx1">
-                <a:lumMod val="65000"/>
-                <a:lumOff val="35000"/>
-              </a:schemeClr>
-            </a:solidFill>
-            <a:ln>
-              <a:solidFill>
-                <a:schemeClr val="bg1"/>
-              </a:solidFill>
-            </a:ln>
-          </p:spPr>
-          <p:style>
-            <a:lnRef idx="2">
-              <a:schemeClr val="accent1">
-                <a:shade val="50000"/>
-              </a:schemeClr>
-            </a:lnRef>
-            <a:fillRef idx="1">
-              <a:schemeClr val="accent1"/>
-            </a:fillRef>
-            <a:effectRef idx="0">
-              <a:schemeClr val="accent1"/>
-            </a:effectRef>
-            <a:fontRef idx="minor">
-              <a:schemeClr val="lt1"/>
-            </a:fontRef>
-          </p:style>
-          <p:txBody>
-            <a:bodyPr rtlCol="0" anchor="ctr"/>
-            <a:lstStyle/>
-            <a:p>
-              <a:pPr algn="ctr"/>
-              <a:r>
-                <a:rPr lang="es-DO" sz="1800" b="1" dirty="0"/>
-                <a:t>coches</a:t>
-              </a:r>
-              <a:endParaRPr lang="es-DO" noProof="1"/>
-            </a:p>
-          </p:txBody>
-        </p:sp>
-        <p:sp>
-          <p:nvSpPr>
-            <p:cNvPr id="32" name="Oval 31">
-              <a:extLst>
-                <a:ext uri="{FF2B5EF4-FFF2-40B4-BE49-F238E27FC236}">
-                  <a16:creationId xmlns:a16="http://schemas.microsoft.com/office/drawing/2014/main" id="{DADB2C4F-E063-4FB4-B471-0C8E445C407D}"/>
-                </a:ext>
-              </a:extLst>
-            </p:cNvPr>
-            <p:cNvSpPr/>
-            <p:nvPr/>
-          </p:nvSpPr>
-          <p:spPr>
-            <a:xfrm>
-              <a:off x="5883489" y="5146790"/>
-              <a:ext cx="1580328" cy="390563"/>
-            </a:xfrm>
-            <a:prstGeom prst="ellipse">
-              <a:avLst/>
-            </a:prstGeom>
-            <a:solidFill>
-              <a:schemeClr val="tx1">
-                <a:lumMod val="65000"/>
-                <a:lumOff val="35000"/>
-              </a:schemeClr>
-            </a:solidFill>
-            <a:ln>
-              <a:solidFill>
-                <a:schemeClr val="bg1"/>
-              </a:solidFill>
-            </a:ln>
-          </p:spPr>
-          <p:style>
-            <a:lnRef idx="2">
-              <a:schemeClr val="accent1">
-                <a:shade val="50000"/>
-              </a:schemeClr>
-            </a:lnRef>
-            <a:fillRef idx="1">
-              <a:schemeClr val="accent1"/>
-            </a:fillRef>
-            <a:effectRef idx="0">
-              <a:schemeClr val="accent1"/>
-            </a:effectRef>
-            <a:fontRef idx="minor">
-              <a:schemeClr val="lt1"/>
-            </a:fontRef>
-          </p:style>
-          <p:txBody>
-            <a:bodyPr rtlCol="0" anchor="ctr"/>
-            <a:lstStyle/>
-            <a:p>
-              <a:pPr algn="ctr"/>
-              <a:r>
-                <a:rPr lang="es-DO" sz="1800" b="1" dirty="0" err="1"/>
-                <a:t>Id_coche</a:t>
-              </a:r>
-              <a:endParaRPr lang="es-DO" noProof="1"/>
-            </a:p>
-          </p:txBody>
-        </p:sp>
-        <p:sp>
-          <p:nvSpPr>
-            <p:cNvPr id="33" name="Oval 32">
-              <a:extLst>
-                <a:ext uri="{FF2B5EF4-FFF2-40B4-BE49-F238E27FC236}">
-                  <a16:creationId xmlns:a16="http://schemas.microsoft.com/office/drawing/2014/main" id="{C2D51473-9B8D-4FFD-9E25-AE1D9AAB1E3A}"/>
-                </a:ext>
-              </a:extLst>
-            </p:cNvPr>
-            <p:cNvSpPr/>
-            <p:nvPr/>
-          </p:nvSpPr>
-          <p:spPr>
-            <a:xfrm>
-              <a:off x="5802782" y="5583986"/>
-              <a:ext cx="585555" cy="390563"/>
-            </a:xfrm>
-            <a:prstGeom prst="ellipse">
-              <a:avLst/>
-            </a:prstGeom>
-            <a:solidFill>
-              <a:schemeClr val="tx1">
-                <a:lumMod val="65000"/>
-                <a:lumOff val="35000"/>
-              </a:schemeClr>
-            </a:solidFill>
-            <a:ln>
-              <a:solidFill>
-                <a:schemeClr val="bg1"/>
-              </a:solidFill>
-            </a:ln>
-          </p:spPr>
-          <p:style>
-            <a:lnRef idx="2">
-              <a:schemeClr val="accent1">
-                <a:shade val="50000"/>
-              </a:schemeClr>
-            </a:lnRef>
-            <a:fillRef idx="1">
-              <a:schemeClr val="accent1"/>
-            </a:fillRef>
-            <a:effectRef idx="0">
-              <a:schemeClr val="accent1"/>
-            </a:effectRef>
-            <a:fontRef idx="minor">
-              <a:schemeClr val="lt1"/>
-            </a:fontRef>
-          </p:style>
-          <p:txBody>
-            <a:bodyPr rtlCol="0" anchor="ctr"/>
-            <a:lstStyle/>
-            <a:p>
-              <a:pPr algn="ctr"/>
-              <a:r>
-                <a:rPr lang="es-DO" noProof="1"/>
-                <a:t>id</a:t>
-              </a:r>
-            </a:p>
-          </p:txBody>
-        </p:sp>
-        <p:sp>
-          <p:nvSpPr>
-            <p:cNvPr id="34" name="Oval 33">
-              <a:extLst>
-                <a:ext uri="{FF2B5EF4-FFF2-40B4-BE49-F238E27FC236}">
-                  <a16:creationId xmlns:a16="http://schemas.microsoft.com/office/drawing/2014/main" id="{740EC596-7705-4065-971C-7D5BB60E716F}"/>
-                </a:ext>
-              </a:extLst>
-            </p:cNvPr>
-            <p:cNvSpPr/>
-            <p:nvPr/>
-          </p:nvSpPr>
-          <p:spPr>
-            <a:xfrm>
-              <a:off x="6821408" y="5537353"/>
-              <a:ext cx="1580328" cy="390563"/>
-            </a:xfrm>
-            <a:prstGeom prst="ellipse">
-              <a:avLst/>
-            </a:prstGeom>
-            <a:solidFill>
-              <a:schemeClr val="tx1">
-                <a:lumMod val="65000"/>
-                <a:lumOff val="35000"/>
-              </a:schemeClr>
-            </a:solidFill>
-            <a:ln>
-              <a:solidFill>
-                <a:schemeClr val="bg1"/>
-              </a:solidFill>
-            </a:ln>
-          </p:spPr>
-          <p:style>
-            <a:lnRef idx="2">
-              <a:schemeClr val="accent1">
-                <a:shade val="50000"/>
-              </a:schemeClr>
-            </a:lnRef>
-            <a:fillRef idx="1">
-              <a:schemeClr val="accent1"/>
-            </a:fillRef>
-            <a:effectRef idx="0">
-              <a:schemeClr val="accent1"/>
-            </a:effectRef>
-            <a:fontRef idx="minor">
-              <a:schemeClr val="lt1"/>
-            </a:fontRef>
-          </p:style>
-          <p:txBody>
-            <a:bodyPr rtlCol="0" anchor="ctr"/>
-            <a:lstStyle/>
-            <a:p>
-              <a:pPr algn="ctr"/>
-              <a:r>
-                <a:rPr lang="es-DO" sz="1800" b="1" dirty="0"/>
-                <a:t>accidente</a:t>
-              </a:r>
-              <a:endParaRPr lang="es-DO" noProof="1"/>
-            </a:p>
-          </p:txBody>
-        </p:sp>
-        <p:sp>
-          <p:nvSpPr>
-            <p:cNvPr id="35" name="Oval 34">
-              <a:extLst>
-                <a:ext uri="{FF2B5EF4-FFF2-40B4-BE49-F238E27FC236}">
-                  <a16:creationId xmlns:a16="http://schemas.microsoft.com/office/drawing/2014/main" id="{72FEC20E-CC50-4BAD-8F0C-EF751E5B5009}"/>
-                </a:ext>
-              </a:extLst>
-            </p:cNvPr>
-            <p:cNvSpPr/>
-            <p:nvPr/>
-          </p:nvSpPr>
-          <p:spPr>
-            <a:xfrm>
-              <a:off x="1009498" y="5596566"/>
-              <a:ext cx="585555" cy="390563"/>
-            </a:xfrm>
-            <a:prstGeom prst="ellipse">
-              <a:avLst/>
-            </a:prstGeom>
-            <a:solidFill>
-              <a:schemeClr val="tx1">
-                <a:lumMod val="65000"/>
-                <a:lumOff val="35000"/>
-              </a:schemeClr>
-            </a:solidFill>
-            <a:ln>
-              <a:solidFill>
-                <a:schemeClr val="bg1"/>
-              </a:solidFill>
-            </a:ln>
-          </p:spPr>
-          <p:style>
-            <a:lnRef idx="2">
-              <a:schemeClr val="accent1">
-                <a:shade val="50000"/>
-              </a:schemeClr>
-            </a:lnRef>
-            <a:fillRef idx="1">
-              <a:schemeClr val="accent1"/>
-            </a:fillRef>
-            <a:effectRef idx="0">
-              <a:schemeClr val="accent1"/>
-            </a:effectRef>
-            <a:fontRef idx="minor">
-              <a:schemeClr val="lt1"/>
-            </a:fontRef>
-          </p:style>
-          <p:txBody>
-            <a:bodyPr rtlCol="0" anchor="ctr"/>
-            <a:lstStyle/>
-            <a:p>
-              <a:pPr algn="ctr"/>
-              <a:r>
-                <a:rPr lang="es-DO" noProof="1"/>
-                <a:t>id</a:t>
-              </a:r>
-            </a:p>
-          </p:txBody>
-        </p:sp>
-        <p:sp>
-          <p:nvSpPr>
-            <p:cNvPr id="36" name="Oval 35">
-              <a:extLst>
-                <a:ext uri="{FF2B5EF4-FFF2-40B4-BE49-F238E27FC236}">
-                  <a16:creationId xmlns:a16="http://schemas.microsoft.com/office/drawing/2014/main" id="{DD335D98-9FB6-41F0-A2EB-7CDC2CDC3826}"/>
-                </a:ext>
-              </a:extLst>
-            </p:cNvPr>
-            <p:cNvSpPr/>
-            <p:nvPr/>
-          </p:nvSpPr>
-          <p:spPr>
-            <a:xfrm>
-              <a:off x="5636326" y="2679866"/>
-              <a:ext cx="585555" cy="390563"/>
-            </a:xfrm>
-            <a:prstGeom prst="ellipse">
-              <a:avLst/>
-            </a:prstGeom>
-            <a:solidFill>
-              <a:schemeClr val="tx1">
-                <a:lumMod val="65000"/>
-                <a:lumOff val="35000"/>
-              </a:schemeClr>
-            </a:solidFill>
-            <a:ln>
-              <a:solidFill>
-                <a:schemeClr val="bg1"/>
-              </a:solidFill>
-            </a:ln>
-          </p:spPr>
-          <p:style>
-            <a:lnRef idx="2">
-              <a:schemeClr val="accent1">
-                <a:shade val="50000"/>
-              </a:schemeClr>
-            </a:lnRef>
-            <a:fillRef idx="1">
-              <a:schemeClr val="accent1"/>
-            </a:fillRef>
-            <a:effectRef idx="0">
-              <a:schemeClr val="accent1"/>
-            </a:effectRef>
-            <a:fontRef idx="minor">
-              <a:schemeClr val="lt1"/>
-            </a:fontRef>
-          </p:style>
-          <p:txBody>
-            <a:bodyPr rtlCol="0" anchor="ctr"/>
-            <a:lstStyle/>
-            <a:p>
-              <a:pPr algn="ctr"/>
-              <a:r>
-                <a:rPr lang="es-DO" noProof="1"/>
-                <a:t>id</a:t>
-              </a:r>
-            </a:p>
-          </p:txBody>
-        </p:sp>
-        <p:cxnSp>
-          <p:nvCxnSpPr>
-            <p:cNvPr id="40" name="Straight Connector 39">
-              <a:extLst>
-                <a:ext uri="{FF2B5EF4-FFF2-40B4-BE49-F238E27FC236}">
-                  <a16:creationId xmlns:a16="http://schemas.microsoft.com/office/drawing/2014/main" id="{DFCD152A-0470-4EFD-AB61-2B7F0FDAA07B}"/>
-                </a:ext>
-              </a:extLst>
-            </p:cNvPr>
-            <p:cNvCxnSpPr>
-              <a:cxnSpLocks/>
-              <a:stCxn id="28" idx="5"/>
-              <a:endCxn id="8" idx="0"/>
-            </p:cNvCxnSpPr>
-            <p:nvPr/>
-          </p:nvCxnSpPr>
-          <p:spPr>
-            <a:xfrm>
-              <a:off x="1451628" y="2601226"/>
-              <a:ext cx="401490" cy="639108"/>
-            </a:xfrm>
-            <a:prstGeom prst="line">
-              <a:avLst/>
-            </a:prstGeom>
-            <a:ln>
-              <a:solidFill>
-                <a:schemeClr val="accent1"/>
-              </a:solidFill>
-            </a:ln>
-          </p:spPr>
-          <p:style>
-            <a:lnRef idx="3">
-              <a:schemeClr val="dk1"/>
-            </a:lnRef>
-            <a:fillRef idx="0">
-              <a:schemeClr val="dk1"/>
-            </a:fillRef>
-            <a:effectRef idx="2">
-              <a:schemeClr val="dk1"/>
-            </a:effectRef>
-            <a:fontRef idx="minor">
-              <a:schemeClr val="tx1"/>
-            </a:fontRef>
-          </p:style>
-        </p:cxnSp>
-        <p:cxnSp>
-          <p:nvCxnSpPr>
-            <p:cNvPr id="48" name="Straight Connector 47">
-              <a:extLst>
-                <a:ext uri="{FF2B5EF4-FFF2-40B4-BE49-F238E27FC236}">
-                  <a16:creationId xmlns:a16="http://schemas.microsoft.com/office/drawing/2014/main" id="{9BF65935-0850-4ACB-B09B-6D1CA6203BB9}"/>
-                </a:ext>
-              </a:extLst>
-            </p:cNvPr>
-            <p:cNvCxnSpPr>
-              <a:cxnSpLocks/>
-              <a:stCxn id="26" idx="4"/>
-              <a:endCxn id="6" idx="0"/>
-            </p:cNvCxnSpPr>
-            <p:nvPr/>
-          </p:nvCxnSpPr>
-          <p:spPr>
-            <a:xfrm flipH="1">
-              <a:off x="6531652" y="3070429"/>
-              <a:ext cx="601613" cy="170626"/>
-            </a:xfrm>
-            <a:prstGeom prst="line">
-              <a:avLst/>
-            </a:prstGeom>
-            <a:ln>
-              <a:solidFill>
-                <a:schemeClr val="accent1"/>
-              </a:solidFill>
-            </a:ln>
-          </p:spPr>
-          <p:style>
-            <a:lnRef idx="3">
-              <a:schemeClr val="dk1"/>
-            </a:lnRef>
-            <a:fillRef idx="0">
-              <a:schemeClr val="dk1"/>
-            </a:fillRef>
-            <a:effectRef idx="2">
-              <a:schemeClr val="dk1"/>
-            </a:effectRef>
-            <a:fontRef idx="minor">
-              <a:schemeClr val="tx1"/>
-            </a:fontRef>
-          </p:style>
-        </p:cxnSp>
-        <p:cxnSp>
-          <p:nvCxnSpPr>
-            <p:cNvPr id="51" name="Straight Connector 50">
-              <a:extLst>
-                <a:ext uri="{FF2B5EF4-FFF2-40B4-BE49-F238E27FC236}">
-                  <a16:creationId xmlns:a16="http://schemas.microsoft.com/office/drawing/2014/main" id="{9A8D3F0C-8ECF-4BB8-A371-F9EDE555FBE8}"/>
-                </a:ext>
-              </a:extLst>
-            </p:cNvPr>
-            <p:cNvCxnSpPr>
-              <a:cxnSpLocks/>
-              <a:stCxn id="36" idx="4"/>
-              <a:endCxn id="6" idx="0"/>
-            </p:cNvCxnSpPr>
-            <p:nvPr/>
-          </p:nvCxnSpPr>
-          <p:spPr>
-            <a:xfrm>
-              <a:off x="5929104" y="3070429"/>
-              <a:ext cx="602548" cy="170626"/>
-            </a:xfrm>
-            <a:prstGeom prst="line">
-              <a:avLst/>
-            </a:prstGeom>
-            <a:ln>
-              <a:solidFill>
-                <a:schemeClr val="accent1"/>
-              </a:solidFill>
-            </a:ln>
-          </p:spPr>
-          <p:style>
-            <a:lnRef idx="3">
-              <a:schemeClr val="dk1"/>
-            </a:lnRef>
-            <a:fillRef idx="0">
-              <a:schemeClr val="dk1"/>
-            </a:fillRef>
-            <a:effectRef idx="2">
-              <a:schemeClr val="dk1"/>
-            </a:effectRef>
-            <a:fontRef idx="minor">
-              <a:schemeClr val="tx1"/>
-            </a:fontRef>
-          </p:style>
-        </p:cxnSp>
-        <p:cxnSp>
-          <p:nvCxnSpPr>
-            <p:cNvPr id="54" name="Straight Connector 53">
-              <a:extLst>
-                <a:ext uri="{FF2B5EF4-FFF2-40B4-BE49-F238E27FC236}">
-                  <a16:creationId xmlns:a16="http://schemas.microsoft.com/office/drawing/2014/main" id="{EC6F4078-5327-4F86-9490-CAA24B1B8C38}"/>
-                </a:ext>
-              </a:extLst>
-            </p:cNvPr>
-            <p:cNvCxnSpPr>
-              <a:cxnSpLocks/>
-              <a:stCxn id="35" idx="4"/>
-              <a:endCxn id="10" idx="0"/>
-            </p:cNvCxnSpPr>
-            <p:nvPr/>
-          </p:nvCxnSpPr>
-          <p:spPr>
-            <a:xfrm>
-              <a:off x="1302276" y="5987129"/>
-              <a:ext cx="548575" cy="152335"/>
-            </a:xfrm>
-            <a:prstGeom prst="line">
-              <a:avLst/>
-            </a:prstGeom>
-            <a:ln>
-              <a:solidFill>
-                <a:schemeClr val="accent1"/>
-              </a:solidFill>
-            </a:ln>
-          </p:spPr>
-          <p:style>
-            <a:lnRef idx="3">
-              <a:schemeClr val="dk1"/>
-            </a:lnRef>
-            <a:fillRef idx="0">
-              <a:schemeClr val="dk1"/>
-            </a:fillRef>
-            <a:effectRef idx="2">
-              <a:schemeClr val="dk1"/>
-            </a:effectRef>
-            <a:fontRef idx="minor">
-              <a:schemeClr val="tx1"/>
-            </a:fontRef>
-          </p:style>
-        </p:cxnSp>
-        <p:cxnSp>
-          <p:nvCxnSpPr>
-            <p:cNvPr id="57" name="Straight Connector 56">
-              <a:extLst>
-                <a:ext uri="{FF2B5EF4-FFF2-40B4-BE49-F238E27FC236}">
-                  <a16:creationId xmlns:a16="http://schemas.microsoft.com/office/drawing/2014/main" id="{2EF739C0-8E7F-4752-93CB-E23B7DB29224}"/>
-                </a:ext>
-              </a:extLst>
-            </p:cNvPr>
-            <p:cNvCxnSpPr>
-              <a:cxnSpLocks/>
-              <a:stCxn id="29" idx="4"/>
-              <a:endCxn id="10" idx="0"/>
-            </p:cNvCxnSpPr>
-            <p:nvPr/>
-          </p:nvCxnSpPr>
-          <p:spPr>
-            <a:xfrm flipH="1">
-              <a:off x="1850851" y="5750078"/>
-              <a:ext cx="385969" cy="389386"/>
-            </a:xfrm>
-            <a:prstGeom prst="line">
-              <a:avLst/>
-            </a:prstGeom>
-            <a:ln>
-              <a:solidFill>
-                <a:schemeClr val="accent1"/>
-              </a:solidFill>
-            </a:ln>
-          </p:spPr>
-          <p:style>
-            <a:lnRef idx="3">
-              <a:schemeClr val="dk1"/>
-            </a:lnRef>
-            <a:fillRef idx="0">
-              <a:schemeClr val="dk1"/>
-            </a:fillRef>
-            <a:effectRef idx="2">
-              <a:schemeClr val="dk1"/>
-            </a:effectRef>
-            <a:fontRef idx="minor">
-              <a:schemeClr val="tx1"/>
-            </a:fontRef>
-          </p:style>
-        </p:cxnSp>
-        <p:cxnSp>
-          <p:nvCxnSpPr>
-            <p:cNvPr id="61" name="Straight Connector 60">
-              <a:extLst>
-                <a:ext uri="{FF2B5EF4-FFF2-40B4-BE49-F238E27FC236}">
-                  <a16:creationId xmlns:a16="http://schemas.microsoft.com/office/drawing/2014/main" id="{1F33351A-FF16-4194-B773-FEE8CA635F04}"/>
-                </a:ext>
-              </a:extLst>
-            </p:cNvPr>
-            <p:cNvCxnSpPr>
-              <a:cxnSpLocks/>
-              <a:stCxn id="33" idx="4"/>
-              <a:endCxn id="11" idx="0"/>
-            </p:cNvCxnSpPr>
-            <p:nvPr/>
-          </p:nvCxnSpPr>
-          <p:spPr>
-            <a:xfrm>
-              <a:off x="6095560" y="5974549"/>
-              <a:ext cx="668647" cy="164915"/>
-            </a:xfrm>
-            <a:prstGeom prst="line">
-              <a:avLst/>
-            </a:prstGeom>
-            <a:ln>
-              <a:solidFill>
-                <a:schemeClr val="accent1"/>
-              </a:solidFill>
-            </a:ln>
-          </p:spPr>
-          <p:style>
-            <a:lnRef idx="3">
-              <a:schemeClr val="dk1"/>
-            </a:lnRef>
-            <a:fillRef idx="0">
-              <a:schemeClr val="dk1"/>
-            </a:fillRef>
-            <a:effectRef idx="2">
-              <a:schemeClr val="dk1"/>
-            </a:effectRef>
-            <a:fontRef idx="minor">
-              <a:schemeClr val="tx1"/>
-            </a:fontRef>
-          </p:style>
-        </p:cxnSp>
-        <p:cxnSp>
-          <p:nvCxnSpPr>
-            <p:cNvPr id="64" name="Straight Connector 63">
-              <a:extLst>
-                <a:ext uri="{FF2B5EF4-FFF2-40B4-BE49-F238E27FC236}">
-                  <a16:creationId xmlns:a16="http://schemas.microsoft.com/office/drawing/2014/main" id="{70EDBAD8-11FF-4620-8CA2-D066F04C69A6}"/>
-                </a:ext>
-              </a:extLst>
-            </p:cNvPr>
-            <p:cNvCxnSpPr>
-              <a:cxnSpLocks/>
-              <a:stCxn id="32" idx="4"/>
-              <a:endCxn id="11" idx="0"/>
-            </p:cNvCxnSpPr>
-            <p:nvPr/>
-          </p:nvCxnSpPr>
-          <p:spPr>
-            <a:xfrm>
-              <a:off x="6673653" y="5537353"/>
-              <a:ext cx="90554" cy="602111"/>
-            </a:xfrm>
-            <a:prstGeom prst="line">
-              <a:avLst/>
-            </a:prstGeom>
-            <a:ln>
-              <a:solidFill>
-                <a:schemeClr val="accent1"/>
-              </a:solidFill>
-            </a:ln>
-          </p:spPr>
-          <p:style>
-            <a:lnRef idx="3">
-              <a:schemeClr val="dk1"/>
-            </a:lnRef>
-            <a:fillRef idx="0">
-              <a:schemeClr val="dk1"/>
-            </a:fillRef>
-            <a:effectRef idx="2">
-              <a:schemeClr val="dk1"/>
-            </a:effectRef>
-            <a:fontRef idx="minor">
-              <a:schemeClr val="tx1"/>
-            </a:fontRef>
-          </p:style>
-        </p:cxnSp>
-        <p:cxnSp>
-          <p:nvCxnSpPr>
-            <p:cNvPr id="65" name="Straight Connector 64">
-              <a:extLst>
-                <a:ext uri="{FF2B5EF4-FFF2-40B4-BE49-F238E27FC236}">
-                  <a16:creationId xmlns:a16="http://schemas.microsoft.com/office/drawing/2014/main" id="{17582D59-A9A7-4E45-A938-689950C64146}"/>
-                </a:ext>
-              </a:extLst>
-            </p:cNvPr>
-            <p:cNvCxnSpPr>
-              <a:cxnSpLocks/>
-              <a:stCxn id="34" idx="4"/>
-              <a:endCxn id="11" idx="0"/>
-            </p:cNvCxnSpPr>
-            <p:nvPr/>
-          </p:nvCxnSpPr>
-          <p:spPr>
-            <a:xfrm flipH="1">
-              <a:off x="6764207" y="5927916"/>
-              <a:ext cx="847365" cy="211548"/>
-            </a:xfrm>
-            <a:prstGeom prst="line">
-              <a:avLst/>
-            </a:prstGeom>
-            <a:ln>
-              <a:solidFill>
-                <a:schemeClr val="accent1"/>
-              </a:solidFill>
-            </a:ln>
-          </p:spPr>
-          <p:style>
-            <a:lnRef idx="3">
-              <a:schemeClr val="dk1"/>
-            </a:lnRef>
-            <a:fillRef idx="0">
-              <a:schemeClr val="dk1"/>
-            </a:fillRef>
-            <a:effectRef idx="2">
-              <a:schemeClr val="dk1"/>
-            </a:effectRef>
-            <a:fontRef idx="minor">
-              <a:schemeClr val="tx1"/>
-            </a:fontRef>
-          </p:style>
-        </p:cxnSp>
-        <p:sp>
-          <p:nvSpPr>
-            <p:cNvPr id="73" name="Oval 72">
-              <a:extLst>
-                <a:ext uri="{FF2B5EF4-FFF2-40B4-BE49-F238E27FC236}">
-                  <a16:creationId xmlns:a16="http://schemas.microsoft.com/office/drawing/2014/main" id="{67FAB503-4084-4818-AD41-508BE04236AB}"/>
-                </a:ext>
-              </a:extLst>
-            </p:cNvPr>
-            <p:cNvSpPr/>
-            <p:nvPr/>
-          </p:nvSpPr>
-          <p:spPr>
-            <a:xfrm>
-              <a:off x="1752152" y="1980158"/>
-              <a:ext cx="1658698" cy="390563"/>
-            </a:xfrm>
-            <a:prstGeom prst="ellipse">
-              <a:avLst/>
-            </a:prstGeom>
-            <a:solidFill>
-              <a:schemeClr val="tx1">
-                <a:lumMod val="65000"/>
-                <a:lumOff val="35000"/>
-              </a:schemeClr>
-            </a:solidFill>
-            <a:ln>
-              <a:solidFill>
-                <a:schemeClr val="bg1"/>
-              </a:solidFill>
-            </a:ln>
-          </p:spPr>
-          <p:style>
-            <a:lnRef idx="2">
-              <a:schemeClr val="accent1">
-                <a:shade val="50000"/>
-              </a:schemeClr>
-            </a:lnRef>
-            <a:fillRef idx="1">
-              <a:schemeClr val="accent1"/>
-            </a:fillRef>
-            <a:effectRef idx="0">
-              <a:schemeClr val="accent1"/>
-            </a:effectRef>
-            <a:fontRef idx="minor">
-              <a:schemeClr val="lt1"/>
-            </a:fontRef>
-          </p:style>
-          <p:txBody>
-            <a:bodyPr rtlCol="0" anchor="ctr"/>
-            <a:lstStyle/>
-            <a:p>
-              <a:pPr algn="ctr"/>
-              <a:r>
-                <a:rPr lang="es-DO" noProof="1"/>
-                <a:t>Id_cohes</a:t>
-              </a:r>
-            </a:p>
-          </p:txBody>
-        </p:sp>
-        <p:cxnSp>
-          <p:nvCxnSpPr>
-            <p:cNvPr id="74" name="Straight Connector 73">
-              <a:extLst>
-                <a:ext uri="{FF2B5EF4-FFF2-40B4-BE49-F238E27FC236}">
-                  <a16:creationId xmlns:a16="http://schemas.microsoft.com/office/drawing/2014/main" id="{38CB4D1B-B44C-4E4A-9E6E-C657D924B4BA}"/>
-                </a:ext>
-              </a:extLst>
-            </p:cNvPr>
-            <p:cNvCxnSpPr>
-              <a:cxnSpLocks/>
-              <a:stCxn id="73" idx="4"/>
-              <a:endCxn id="8" idx="0"/>
-            </p:cNvCxnSpPr>
-            <p:nvPr/>
-          </p:nvCxnSpPr>
-          <p:spPr>
-            <a:xfrm flipH="1">
-              <a:off x="1853118" y="2370721"/>
-              <a:ext cx="728383" cy="869613"/>
-            </a:xfrm>
-            <a:prstGeom prst="line">
-              <a:avLst/>
-            </a:prstGeom>
-            <a:ln>
-              <a:solidFill>
-                <a:schemeClr val="accent1"/>
-              </a:solidFill>
-            </a:ln>
-          </p:spPr>
-          <p:style>
-            <a:lnRef idx="3">
-              <a:schemeClr val="dk1"/>
-            </a:lnRef>
-            <a:fillRef idx="0">
-              <a:schemeClr val="dk1"/>
-            </a:fillRef>
-            <a:effectRef idx="2">
-              <a:schemeClr val="dk1"/>
-            </a:effectRef>
-            <a:fontRef idx="minor">
-              <a:schemeClr val="tx1"/>
-            </a:fontRef>
-          </p:style>
-        </p:cxnSp>
-        <p:sp>
-          <p:nvSpPr>
-            <p:cNvPr id="80" name="Diamond 79">
-              <a:extLst>
-                <a:ext uri="{FF2B5EF4-FFF2-40B4-BE49-F238E27FC236}">
-                  <a16:creationId xmlns:a16="http://schemas.microsoft.com/office/drawing/2014/main" id="{8FCA177E-9373-4207-A407-02A20B02F023}"/>
-                </a:ext>
-              </a:extLst>
-            </p:cNvPr>
-            <p:cNvSpPr/>
-            <p:nvPr/>
-          </p:nvSpPr>
-          <p:spPr>
-            <a:xfrm>
-              <a:off x="3180567" y="3186771"/>
-              <a:ext cx="2022773" cy="597455"/>
-            </a:xfrm>
-            <a:prstGeom prst="diamond">
-              <a:avLst/>
-            </a:prstGeom>
-          </p:spPr>
-          <p:style>
-            <a:lnRef idx="2">
-              <a:schemeClr val="accent1">
-                <a:shade val="50000"/>
-              </a:schemeClr>
-            </a:lnRef>
-            <a:fillRef idx="1">
-              <a:schemeClr val="accent1"/>
-            </a:fillRef>
-            <a:effectRef idx="0">
-              <a:schemeClr val="accent1"/>
-            </a:effectRef>
-            <a:fontRef idx="minor">
-              <a:schemeClr val="lt1"/>
-            </a:fontRef>
-          </p:style>
-          <p:txBody>
-            <a:bodyPr rtlCol="0" anchor="ctr"/>
-            <a:lstStyle/>
-            <a:p>
-              <a:pPr algn="ctr"/>
-              <a:r>
-                <a:rPr lang="en-US" sz="1400" dirty="0" err="1"/>
-                <a:t>Id_seguro</a:t>
-              </a:r>
-              <a:endParaRPr lang="es-DO" sz="1400" dirty="0"/>
-            </a:p>
-          </p:txBody>
-        </p:sp>
-        <p:cxnSp>
-          <p:nvCxnSpPr>
-            <p:cNvPr id="81" name="Straight Connector 80">
-              <a:extLst>
-                <a:ext uri="{FF2B5EF4-FFF2-40B4-BE49-F238E27FC236}">
-                  <a16:creationId xmlns:a16="http://schemas.microsoft.com/office/drawing/2014/main" id="{D5EDA98A-A80E-4819-90AC-21CFA13DD41B}"/>
-                </a:ext>
-              </a:extLst>
-            </p:cNvPr>
-            <p:cNvCxnSpPr>
-              <a:cxnSpLocks/>
-              <a:stCxn id="80" idx="1"/>
-              <a:endCxn id="8" idx="3"/>
-            </p:cNvCxnSpPr>
-            <p:nvPr/>
-          </p:nvCxnSpPr>
-          <p:spPr>
-            <a:xfrm flipH="1">
-              <a:off x="2581987" y="3485499"/>
-              <a:ext cx="598580" cy="1"/>
-            </a:xfrm>
-            <a:prstGeom prst="line">
-              <a:avLst/>
-            </a:prstGeom>
-            <a:ln/>
-          </p:spPr>
-          <p:style>
-            <a:lnRef idx="3">
-              <a:schemeClr val="accent2"/>
-            </a:lnRef>
-            <a:fillRef idx="0">
-              <a:schemeClr val="accent2"/>
-            </a:fillRef>
-            <a:effectRef idx="2">
-              <a:schemeClr val="accent2"/>
-            </a:effectRef>
-            <a:fontRef idx="minor">
-              <a:schemeClr val="tx1"/>
-            </a:fontRef>
-          </p:style>
-        </p:cxnSp>
-        <p:cxnSp>
-          <p:nvCxnSpPr>
-            <p:cNvPr id="87" name="Straight Connector 86">
-              <a:extLst>
-                <a:ext uri="{FF2B5EF4-FFF2-40B4-BE49-F238E27FC236}">
-                  <a16:creationId xmlns:a16="http://schemas.microsoft.com/office/drawing/2014/main" id="{EE025595-21E2-454F-9B27-8E057529652E}"/>
-                </a:ext>
-              </a:extLst>
-            </p:cNvPr>
-            <p:cNvCxnSpPr>
-              <a:cxnSpLocks/>
-              <a:stCxn id="6" idx="1"/>
-              <a:endCxn id="80" idx="3"/>
-            </p:cNvCxnSpPr>
-            <p:nvPr/>
-          </p:nvCxnSpPr>
-          <p:spPr>
-            <a:xfrm flipH="1" flipV="1">
-              <a:off x="5203340" y="3485499"/>
-              <a:ext cx="599442" cy="722"/>
-            </a:xfrm>
-            <a:prstGeom prst="line">
-              <a:avLst/>
-            </a:prstGeom>
-            <a:ln/>
-          </p:spPr>
-          <p:style>
-            <a:lnRef idx="3">
-              <a:schemeClr val="accent2"/>
-            </a:lnRef>
-            <a:fillRef idx="0">
-              <a:schemeClr val="accent2"/>
-            </a:fillRef>
-            <a:effectRef idx="2">
-              <a:schemeClr val="accent2"/>
-            </a:effectRef>
-            <a:fontRef idx="minor">
-              <a:schemeClr val="tx1"/>
-            </a:fontRef>
-          </p:style>
-        </p:cxnSp>
-        <p:sp>
-          <p:nvSpPr>
-            <p:cNvPr id="94" name="Diamond 93">
-              <a:extLst>
-                <a:ext uri="{FF2B5EF4-FFF2-40B4-BE49-F238E27FC236}">
-                  <a16:creationId xmlns:a16="http://schemas.microsoft.com/office/drawing/2014/main" id="{25FC2C99-2539-499A-9B47-61327870DE65}"/>
-                </a:ext>
-              </a:extLst>
-            </p:cNvPr>
-            <p:cNvSpPr/>
-            <p:nvPr/>
-          </p:nvSpPr>
-          <p:spPr>
-            <a:xfrm>
-              <a:off x="839463" y="4440681"/>
-              <a:ext cx="2022773" cy="597455"/>
-            </a:xfrm>
-            <a:prstGeom prst="diamond">
-              <a:avLst/>
-            </a:prstGeom>
-          </p:spPr>
-          <p:style>
-            <a:lnRef idx="2">
-              <a:schemeClr val="accent1">
-                <a:shade val="50000"/>
-              </a:schemeClr>
-            </a:lnRef>
-            <a:fillRef idx="1">
-              <a:schemeClr val="accent1"/>
-            </a:fillRef>
-            <a:effectRef idx="0">
-              <a:schemeClr val="accent1"/>
-            </a:effectRef>
-            <a:fontRef idx="minor">
-              <a:schemeClr val="lt1"/>
-            </a:fontRef>
-          </p:style>
-          <p:txBody>
-            <a:bodyPr rtlCol="0" anchor="ctr"/>
-            <a:lstStyle/>
-            <a:p>
-              <a:pPr algn="ctr"/>
-              <a:r>
-                <a:rPr lang="es-DO" sz="1400" noProof="1"/>
-                <a:t>Id_coches</a:t>
-              </a:r>
-            </a:p>
-          </p:txBody>
-        </p:sp>
-        <p:cxnSp>
-          <p:nvCxnSpPr>
-            <p:cNvPr id="95" name="Straight Connector 94">
-              <a:extLst>
-                <a:ext uri="{FF2B5EF4-FFF2-40B4-BE49-F238E27FC236}">
-                  <a16:creationId xmlns:a16="http://schemas.microsoft.com/office/drawing/2014/main" id="{D8BF5A26-4634-453A-96D9-B748D78D31C0}"/>
-                </a:ext>
-              </a:extLst>
-            </p:cNvPr>
-            <p:cNvCxnSpPr>
-              <a:cxnSpLocks/>
-              <a:stCxn id="8" idx="2"/>
-              <a:endCxn id="94" idx="0"/>
-            </p:cNvCxnSpPr>
-            <p:nvPr/>
-          </p:nvCxnSpPr>
-          <p:spPr>
-            <a:xfrm flipH="1">
-              <a:off x="1850850" y="3730665"/>
-              <a:ext cx="2268" cy="710016"/>
-            </a:xfrm>
-            <a:prstGeom prst="line">
-              <a:avLst/>
-            </a:prstGeom>
-            <a:ln/>
-          </p:spPr>
-          <p:style>
-            <a:lnRef idx="3">
-              <a:schemeClr val="accent2"/>
-            </a:lnRef>
-            <a:fillRef idx="0">
-              <a:schemeClr val="accent2"/>
-            </a:fillRef>
-            <a:effectRef idx="2">
-              <a:schemeClr val="accent2"/>
-            </a:effectRef>
-            <a:fontRef idx="minor">
-              <a:schemeClr val="tx1"/>
-            </a:fontRef>
-          </p:style>
-        </p:cxnSp>
-        <p:cxnSp>
-          <p:nvCxnSpPr>
-            <p:cNvPr id="96" name="Straight Connector 95">
-              <a:extLst>
-                <a:ext uri="{FF2B5EF4-FFF2-40B4-BE49-F238E27FC236}">
-                  <a16:creationId xmlns:a16="http://schemas.microsoft.com/office/drawing/2014/main" id="{EFC17577-C8DD-475B-92E3-1F5E35D698C5}"/>
-                </a:ext>
-              </a:extLst>
-            </p:cNvPr>
-            <p:cNvCxnSpPr>
-              <a:cxnSpLocks/>
-              <a:stCxn id="10" idx="0"/>
-              <a:endCxn id="94" idx="2"/>
-            </p:cNvCxnSpPr>
-            <p:nvPr/>
-          </p:nvCxnSpPr>
-          <p:spPr>
-            <a:xfrm flipH="1" flipV="1">
-              <a:off x="1850850" y="5038136"/>
-              <a:ext cx="1" cy="1101328"/>
-            </a:xfrm>
-            <a:prstGeom prst="line">
-              <a:avLst/>
-            </a:prstGeom>
-            <a:ln/>
-          </p:spPr>
-          <p:style>
-            <a:lnRef idx="3">
-              <a:schemeClr val="accent2"/>
-            </a:lnRef>
-            <a:fillRef idx="0">
-              <a:schemeClr val="accent2"/>
-            </a:fillRef>
-            <a:effectRef idx="2">
-              <a:schemeClr val="accent2"/>
-            </a:effectRef>
-            <a:fontRef idx="minor">
-              <a:schemeClr val="tx1"/>
-            </a:fontRef>
-          </p:style>
-        </p:cxnSp>
-        <p:sp>
-          <p:nvSpPr>
-            <p:cNvPr id="107" name="Diamond 106">
-              <a:extLst>
-                <a:ext uri="{FF2B5EF4-FFF2-40B4-BE49-F238E27FC236}">
-                  <a16:creationId xmlns:a16="http://schemas.microsoft.com/office/drawing/2014/main" id="{4E635A5C-1A67-4832-B918-B7E7E54B34BF}"/>
-                </a:ext>
-              </a:extLst>
-            </p:cNvPr>
-            <p:cNvSpPr/>
-            <p:nvPr/>
-          </p:nvSpPr>
-          <p:spPr>
-            <a:xfrm>
-              <a:off x="3204452" y="6085901"/>
-              <a:ext cx="2022773" cy="597455"/>
-            </a:xfrm>
-            <a:prstGeom prst="diamond">
-              <a:avLst/>
-            </a:prstGeom>
-          </p:spPr>
-          <p:style>
-            <a:lnRef idx="2">
-              <a:schemeClr val="accent1">
-                <a:shade val="50000"/>
-              </a:schemeClr>
-            </a:lnRef>
-            <a:fillRef idx="1">
-              <a:schemeClr val="accent1"/>
-            </a:fillRef>
-            <a:effectRef idx="0">
-              <a:schemeClr val="accent1"/>
-            </a:effectRef>
-            <a:fontRef idx="minor">
-              <a:schemeClr val="lt1"/>
-            </a:fontRef>
-          </p:style>
-          <p:txBody>
-            <a:bodyPr rtlCol="0" anchor="ctr"/>
-            <a:lstStyle/>
-            <a:p>
-              <a:pPr algn="ctr"/>
-              <a:r>
-                <a:rPr lang="es-DO" sz="1400" b="1" dirty="0" err="1"/>
-                <a:t>Id_coches</a:t>
-              </a:r>
-              <a:endParaRPr lang="es-DO" sz="1400" noProof="1"/>
-            </a:p>
-          </p:txBody>
-        </p:sp>
-        <p:cxnSp>
-          <p:nvCxnSpPr>
-            <p:cNvPr id="108" name="Straight Connector 107">
-              <a:extLst>
-                <a:ext uri="{FF2B5EF4-FFF2-40B4-BE49-F238E27FC236}">
-                  <a16:creationId xmlns:a16="http://schemas.microsoft.com/office/drawing/2014/main" id="{15C061FC-9D0A-401C-8155-524FFE5A35CC}"/>
-                </a:ext>
-              </a:extLst>
-            </p:cNvPr>
-            <p:cNvCxnSpPr>
-              <a:cxnSpLocks/>
-              <a:stCxn id="10" idx="3"/>
-              <a:endCxn id="107" idx="1"/>
-            </p:cNvCxnSpPr>
-            <p:nvPr/>
-          </p:nvCxnSpPr>
-          <p:spPr>
-            <a:xfrm flipV="1">
-              <a:off x="2579720" y="6384629"/>
-              <a:ext cx="624732" cy="1"/>
-            </a:xfrm>
-            <a:prstGeom prst="line">
-              <a:avLst/>
-            </a:prstGeom>
-            <a:ln/>
-          </p:spPr>
-          <p:style>
-            <a:lnRef idx="3">
-              <a:schemeClr val="accent2"/>
-            </a:lnRef>
-            <a:fillRef idx="0">
-              <a:schemeClr val="accent2"/>
-            </a:fillRef>
-            <a:effectRef idx="2">
-              <a:schemeClr val="accent2"/>
-            </a:effectRef>
-            <a:fontRef idx="minor">
-              <a:schemeClr val="tx1"/>
-            </a:fontRef>
-          </p:style>
-        </p:cxnSp>
-        <p:cxnSp>
-          <p:nvCxnSpPr>
-            <p:cNvPr id="113" name="Straight Connector 112">
-              <a:extLst>
-                <a:ext uri="{FF2B5EF4-FFF2-40B4-BE49-F238E27FC236}">
-                  <a16:creationId xmlns:a16="http://schemas.microsoft.com/office/drawing/2014/main" id="{15EE4685-EE9B-4DA2-8C98-04CBE620DC53}"/>
-                </a:ext>
-              </a:extLst>
-            </p:cNvPr>
-            <p:cNvCxnSpPr>
-              <a:cxnSpLocks/>
-              <a:stCxn id="107" idx="3"/>
-              <a:endCxn id="11" idx="1"/>
-            </p:cNvCxnSpPr>
-            <p:nvPr/>
-          </p:nvCxnSpPr>
-          <p:spPr>
-            <a:xfrm>
-              <a:off x="5227225" y="6384629"/>
-              <a:ext cx="808112" cy="1"/>
-            </a:xfrm>
-            <a:prstGeom prst="line">
-              <a:avLst/>
-            </a:prstGeom>
-            <a:ln/>
-          </p:spPr>
-          <p:style>
-            <a:lnRef idx="3">
-              <a:schemeClr val="accent2"/>
-            </a:lnRef>
-            <a:fillRef idx="0">
-              <a:schemeClr val="accent2"/>
-            </a:fillRef>
-            <a:effectRef idx="2">
-              <a:schemeClr val="accent2"/>
-            </a:effectRef>
-            <a:fontRef idx="minor">
-              <a:schemeClr val="tx1"/>
-            </a:fontRef>
-          </p:style>
-        </p:cxnSp>
-        <p:sp>
-          <p:nvSpPr>
-            <p:cNvPr id="121" name="Oval 120">
-              <a:extLst>
-                <a:ext uri="{FF2B5EF4-FFF2-40B4-BE49-F238E27FC236}">
-                  <a16:creationId xmlns:a16="http://schemas.microsoft.com/office/drawing/2014/main" id="{F91BE534-7F1D-47F5-9194-5245FD08AAD9}"/>
-                </a:ext>
-              </a:extLst>
-            </p:cNvPr>
-            <p:cNvSpPr/>
-            <p:nvPr/>
-          </p:nvSpPr>
-          <p:spPr>
-            <a:xfrm>
-              <a:off x="2441264" y="3072850"/>
-              <a:ext cx="495300" cy="522491"/>
-            </a:xfrm>
-            <a:prstGeom prst="ellipse">
-              <a:avLst/>
-            </a:prstGeom>
-            <a:noFill/>
-            <a:ln>
-              <a:noFill/>
-            </a:ln>
-          </p:spPr>
-          <p:style>
-            <a:lnRef idx="2">
-              <a:schemeClr val="accent1">
-                <a:shade val="50000"/>
-              </a:schemeClr>
-            </a:lnRef>
-            <a:fillRef idx="1">
-              <a:schemeClr val="accent1"/>
-            </a:fillRef>
-            <a:effectRef idx="0">
-              <a:schemeClr val="accent1"/>
-            </a:effectRef>
-            <a:fontRef idx="minor">
-              <a:schemeClr val="lt1"/>
-            </a:fontRef>
-          </p:style>
-          <p:txBody>
-            <a:bodyPr rtlCol="0" anchor="ctr"/>
-            <a:lstStyle/>
-            <a:p>
-              <a:pPr algn="ctr"/>
-              <a:r>
-                <a:rPr lang="en-US" dirty="0">
-                  <a:solidFill>
-                    <a:schemeClr val="tx1"/>
-                  </a:solidFill>
-                </a:rPr>
-                <a:t>1</a:t>
-              </a:r>
-              <a:endParaRPr lang="es-DO" dirty="0">
-                <a:solidFill>
-                  <a:schemeClr val="tx1"/>
-                </a:solidFill>
-              </a:endParaRPr>
-            </a:p>
-          </p:txBody>
-        </p:sp>
-        <p:sp>
-          <p:nvSpPr>
-            <p:cNvPr id="122" name="Oval 121">
-              <a:extLst>
-                <a:ext uri="{FF2B5EF4-FFF2-40B4-BE49-F238E27FC236}">
-                  <a16:creationId xmlns:a16="http://schemas.microsoft.com/office/drawing/2014/main" id="{40FB65D4-DA7F-49F6-ADD2-4077EAEEC351}"/>
-                </a:ext>
-              </a:extLst>
-            </p:cNvPr>
-            <p:cNvSpPr/>
-            <p:nvPr/>
-          </p:nvSpPr>
-          <p:spPr>
-            <a:xfrm>
-              <a:off x="5412699" y="3054348"/>
-              <a:ext cx="495300" cy="522491"/>
-            </a:xfrm>
-            <a:prstGeom prst="ellipse">
-              <a:avLst/>
-            </a:prstGeom>
-            <a:noFill/>
-            <a:ln>
-              <a:noFill/>
-            </a:ln>
-          </p:spPr>
-          <p:style>
-            <a:lnRef idx="2">
-              <a:schemeClr val="accent1">
-                <a:shade val="50000"/>
-              </a:schemeClr>
-            </a:lnRef>
-            <a:fillRef idx="1">
-              <a:schemeClr val="accent1"/>
-            </a:fillRef>
-            <a:effectRef idx="0">
-              <a:schemeClr val="accent1"/>
-            </a:effectRef>
-            <a:fontRef idx="minor">
-              <a:schemeClr val="lt1"/>
-            </a:fontRef>
-          </p:style>
-          <p:txBody>
-            <a:bodyPr rtlCol="0" anchor="ctr"/>
-            <a:lstStyle/>
-            <a:p>
-              <a:pPr algn="ctr"/>
-              <a:r>
-                <a:rPr lang="en-US" dirty="0">
-                  <a:solidFill>
-                    <a:schemeClr val="tx1"/>
-                  </a:solidFill>
-                </a:rPr>
-                <a:t>1</a:t>
-              </a:r>
-              <a:endParaRPr lang="es-DO" dirty="0">
-                <a:solidFill>
-                  <a:schemeClr val="tx1"/>
-                </a:solidFill>
-              </a:endParaRPr>
-            </a:p>
-          </p:txBody>
-        </p:sp>
-        <p:sp>
-          <p:nvSpPr>
-            <p:cNvPr id="123" name="Oval 122">
-              <a:extLst>
-                <a:ext uri="{FF2B5EF4-FFF2-40B4-BE49-F238E27FC236}">
-                  <a16:creationId xmlns:a16="http://schemas.microsoft.com/office/drawing/2014/main" id="{1BDFD81F-3428-4F17-A022-50CBA8A9BFA2}"/>
-                </a:ext>
-              </a:extLst>
-            </p:cNvPr>
-            <p:cNvSpPr/>
-            <p:nvPr/>
-          </p:nvSpPr>
-          <p:spPr>
-            <a:xfrm>
-              <a:off x="1500343" y="3571068"/>
-              <a:ext cx="495300" cy="522491"/>
-            </a:xfrm>
-            <a:prstGeom prst="ellipse">
-              <a:avLst/>
-            </a:prstGeom>
-            <a:noFill/>
-            <a:ln>
-              <a:noFill/>
-            </a:ln>
-          </p:spPr>
-          <p:style>
-            <a:lnRef idx="2">
-              <a:schemeClr val="accent1">
-                <a:shade val="50000"/>
-              </a:schemeClr>
-            </a:lnRef>
-            <a:fillRef idx="1">
-              <a:schemeClr val="accent1"/>
-            </a:fillRef>
-            <a:effectRef idx="0">
-              <a:schemeClr val="accent1"/>
-            </a:effectRef>
-            <a:fontRef idx="minor">
-              <a:schemeClr val="lt1"/>
-            </a:fontRef>
-          </p:style>
-          <p:txBody>
-            <a:bodyPr rtlCol="0" anchor="ctr"/>
-            <a:lstStyle/>
-            <a:p>
-              <a:pPr algn="ctr"/>
-              <a:r>
-                <a:rPr lang="en-US" dirty="0">
-                  <a:solidFill>
-                    <a:schemeClr val="tx1"/>
-                  </a:solidFill>
-                </a:rPr>
-                <a:t>1</a:t>
-              </a:r>
-              <a:endParaRPr lang="es-DO" dirty="0">
-                <a:solidFill>
-                  <a:schemeClr val="tx1"/>
-                </a:solidFill>
-              </a:endParaRPr>
-            </a:p>
-          </p:txBody>
-        </p:sp>
-        <p:sp>
-          <p:nvSpPr>
-            <p:cNvPr id="124" name="Oval 123">
-              <a:extLst>
-                <a:ext uri="{FF2B5EF4-FFF2-40B4-BE49-F238E27FC236}">
-                  <a16:creationId xmlns:a16="http://schemas.microsoft.com/office/drawing/2014/main" id="{73F70E9A-BD7A-442F-B483-285EEBF3EEFB}"/>
-                </a:ext>
-              </a:extLst>
-            </p:cNvPr>
-            <p:cNvSpPr/>
-            <p:nvPr/>
-          </p:nvSpPr>
-          <p:spPr>
-            <a:xfrm>
-              <a:off x="1500343" y="5732634"/>
-              <a:ext cx="495300" cy="522491"/>
-            </a:xfrm>
-            <a:prstGeom prst="ellipse">
-              <a:avLst/>
-            </a:prstGeom>
-            <a:noFill/>
-            <a:ln>
-              <a:noFill/>
-            </a:ln>
-          </p:spPr>
-          <p:style>
-            <a:lnRef idx="2">
-              <a:schemeClr val="accent1">
-                <a:shade val="50000"/>
-              </a:schemeClr>
-            </a:lnRef>
-            <a:fillRef idx="1">
-              <a:schemeClr val="accent1"/>
-            </a:fillRef>
-            <a:effectRef idx="0">
-              <a:schemeClr val="accent1"/>
-            </a:effectRef>
-            <a:fontRef idx="minor">
-              <a:schemeClr val="lt1"/>
-            </a:fontRef>
-          </p:style>
-          <p:txBody>
-            <a:bodyPr rtlCol="0" anchor="ctr"/>
-            <a:lstStyle/>
-            <a:p>
-              <a:pPr algn="ctr"/>
-              <a:r>
-                <a:rPr lang="en-US" dirty="0">
-                  <a:solidFill>
-                    <a:schemeClr val="tx1"/>
-                  </a:solidFill>
-                </a:rPr>
-                <a:t>*</a:t>
-              </a:r>
-              <a:endParaRPr lang="es-DO" dirty="0">
-                <a:solidFill>
-                  <a:schemeClr val="tx1"/>
-                </a:solidFill>
-              </a:endParaRPr>
-            </a:p>
-          </p:txBody>
-        </p:sp>
-        <p:sp>
-          <p:nvSpPr>
-            <p:cNvPr id="125" name="Oval 124">
-              <a:extLst>
-                <a:ext uri="{FF2B5EF4-FFF2-40B4-BE49-F238E27FC236}">
-                  <a16:creationId xmlns:a16="http://schemas.microsoft.com/office/drawing/2014/main" id="{748D0FA8-2041-43AD-B596-A4045D9ECA51}"/>
-                </a:ext>
-              </a:extLst>
-            </p:cNvPr>
-            <p:cNvSpPr/>
-            <p:nvPr/>
-          </p:nvSpPr>
-          <p:spPr>
-            <a:xfrm>
-              <a:off x="5716069" y="6033690"/>
-              <a:ext cx="495300" cy="522491"/>
-            </a:xfrm>
-            <a:prstGeom prst="ellipse">
-              <a:avLst/>
-            </a:prstGeom>
-            <a:noFill/>
-            <a:ln>
-              <a:noFill/>
-            </a:ln>
-          </p:spPr>
-          <p:style>
-            <a:lnRef idx="2">
-              <a:schemeClr val="accent1">
-                <a:shade val="50000"/>
-              </a:schemeClr>
-            </a:lnRef>
-            <a:fillRef idx="1">
-              <a:schemeClr val="accent1"/>
-            </a:fillRef>
-            <a:effectRef idx="0">
-              <a:schemeClr val="accent1"/>
-            </a:effectRef>
-            <a:fontRef idx="minor">
-              <a:schemeClr val="lt1"/>
-            </a:fontRef>
-          </p:style>
-          <p:txBody>
-            <a:bodyPr rtlCol="0" anchor="ctr"/>
-            <a:lstStyle/>
-            <a:p>
-              <a:pPr algn="ctr"/>
-              <a:r>
-                <a:rPr lang="en-US" dirty="0">
-                  <a:solidFill>
-                    <a:schemeClr val="tx1"/>
-                  </a:solidFill>
-                </a:rPr>
-                <a:t>*</a:t>
-              </a:r>
-              <a:endParaRPr lang="es-DO" dirty="0">
-                <a:solidFill>
-                  <a:schemeClr val="tx1"/>
-                </a:solidFill>
-              </a:endParaRPr>
-            </a:p>
-          </p:txBody>
-        </p:sp>
-        <p:sp>
-          <p:nvSpPr>
-            <p:cNvPr id="126" name="Oval 125">
-              <a:extLst>
-                <a:ext uri="{FF2B5EF4-FFF2-40B4-BE49-F238E27FC236}">
-                  <a16:creationId xmlns:a16="http://schemas.microsoft.com/office/drawing/2014/main" id="{D29C9F40-5220-481F-BC01-8DE4F9B2E927}"/>
-                </a:ext>
-              </a:extLst>
-            </p:cNvPr>
-            <p:cNvSpPr/>
-            <p:nvPr/>
-          </p:nvSpPr>
-          <p:spPr>
-            <a:xfrm>
-              <a:off x="2478010" y="5987129"/>
-              <a:ext cx="495300" cy="522491"/>
-            </a:xfrm>
-            <a:prstGeom prst="ellipse">
-              <a:avLst/>
-            </a:prstGeom>
-            <a:noFill/>
-            <a:ln>
-              <a:noFill/>
-            </a:ln>
-          </p:spPr>
-          <p:style>
-            <a:lnRef idx="2">
-              <a:schemeClr val="accent1">
-                <a:shade val="50000"/>
-              </a:schemeClr>
-            </a:lnRef>
-            <a:fillRef idx="1">
-              <a:schemeClr val="accent1"/>
-            </a:fillRef>
-            <a:effectRef idx="0">
-              <a:schemeClr val="accent1"/>
-            </a:effectRef>
-            <a:fontRef idx="minor">
-              <a:schemeClr val="lt1"/>
-            </a:fontRef>
-          </p:style>
-          <p:txBody>
-            <a:bodyPr rtlCol="0" anchor="ctr"/>
-            <a:lstStyle/>
-            <a:p>
-              <a:pPr algn="ctr"/>
-              <a:r>
-                <a:rPr lang="en-US" dirty="0">
-                  <a:solidFill>
-                    <a:schemeClr val="tx1"/>
-                  </a:solidFill>
-                </a:rPr>
-                <a:t>1</a:t>
-              </a:r>
-              <a:endParaRPr lang="es-DO" dirty="0">
-                <a:solidFill>
-                  <a:schemeClr val="tx1"/>
-                </a:solidFill>
-              </a:endParaRPr>
-            </a:p>
-          </p:txBody>
-        </p:sp>
-      </p:grpSp>
-    </p:spTree>
-    <p:extLst>
-      <p:ext uri="{BB962C8B-B14F-4D97-AF65-F5344CB8AC3E}">
-        <p14:creationId xmlns:p14="http://schemas.microsoft.com/office/powerpoint/2010/main" val="4007455201"/>
-      </p:ext>
-    </p:extLst>
-  </p:cSld>
-  <p:clrMapOvr>
-    <a:masterClrMapping/>
-  </p:clrMapOvr>
-</p:sld>
-</file>
-
-<file path=ppt/slides/slide2.xml><?xml version="1.0" encoding="utf-8"?>
-<p:sld xmlns:a="http://schemas.openxmlformats.org/drawingml/2006/main" xmlns:r="http://schemas.openxmlformats.org/officeDocument/2006/relationships" xmlns:p="http://schemas.openxmlformats.org/presentationml/2006/main">
-  <p:cSld>
-    <p:spTree>
-      <p:nvGrpSpPr>
-        <p:cNvPr id="1" name=""/>
-        <p:cNvGrpSpPr/>
-        <p:nvPr/>
-      </p:nvGrpSpPr>
-      <p:grpSpPr>
-        <a:xfrm>
-          <a:off x="0" y="0"/>
-          <a:ext cx="0" cy="0"/>
-          <a:chOff x="0" y="0"/>
-          <a:chExt cx="0" cy="0"/>
-        </a:xfrm>
-      </p:grpSpPr>
-      <p:grpSp>
-        <p:nvGrpSpPr>
-          <p:cNvPr id="91" name="Group 90">
-            <a:extLst>
-              <a:ext uri="{FF2B5EF4-FFF2-40B4-BE49-F238E27FC236}">
-                <a16:creationId xmlns:a16="http://schemas.microsoft.com/office/drawing/2014/main" id="{01CC65B9-385F-4EA7-8B12-46AE65D63D52}"/>
-              </a:ext>
-            </a:extLst>
-          </p:cNvPr>
-          <p:cNvGrpSpPr/>
-          <p:nvPr/>
-        </p:nvGrpSpPr>
-        <p:grpSpPr>
-          <a:xfrm>
-            <a:off x="141275" y="153114"/>
-            <a:ext cx="12213389" cy="6652996"/>
-            <a:chOff x="141275" y="153114"/>
-            <a:chExt cx="12213389" cy="6652996"/>
-          </a:xfrm>
-        </p:grpSpPr>
-        <p:sp>
-          <p:nvSpPr>
-            <p:cNvPr id="2" name="Rectangle 1">
-              <a:extLst>
-                <a:ext uri="{FF2B5EF4-FFF2-40B4-BE49-F238E27FC236}">
-                  <a16:creationId xmlns:a16="http://schemas.microsoft.com/office/drawing/2014/main" id="{E4BA652E-BDD4-4184-8611-EB14D92DDCD9}"/>
-                </a:ext>
-              </a:extLst>
-            </p:cNvPr>
-            <p:cNvSpPr/>
-            <p:nvPr/>
-          </p:nvSpPr>
-          <p:spPr>
-            <a:xfrm>
-              <a:off x="2039114" y="1536034"/>
-              <a:ext cx="1885100" cy="490331"/>
-            </a:xfrm>
-            <a:prstGeom prst="rect">
-              <a:avLst/>
-            </a:prstGeom>
-            <a:solidFill>
-              <a:schemeClr val="tx1">
-                <a:lumMod val="85000"/>
-                <a:lumOff val="15000"/>
-              </a:schemeClr>
-            </a:solidFill>
-            <a:ln>
-              <a:solidFill>
-                <a:schemeClr val="bg1"/>
-              </a:solidFill>
-            </a:ln>
-          </p:spPr>
-          <p:style>
-            <a:lnRef idx="2">
-              <a:schemeClr val="accent1">
-                <a:shade val="50000"/>
-              </a:schemeClr>
-            </a:lnRef>
-            <a:fillRef idx="1">
-              <a:schemeClr val="accent1"/>
-            </a:fillRef>
-            <a:effectRef idx="0">
-              <a:schemeClr val="accent1"/>
-            </a:effectRef>
-            <a:fontRef idx="minor">
-              <a:schemeClr val="lt1"/>
-            </a:fontRef>
-          </p:style>
-          <p:txBody>
-            <a:bodyPr rtlCol="0" anchor="ctr"/>
-            <a:lstStyle/>
-            <a:p>
-              <a:pPr algn="ctr"/>
-              <a:r>
-                <a:rPr lang="es-DO" sz="2000" b="1" dirty="0"/>
-                <a:t>Asignaturas</a:t>
-              </a:r>
-              <a:endParaRPr lang="es-DO" b="1" dirty="0">
-                <a:solidFill>
-                  <a:schemeClr val="bg1"/>
-                </a:solidFill>
-              </a:endParaRPr>
-            </a:p>
-          </p:txBody>
-        </p:sp>
-        <p:sp>
-          <p:nvSpPr>
-            <p:cNvPr id="3" name="Rectangle 2">
-              <a:extLst>
-                <a:ext uri="{FF2B5EF4-FFF2-40B4-BE49-F238E27FC236}">
-                  <a16:creationId xmlns:a16="http://schemas.microsoft.com/office/drawing/2014/main" id="{4F8BC4B6-B740-43A6-A299-F22C679BDFBC}"/>
-                </a:ext>
-              </a:extLst>
-            </p:cNvPr>
-            <p:cNvSpPr/>
-            <p:nvPr/>
-          </p:nvSpPr>
-          <p:spPr>
-            <a:xfrm>
-              <a:off x="141275" y="3730502"/>
-              <a:ext cx="1885100" cy="490331"/>
-            </a:xfrm>
-            <a:prstGeom prst="rect">
-              <a:avLst/>
-            </a:prstGeom>
-            <a:solidFill>
-              <a:schemeClr val="tx1">
-                <a:lumMod val="85000"/>
-                <a:lumOff val="15000"/>
-              </a:schemeClr>
-            </a:solidFill>
-            <a:ln>
-              <a:solidFill>
-                <a:schemeClr val="bg1"/>
-              </a:solidFill>
-            </a:ln>
-          </p:spPr>
-          <p:style>
-            <a:lnRef idx="2">
-              <a:schemeClr val="accent1">
-                <a:shade val="50000"/>
-              </a:schemeClr>
-            </a:lnRef>
-            <a:fillRef idx="1">
-              <a:schemeClr val="accent1"/>
-            </a:fillRef>
-            <a:effectRef idx="0">
-              <a:schemeClr val="accent1"/>
-            </a:effectRef>
-            <a:fontRef idx="minor">
-              <a:schemeClr val="lt1"/>
-            </a:fontRef>
-          </p:style>
-          <p:txBody>
-            <a:bodyPr rtlCol="0" anchor="ctr"/>
-            <a:lstStyle/>
-            <a:p>
-              <a:pPr algn="ctr"/>
-              <a:r>
-                <a:rPr lang="es-DO" sz="2000" b="1" dirty="0"/>
-                <a:t>Estudiantes</a:t>
-              </a:r>
-              <a:endParaRPr lang="es-DO" b="1" dirty="0">
-                <a:solidFill>
-                  <a:schemeClr val="bg1"/>
-                </a:solidFill>
-              </a:endParaRPr>
-            </a:p>
-          </p:txBody>
-        </p:sp>
-        <p:sp>
-          <p:nvSpPr>
-            <p:cNvPr id="4" name="Rectangle 3">
-              <a:extLst>
-                <a:ext uri="{FF2B5EF4-FFF2-40B4-BE49-F238E27FC236}">
-                  <a16:creationId xmlns:a16="http://schemas.microsoft.com/office/drawing/2014/main" id="{D9FC4351-DA94-4432-8131-51BB2CA9313C}"/>
-                </a:ext>
-              </a:extLst>
-            </p:cNvPr>
-            <p:cNvSpPr/>
-            <p:nvPr/>
-          </p:nvSpPr>
-          <p:spPr>
-            <a:xfrm>
-              <a:off x="8516445" y="2363052"/>
-              <a:ext cx="2800912" cy="546275"/>
-            </a:xfrm>
-            <a:prstGeom prst="rect">
-              <a:avLst/>
-            </a:prstGeom>
-            <a:solidFill>
-              <a:schemeClr val="tx1">
-                <a:lumMod val="85000"/>
-                <a:lumOff val="15000"/>
-              </a:schemeClr>
-            </a:solidFill>
-            <a:ln>
-              <a:solidFill>
-                <a:schemeClr val="bg1"/>
-              </a:solidFill>
-            </a:ln>
-          </p:spPr>
-          <p:style>
-            <a:lnRef idx="2">
-              <a:schemeClr val="accent1">
-                <a:shade val="50000"/>
-              </a:schemeClr>
-            </a:lnRef>
-            <a:fillRef idx="1">
-              <a:schemeClr val="accent1"/>
-            </a:fillRef>
-            <a:effectRef idx="0">
-              <a:schemeClr val="accent1"/>
-            </a:effectRef>
-            <a:fontRef idx="minor">
-              <a:schemeClr val="lt1"/>
-            </a:fontRef>
-          </p:style>
-          <p:txBody>
-            <a:bodyPr rtlCol="0" anchor="ctr"/>
-            <a:lstStyle/>
-            <a:p>
-              <a:pPr algn="ctr"/>
-              <a:r>
-                <a:rPr lang="es-DO" sz="2000" b="1" dirty="0"/>
-                <a:t>Ofertas de asignaturas</a:t>
-              </a:r>
-              <a:endParaRPr lang="es-DO" b="1" dirty="0">
-                <a:solidFill>
-                  <a:schemeClr val="bg1"/>
-                </a:solidFill>
-              </a:endParaRPr>
-            </a:p>
-          </p:txBody>
-        </p:sp>
-        <p:sp>
-          <p:nvSpPr>
-            <p:cNvPr id="5" name="Rectangle 4">
-              <a:extLst>
-                <a:ext uri="{FF2B5EF4-FFF2-40B4-BE49-F238E27FC236}">
-                  <a16:creationId xmlns:a16="http://schemas.microsoft.com/office/drawing/2014/main" id="{11711293-5114-4882-8657-57FA7C69EF17}"/>
-                </a:ext>
-              </a:extLst>
-            </p:cNvPr>
-            <p:cNvSpPr/>
-            <p:nvPr/>
-          </p:nvSpPr>
-          <p:spPr>
-            <a:xfrm>
-              <a:off x="2879865" y="6006450"/>
-              <a:ext cx="1885100" cy="490331"/>
-            </a:xfrm>
-            <a:prstGeom prst="rect">
-              <a:avLst/>
-            </a:prstGeom>
-            <a:solidFill>
-              <a:schemeClr val="tx1">
-                <a:lumMod val="85000"/>
-                <a:lumOff val="15000"/>
-              </a:schemeClr>
-            </a:solidFill>
-            <a:ln>
-              <a:solidFill>
-                <a:schemeClr val="bg1"/>
-              </a:solidFill>
-            </a:ln>
-          </p:spPr>
-          <p:style>
-            <a:lnRef idx="2">
-              <a:schemeClr val="accent1">
-                <a:shade val="50000"/>
-              </a:schemeClr>
-            </a:lnRef>
-            <a:fillRef idx="1">
-              <a:schemeClr val="accent1"/>
-            </a:fillRef>
-            <a:effectRef idx="0">
-              <a:schemeClr val="accent1"/>
-            </a:effectRef>
-            <a:fontRef idx="minor">
-              <a:schemeClr val="lt1"/>
-            </a:fontRef>
-          </p:style>
-          <p:txBody>
-            <a:bodyPr rtlCol="0" anchor="ctr"/>
-            <a:lstStyle/>
-            <a:p>
-              <a:pPr algn="ctr"/>
-              <a:r>
-                <a:rPr lang="es-DO" sz="2000" b="1" dirty="0"/>
-                <a:t>Profesores</a:t>
-              </a:r>
-              <a:endParaRPr lang="es-DO" b="1" dirty="0">
-                <a:solidFill>
-                  <a:schemeClr val="bg1"/>
-                </a:solidFill>
-              </a:endParaRPr>
-            </a:p>
-          </p:txBody>
-        </p:sp>
-        <p:sp>
-          <p:nvSpPr>
-            <p:cNvPr id="6" name="Oval 5">
-              <a:extLst>
-                <a:ext uri="{FF2B5EF4-FFF2-40B4-BE49-F238E27FC236}">
-                  <a16:creationId xmlns:a16="http://schemas.microsoft.com/office/drawing/2014/main" id="{0CEAC870-C923-4465-A11A-24D1A6EDF98C}"/>
-                </a:ext>
-              </a:extLst>
-            </p:cNvPr>
-            <p:cNvSpPr/>
-            <p:nvPr/>
-          </p:nvSpPr>
-          <p:spPr>
-            <a:xfrm>
-              <a:off x="1872568" y="1102978"/>
-              <a:ext cx="546892" cy="399468"/>
-            </a:xfrm>
-            <a:prstGeom prst="ellipse">
-              <a:avLst/>
-            </a:prstGeom>
-            <a:solidFill>
-              <a:schemeClr val="tx1">
-                <a:lumMod val="65000"/>
-                <a:lumOff val="35000"/>
-              </a:schemeClr>
-            </a:solidFill>
-            <a:ln>
-              <a:solidFill>
-                <a:schemeClr val="bg1"/>
-              </a:solidFill>
-            </a:ln>
-          </p:spPr>
-          <p:style>
-            <a:lnRef idx="2">
-              <a:schemeClr val="accent1">
-                <a:shade val="50000"/>
-              </a:schemeClr>
-            </a:lnRef>
-            <a:fillRef idx="1">
-              <a:schemeClr val="accent1"/>
-            </a:fillRef>
-            <a:effectRef idx="0">
-              <a:schemeClr val="accent1"/>
-            </a:effectRef>
-            <a:fontRef idx="minor">
-              <a:schemeClr val="lt1"/>
-            </a:fontRef>
-          </p:style>
-          <p:txBody>
-            <a:bodyPr rtlCol="0" anchor="ctr"/>
-            <a:lstStyle/>
-            <a:p>
-              <a:pPr algn="ctr"/>
-              <a:r>
-                <a:rPr lang="es-DO" dirty="0"/>
-                <a:t>id</a:t>
-              </a:r>
-            </a:p>
-          </p:txBody>
-        </p:sp>
-        <p:sp>
-          <p:nvSpPr>
-            <p:cNvPr id="8" name="Oval 7">
-              <a:extLst>
-                <a:ext uri="{FF2B5EF4-FFF2-40B4-BE49-F238E27FC236}">
-                  <a16:creationId xmlns:a16="http://schemas.microsoft.com/office/drawing/2014/main" id="{2E0F6FB4-0F3B-4C1A-BCB7-0D82CFB3308F}"/>
-                </a:ext>
-              </a:extLst>
-            </p:cNvPr>
-            <p:cNvSpPr/>
-            <p:nvPr/>
-          </p:nvSpPr>
-          <p:spPr>
-            <a:xfrm>
-              <a:off x="3005473" y="1102978"/>
-              <a:ext cx="1002627" cy="390563"/>
-            </a:xfrm>
-            <a:prstGeom prst="ellipse">
-              <a:avLst/>
-            </a:prstGeom>
-            <a:solidFill>
-              <a:schemeClr val="tx1">
-                <a:lumMod val="65000"/>
-                <a:lumOff val="35000"/>
-              </a:schemeClr>
-            </a:solidFill>
-            <a:ln>
-              <a:solidFill>
-                <a:schemeClr val="bg1"/>
-              </a:solidFill>
-            </a:ln>
-          </p:spPr>
-          <p:style>
-            <a:lnRef idx="2">
-              <a:schemeClr val="accent1">
-                <a:shade val="50000"/>
-              </a:schemeClr>
-            </a:lnRef>
-            <a:fillRef idx="1">
-              <a:schemeClr val="accent1"/>
-            </a:fillRef>
-            <a:effectRef idx="0">
-              <a:schemeClr val="accent1"/>
-            </a:effectRef>
-            <a:fontRef idx="minor">
-              <a:schemeClr val="lt1"/>
-            </a:fontRef>
-          </p:style>
-          <p:txBody>
-            <a:bodyPr rtlCol="0" anchor="ctr"/>
-            <a:lstStyle/>
-            <a:p>
-              <a:pPr algn="ctr"/>
-              <a:r>
-                <a:rPr lang="es-DO" sz="1800" dirty="0">
-                  <a:effectLst/>
-                  <a:latin typeface="Calibri" panose="020F0502020204030204" pitchFamily="34" charset="0"/>
-                  <a:ea typeface="Calibri" panose="020F0502020204030204" pitchFamily="34" charset="0"/>
-                  <a:cs typeface="Times New Roman" panose="02020603050405020304" pitchFamily="18" charset="0"/>
-                </a:rPr>
-                <a:t>título</a:t>
-              </a:r>
-              <a:endParaRPr lang="es-DO" dirty="0"/>
-            </a:p>
-          </p:txBody>
-        </p:sp>
-        <p:sp>
-          <p:nvSpPr>
-            <p:cNvPr id="9" name="Oval 8">
-              <a:extLst>
-                <a:ext uri="{FF2B5EF4-FFF2-40B4-BE49-F238E27FC236}">
-                  <a16:creationId xmlns:a16="http://schemas.microsoft.com/office/drawing/2014/main" id="{7773880B-52E8-4E5F-98D3-5427E7447722}"/>
-                </a:ext>
-              </a:extLst>
-            </p:cNvPr>
-            <p:cNvSpPr/>
-            <p:nvPr/>
-          </p:nvSpPr>
-          <p:spPr>
-            <a:xfrm>
-              <a:off x="988219" y="3205588"/>
-              <a:ext cx="1431241" cy="390563"/>
-            </a:xfrm>
-            <a:prstGeom prst="ellipse">
-              <a:avLst/>
-            </a:prstGeom>
-            <a:solidFill>
-              <a:schemeClr val="tx1">
-                <a:lumMod val="65000"/>
-                <a:lumOff val="35000"/>
-              </a:schemeClr>
-            </a:solidFill>
-            <a:ln>
-              <a:solidFill>
-                <a:schemeClr val="bg1"/>
-              </a:solidFill>
-            </a:ln>
-          </p:spPr>
-          <p:style>
-            <a:lnRef idx="2">
-              <a:schemeClr val="accent1">
-                <a:shade val="50000"/>
-              </a:schemeClr>
-            </a:lnRef>
-            <a:fillRef idx="1">
-              <a:schemeClr val="accent1"/>
-            </a:fillRef>
-            <a:effectRef idx="0">
-              <a:schemeClr val="accent1"/>
-            </a:effectRef>
-            <a:fontRef idx="minor">
-              <a:schemeClr val="lt1"/>
-            </a:fontRef>
-          </p:style>
-          <p:txBody>
-            <a:bodyPr rtlCol="0" anchor="ctr"/>
-            <a:lstStyle/>
-            <a:p>
-              <a:pPr algn="ctr"/>
-              <a:r>
-                <a:rPr lang="es-DO" dirty="0"/>
-                <a:t>nombre</a:t>
-              </a:r>
-            </a:p>
-          </p:txBody>
-        </p:sp>
-        <p:sp>
-          <p:nvSpPr>
-            <p:cNvPr id="12" name="Oval 11">
-              <a:extLst>
-                <a:ext uri="{FF2B5EF4-FFF2-40B4-BE49-F238E27FC236}">
-                  <a16:creationId xmlns:a16="http://schemas.microsoft.com/office/drawing/2014/main" id="{17EC2AC6-E8E6-4FD7-BA9F-618794A4880C}"/>
-                </a:ext>
-              </a:extLst>
-            </p:cNvPr>
-            <p:cNvSpPr/>
-            <p:nvPr/>
-          </p:nvSpPr>
-          <p:spPr>
-            <a:xfrm>
-              <a:off x="1831059" y="582503"/>
-              <a:ext cx="2135887" cy="390563"/>
-            </a:xfrm>
-            <a:prstGeom prst="ellipse">
-              <a:avLst/>
-            </a:prstGeom>
-            <a:solidFill>
-              <a:schemeClr val="tx1">
-                <a:lumMod val="65000"/>
-                <a:lumOff val="35000"/>
-              </a:schemeClr>
-            </a:solidFill>
-            <a:ln>
-              <a:solidFill>
-                <a:schemeClr val="bg1"/>
-              </a:solidFill>
-            </a:ln>
-          </p:spPr>
-          <p:style>
-            <a:lnRef idx="2">
-              <a:schemeClr val="accent1">
-                <a:shade val="50000"/>
-              </a:schemeClr>
-            </a:lnRef>
-            <a:fillRef idx="1">
-              <a:schemeClr val="accent1"/>
-            </a:fillRef>
-            <a:effectRef idx="0">
-              <a:schemeClr val="accent1"/>
-            </a:effectRef>
-            <a:fontRef idx="minor">
-              <a:schemeClr val="lt1"/>
-            </a:fontRef>
-          </p:style>
-          <p:txBody>
-            <a:bodyPr rtlCol="0" anchor="ctr"/>
-            <a:lstStyle/>
-            <a:p>
-              <a:pPr algn="ctr"/>
-              <a:r>
-                <a:rPr lang="es-DO" sz="1800" dirty="0">
-                  <a:effectLst/>
-                  <a:latin typeface="Calibri" panose="020F0502020204030204" pitchFamily="34" charset="0"/>
-                  <a:ea typeface="Calibri" panose="020F0502020204030204" pitchFamily="34" charset="0"/>
-                  <a:cs typeface="Times New Roman" panose="02020603050405020304" pitchFamily="18" charset="0"/>
-                </a:rPr>
-                <a:t>prerrequisitos</a:t>
-              </a:r>
-              <a:endParaRPr lang="es-DO" dirty="0"/>
-            </a:p>
-          </p:txBody>
-        </p:sp>
-        <p:sp>
-          <p:nvSpPr>
-            <p:cNvPr id="16" name="Oval 15">
-              <a:extLst>
-                <a:ext uri="{FF2B5EF4-FFF2-40B4-BE49-F238E27FC236}">
-                  <a16:creationId xmlns:a16="http://schemas.microsoft.com/office/drawing/2014/main" id="{D7B840C5-DCFE-4699-8F62-B3FDE244C5CB}"/>
-                </a:ext>
-              </a:extLst>
-            </p:cNvPr>
-            <p:cNvSpPr/>
-            <p:nvPr/>
-          </p:nvSpPr>
-          <p:spPr>
-            <a:xfrm>
-              <a:off x="7985103" y="1894203"/>
-              <a:ext cx="1431241" cy="390563"/>
-            </a:xfrm>
-            <a:prstGeom prst="ellipse">
-              <a:avLst/>
-            </a:prstGeom>
-            <a:solidFill>
-              <a:schemeClr val="tx1">
-                <a:lumMod val="65000"/>
-                <a:lumOff val="35000"/>
-              </a:schemeClr>
-            </a:solidFill>
-            <a:ln>
-              <a:solidFill>
-                <a:schemeClr val="bg1"/>
-              </a:solidFill>
-            </a:ln>
-          </p:spPr>
-          <p:style>
-            <a:lnRef idx="2">
-              <a:schemeClr val="accent1">
-                <a:shade val="50000"/>
-              </a:schemeClr>
-            </a:lnRef>
-            <a:fillRef idx="1">
-              <a:schemeClr val="accent1"/>
-            </a:fillRef>
-            <a:effectRef idx="0">
-              <a:schemeClr val="accent1"/>
-            </a:effectRef>
-            <a:fontRef idx="minor">
-              <a:schemeClr val="lt1"/>
-            </a:fontRef>
-          </p:style>
-          <p:txBody>
-            <a:bodyPr rtlCol="0" anchor="ctr"/>
-            <a:lstStyle/>
-            <a:p>
-              <a:pPr algn="ctr"/>
-              <a:r>
-                <a:rPr lang="es-DO" sz="1800" dirty="0">
-                  <a:effectLst/>
-                  <a:latin typeface="Calibri" panose="020F0502020204030204" pitchFamily="34" charset="0"/>
-                  <a:ea typeface="Calibri" panose="020F0502020204030204" pitchFamily="34" charset="0"/>
-                  <a:cs typeface="Times New Roman" panose="02020603050405020304" pitchFamily="18" charset="0"/>
-                </a:rPr>
-                <a:t>año</a:t>
-              </a:r>
-              <a:endParaRPr lang="es-DO" dirty="0"/>
-            </a:p>
-          </p:txBody>
-        </p:sp>
-        <p:sp>
-          <p:nvSpPr>
-            <p:cNvPr id="17" name="Oval 16">
-              <a:extLst>
-                <a:ext uri="{FF2B5EF4-FFF2-40B4-BE49-F238E27FC236}">
-                  <a16:creationId xmlns:a16="http://schemas.microsoft.com/office/drawing/2014/main" id="{246E6B10-962F-4FB0-91CD-5945F302706D}"/>
-                </a:ext>
-              </a:extLst>
-            </p:cNvPr>
-            <p:cNvSpPr/>
-            <p:nvPr/>
-          </p:nvSpPr>
-          <p:spPr>
-            <a:xfrm>
-              <a:off x="10067325" y="1533069"/>
-              <a:ext cx="1655267" cy="390563"/>
-            </a:xfrm>
-            <a:prstGeom prst="ellipse">
-              <a:avLst/>
-            </a:prstGeom>
-            <a:solidFill>
-              <a:schemeClr val="tx1">
-                <a:lumMod val="65000"/>
-                <a:lumOff val="35000"/>
-              </a:schemeClr>
-            </a:solidFill>
-            <a:ln>
-              <a:solidFill>
-                <a:schemeClr val="bg1"/>
-              </a:solidFill>
-            </a:ln>
-          </p:spPr>
-          <p:style>
-            <a:lnRef idx="2">
-              <a:schemeClr val="accent1">
-                <a:shade val="50000"/>
-              </a:schemeClr>
-            </a:lnRef>
-            <a:fillRef idx="1">
-              <a:schemeClr val="accent1"/>
-            </a:fillRef>
-            <a:effectRef idx="0">
-              <a:schemeClr val="accent1"/>
-            </a:effectRef>
-            <a:fontRef idx="minor">
-              <a:schemeClr val="lt1"/>
-            </a:fontRef>
-          </p:style>
-          <p:txBody>
-            <a:bodyPr rtlCol="0" anchor="ctr"/>
-            <a:lstStyle/>
-            <a:p>
-              <a:pPr algn="ctr"/>
-              <a:r>
-                <a:rPr lang="es-DO" sz="1800" dirty="0">
-                  <a:effectLst/>
-                  <a:latin typeface="Calibri" panose="020F0502020204030204" pitchFamily="34" charset="0"/>
-                  <a:ea typeface="Calibri" panose="020F0502020204030204" pitchFamily="34" charset="0"/>
-                  <a:cs typeface="Times New Roman" panose="02020603050405020304" pitchFamily="18" charset="0"/>
-                </a:rPr>
-                <a:t>semestre</a:t>
-              </a:r>
-              <a:endParaRPr lang="es-DO" dirty="0"/>
-            </a:p>
-          </p:txBody>
-        </p:sp>
-        <p:sp>
-          <p:nvSpPr>
-            <p:cNvPr id="18" name="Oval 17">
-              <a:extLst>
-                <a:ext uri="{FF2B5EF4-FFF2-40B4-BE49-F238E27FC236}">
-                  <a16:creationId xmlns:a16="http://schemas.microsoft.com/office/drawing/2014/main" id="{87834352-B3DE-48B0-8EB9-33E647BE9576}"/>
-                </a:ext>
-              </a:extLst>
-            </p:cNvPr>
-            <p:cNvSpPr/>
-            <p:nvPr/>
-          </p:nvSpPr>
-          <p:spPr>
-            <a:xfrm>
-              <a:off x="9446544" y="548062"/>
-              <a:ext cx="1655267" cy="390563"/>
-            </a:xfrm>
-            <a:prstGeom prst="ellipse">
-              <a:avLst/>
-            </a:prstGeom>
-            <a:solidFill>
-              <a:schemeClr val="tx1">
-                <a:lumMod val="65000"/>
-                <a:lumOff val="35000"/>
-              </a:schemeClr>
-            </a:solidFill>
-            <a:ln>
-              <a:solidFill>
-                <a:schemeClr val="bg1"/>
-              </a:solidFill>
-            </a:ln>
-          </p:spPr>
-          <p:style>
-            <a:lnRef idx="2">
-              <a:schemeClr val="accent1">
-                <a:shade val="50000"/>
-              </a:schemeClr>
-            </a:lnRef>
-            <a:fillRef idx="1">
-              <a:schemeClr val="accent1"/>
-            </a:fillRef>
-            <a:effectRef idx="0">
-              <a:schemeClr val="accent1"/>
-            </a:effectRef>
-            <a:fontRef idx="minor">
-              <a:schemeClr val="lt1"/>
-            </a:fontRef>
-          </p:style>
-          <p:txBody>
-            <a:bodyPr rtlCol="0" anchor="ctr"/>
-            <a:lstStyle/>
-            <a:p>
-              <a:pPr algn="ctr"/>
-              <a:r>
-                <a:rPr lang="es-DO" sz="1800" dirty="0" err="1">
-                  <a:effectLst/>
-                  <a:latin typeface="Calibri" panose="020F0502020204030204" pitchFamily="34" charset="0"/>
-                  <a:ea typeface="Calibri" panose="020F0502020204030204" pitchFamily="34" charset="0"/>
-                  <a:cs typeface="Times New Roman" panose="02020603050405020304" pitchFamily="18" charset="0"/>
-                </a:rPr>
-                <a:t>Id_seccion</a:t>
-              </a:r>
-              <a:endParaRPr lang="es-DO" dirty="0"/>
-            </a:p>
-          </p:txBody>
-        </p:sp>
-        <p:sp>
-          <p:nvSpPr>
-            <p:cNvPr id="19" name="Rectangle 18">
-              <a:extLst>
-                <a:ext uri="{FF2B5EF4-FFF2-40B4-BE49-F238E27FC236}">
-                  <a16:creationId xmlns:a16="http://schemas.microsoft.com/office/drawing/2014/main" id="{16D9129E-2081-4CE8-8773-A7B11263DF36}"/>
-                </a:ext>
-              </a:extLst>
-            </p:cNvPr>
-            <p:cNvSpPr/>
-            <p:nvPr/>
-          </p:nvSpPr>
-          <p:spPr>
-            <a:xfrm>
-              <a:off x="7699763" y="5162275"/>
-              <a:ext cx="1885100" cy="490331"/>
-            </a:xfrm>
-            <a:prstGeom prst="rect">
-              <a:avLst/>
-            </a:prstGeom>
-            <a:solidFill>
-              <a:schemeClr val="tx1">
-                <a:lumMod val="85000"/>
-                <a:lumOff val="15000"/>
-              </a:schemeClr>
-            </a:solidFill>
-            <a:ln>
-              <a:solidFill>
-                <a:schemeClr val="bg1"/>
-              </a:solidFill>
-            </a:ln>
-          </p:spPr>
-          <p:style>
-            <a:lnRef idx="2">
-              <a:schemeClr val="accent1">
-                <a:shade val="50000"/>
-              </a:schemeClr>
-            </a:lnRef>
-            <a:fillRef idx="1">
-              <a:schemeClr val="accent1"/>
-            </a:fillRef>
-            <a:effectRef idx="0">
-              <a:schemeClr val="accent1"/>
-            </a:effectRef>
-            <a:fontRef idx="minor">
-              <a:schemeClr val="lt1"/>
-            </a:fontRef>
-          </p:style>
-          <p:txBody>
-            <a:bodyPr rtlCol="0" anchor="ctr"/>
-            <a:lstStyle/>
-            <a:p>
-              <a:pPr algn="ctr"/>
-              <a:r>
-                <a:rPr lang="es-DO" sz="2000" b="1" dirty="0"/>
-                <a:t>Sección</a:t>
-              </a:r>
-              <a:endParaRPr lang="es-DO" b="1" dirty="0">
-                <a:solidFill>
-                  <a:schemeClr val="bg1"/>
-                </a:solidFill>
-              </a:endParaRPr>
-            </a:p>
-          </p:txBody>
-        </p:sp>
-        <p:sp>
-          <p:nvSpPr>
-            <p:cNvPr id="20" name="Oval 19">
-              <a:extLst>
-                <a:ext uri="{FF2B5EF4-FFF2-40B4-BE49-F238E27FC236}">
-                  <a16:creationId xmlns:a16="http://schemas.microsoft.com/office/drawing/2014/main" id="{B0EFC424-0F71-415E-B9FD-DC4DA8CABC99}"/>
-                </a:ext>
-              </a:extLst>
-            </p:cNvPr>
-            <p:cNvSpPr/>
-            <p:nvPr/>
-          </p:nvSpPr>
-          <p:spPr>
-            <a:xfrm>
-              <a:off x="9916901" y="1094934"/>
-              <a:ext cx="2146862" cy="390563"/>
-            </a:xfrm>
-            <a:prstGeom prst="ellipse">
-              <a:avLst/>
-            </a:prstGeom>
-            <a:solidFill>
-              <a:schemeClr val="tx1">
-                <a:lumMod val="65000"/>
-                <a:lumOff val="35000"/>
-              </a:schemeClr>
-            </a:solidFill>
-            <a:ln>
-              <a:solidFill>
-                <a:schemeClr val="bg1"/>
-              </a:solidFill>
-            </a:ln>
-          </p:spPr>
-          <p:style>
-            <a:lnRef idx="2">
-              <a:schemeClr val="accent1">
-                <a:shade val="50000"/>
-              </a:schemeClr>
-            </a:lnRef>
-            <a:fillRef idx="1">
-              <a:schemeClr val="accent1"/>
-            </a:fillRef>
-            <a:effectRef idx="0">
-              <a:schemeClr val="accent1"/>
-            </a:effectRef>
-            <a:fontRef idx="minor">
-              <a:schemeClr val="lt1"/>
-            </a:fontRef>
-          </p:style>
-          <p:txBody>
-            <a:bodyPr rtlCol="0" anchor="ctr"/>
-            <a:lstStyle/>
-            <a:p>
-              <a:pPr algn="ctr"/>
-              <a:r>
-                <a:rPr lang="es-DO" sz="1800" dirty="0">
-                  <a:effectLst/>
-                  <a:latin typeface="Calibri" panose="020F0502020204030204" pitchFamily="34" charset="0"/>
-                  <a:ea typeface="Calibri" panose="020F0502020204030204" pitchFamily="34" charset="0"/>
-                  <a:cs typeface="Times New Roman" panose="02020603050405020304" pitchFamily="18" charset="0"/>
-                </a:rPr>
-                <a:t>id_ asignatura</a:t>
-              </a:r>
-              <a:endParaRPr lang="es-DO" dirty="0"/>
-            </a:p>
-          </p:txBody>
-        </p:sp>
-        <p:sp>
-          <p:nvSpPr>
-            <p:cNvPr id="21" name="Oval 20">
-              <a:extLst>
-                <a:ext uri="{FF2B5EF4-FFF2-40B4-BE49-F238E27FC236}">
-                  <a16:creationId xmlns:a16="http://schemas.microsoft.com/office/drawing/2014/main" id="{B06F81AA-524B-497D-9F16-313A53C43EB9}"/>
-                </a:ext>
-              </a:extLst>
-            </p:cNvPr>
-            <p:cNvSpPr/>
-            <p:nvPr/>
-          </p:nvSpPr>
-          <p:spPr>
-            <a:xfrm>
-              <a:off x="1861238" y="153114"/>
-              <a:ext cx="2146862" cy="390563"/>
-            </a:xfrm>
-            <a:prstGeom prst="ellipse">
-              <a:avLst/>
-            </a:prstGeom>
-            <a:solidFill>
-              <a:schemeClr val="tx1">
-                <a:lumMod val="65000"/>
-                <a:lumOff val="35000"/>
-              </a:schemeClr>
-            </a:solidFill>
-            <a:ln>
-              <a:solidFill>
-                <a:schemeClr val="bg1"/>
-              </a:solidFill>
-            </a:ln>
-          </p:spPr>
-          <p:style>
-            <a:lnRef idx="2">
-              <a:schemeClr val="accent1">
-                <a:shade val="50000"/>
-              </a:schemeClr>
-            </a:lnRef>
-            <a:fillRef idx="1">
-              <a:schemeClr val="accent1"/>
-            </a:fillRef>
-            <a:effectRef idx="0">
-              <a:schemeClr val="accent1"/>
-            </a:effectRef>
-            <a:fontRef idx="minor">
-              <a:schemeClr val="lt1"/>
-            </a:fontRef>
-          </p:style>
-          <p:txBody>
-            <a:bodyPr rtlCol="0" anchor="ctr"/>
-            <a:lstStyle/>
-            <a:p>
-              <a:pPr algn="ctr"/>
-              <a:r>
-                <a:rPr lang="es-DO" sz="1800" dirty="0">
-                  <a:effectLst/>
-                  <a:latin typeface="Calibri" panose="020F0502020204030204" pitchFamily="34" charset="0"/>
-                  <a:ea typeface="Calibri" panose="020F0502020204030204" pitchFamily="34" charset="0"/>
-                  <a:cs typeface="Times New Roman" panose="02020603050405020304" pitchFamily="18" charset="0"/>
-                </a:rPr>
-                <a:t>id_ profesor</a:t>
-              </a:r>
-              <a:endParaRPr lang="es-DO" dirty="0"/>
-            </a:p>
-          </p:txBody>
-        </p:sp>
-        <p:sp>
-          <p:nvSpPr>
-            <p:cNvPr id="24" name="Oval 23">
-              <a:extLst>
-                <a:ext uri="{FF2B5EF4-FFF2-40B4-BE49-F238E27FC236}">
-                  <a16:creationId xmlns:a16="http://schemas.microsoft.com/office/drawing/2014/main" id="{D6C4F52B-C15F-4A2F-8D37-C93FFDE88223}"/>
-                </a:ext>
-              </a:extLst>
-            </p:cNvPr>
-            <p:cNvSpPr/>
-            <p:nvPr/>
-          </p:nvSpPr>
-          <p:spPr>
-            <a:xfrm>
-              <a:off x="7699763" y="1385968"/>
-              <a:ext cx="2146862" cy="390563"/>
-            </a:xfrm>
-            <a:prstGeom prst="ellipse">
-              <a:avLst/>
-            </a:prstGeom>
-            <a:solidFill>
-              <a:schemeClr val="tx1">
-                <a:lumMod val="65000"/>
-                <a:lumOff val="35000"/>
-              </a:schemeClr>
-            </a:solidFill>
-            <a:ln>
-              <a:solidFill>
-                <a:schemeClr val="bg1"/>
-              </a:solidFill>
-            </a:ln>
-          </p:spPr>
-          <p:style>
-            <a:lnRef idx="2">
-              <a:schemeClr val="accent1">
-                <a:shade val="50000"/>
-              </a:schemeClr>
-            </a:lnRef>
-            <a:fillRef idx="1">
-              <a:schemeClr val="accent1"/>
-            </a:fillRef>
-            <a:effectRef idx="0">
-              <a:schemeClr val="accent1"/>
-            </a:effectRef>
-            <a:fontRef idx="minor">
-              <a:schemeClr val="lt1"/>
-            </a:fontRef>
-          </p:style>
-          <p:txBody>
-            <a:bodyPr rtlCol="0" anchor="ctr"/>
-            <a:lstStyle/>
-            <a:p>
-              <a:pPr algn="ctr"/>
-              <a:r>
-                <a:rPr lang="es-DO" sz="1800" dirty="0">
-                  <a:effectLst/>
-                  <a:latin typeface="Calibri" panose="020F0502020204030204" pitchFamily="34" charset="0"/>
-                  <a:ea typeface="Calibri" panose="020F0502020204030204" pitchFamily="34" charset="0"/>
-                  <a:cs typeface="Times New Roman" panose="02020603050405020304" pitchFamily="18" charset="0"/>
-                </a:rPr>
-                <a:t>horarios</a:t>
-              </a:r>
-              <a:endParaRPr lang="es-DO" dirty="0"/>
-            </a:p>
-          </p:txBody>
-        </p:sp>
-        <p:sp>
-          <p:nvSpPr>
-            <p:cNvPr id="25" name="Oval 24">
-              <a:extLst>
-                <a:ext uri="{FF2B5EF4-FFF2-40B4-BE49-F238E27FC236}">
-                  <a16:creationId xmlns:a16="http://schemas.microsoft.com/office/drawing/2014/main" id="{5B2D053F-BC8E-4DC3-9DF9-E63427E24A81}"/>
-                </a:ext>
-              </a:extLst>
-            </p:cNvPr>
-            <p:cNvSpPr/>
-            <p:nvPr/>
-          </p:nvSpPr>
-          <p:spPr>
-            <a:xfrm>
-              <a:off x="7711032" y="946304"/>
-              <a:ext cx="2146862" cy="390563"/>
-            </a:xfrm>
-            <a:prstGeom prst="ellipse">
-              <a:avLst/>
-            </a:prstGeom>
-            <a:solidFill>
-              <a:schemeClr val="tx1">
-                <a:lumMod val="65000"/>
-                <a:lumOff val="35000"/>
-              </a:schemeClr>
-            </a:solidFill>
-            <a:ln>
-              <a:solidFill>
-                <a:schemeClr val="bg1"/>
-              </a:solidFill>
-            </a:ln>
-          </p:spPr>
-          <p:style>
-            <a:lnRef idx="2">
-              <a:schemeClr val="accent1">
-                <a:shade val="50000"/>
-              </a:schemeClr>
-            </a:lnRef>
-            <a:fillRef idx="1">
-              <a:schemeClr val="accent1"/>
-            </a:fillRef>
-            <a:effectRef idx="0">
-              <a:schemeClr val="accent1"/>
-            </a:effectRef>
-            <a:fontRef idx="minor">
-              <a:schemeClr val="lt1"/>
-            </a:fontRef>
-          </p:style>
-          <p:txBody>
-            <a:bodyPr rtlCol="0" anchor="ctr"/>
-            <a:lstStyle/>
-            <a:p>
-              <a:pPr algn="ctr"/>
-              <a:r>
-                <a:rPr lang="es-DO" sz="1800" dirty="0">
-                  <a:effectLst/>
-                  <a:latin typeface="Calibri" panose="020F0502020204030204" pitchFamily="34" charset="0"/>
-                  <a:ea typeface="Calibri" panose="020F0502020204030204" pitchFamily="34" charset="0"/>
-                  <a:cs typeface="Times New Roman" panose="02020603050405020304" pitchFamily="18" charset="0"/>
-                </a:rPr>
-                <a:t>id_ aula</a:t>
-              </a:r>
-              <a:endParaRPr lang="es-DO" dirty="0"/>
-            </a:p>
-          </p:txBody>
-        </p:sp>
-        <p:sp>
-          <p:nvSpPr>
-            <p:cNvPr id="26" name="Rectangle 25">
-              <a:extLst>
-                <a:ext uri="{FF2B5EF4-FFF2-40B4-BE49-F238E27FC236}">
-                  <a16:creationId xmlns:a16="http://schemas.microsoft.com/office/drawing/2014/main" id="{97AB321F-5CDD-4960-A54D-B6DA4AA48141}"/>
-                </a:ext>
-              </a:extLst>
-            </p:cNvPr>
-            <p:cNvSpPr/>
-            <p:nvPr/>
-          </p:nvSpPr>
-          <p:spPr>
-            <a:xfrm>
-              <a:off x="10167388" y="6315779"/>
-              <a:ext cx="1885100" cy="490331"/>
-            </a:xfrm>
-            <a:prstGeom prst="rect">
-              <a:avLst/>
-            </a:prstGeom>
-            <a:solidFill>
-              <a:schemeClr val="tx1">
-                <a:lumMod val="85000"/>
-                <a:lumOff val="15000"/>
-              </a:schemeClr>
-            </a:solidFill>
-            <a:ln>
-              <a:solidFill>
-                <a:schemeClr val="bg1"/>
-              </a:solidFill>
-            </a:ln>
-          </p:spPr>
-          <p:style>
-            <a:lnRef idx="2">
-              <a:schemeClr val="accent1">
-                <a:shade val="50000"/>
-              </a:schemeClr>
-            </a:lnRef>
-            <a:fillRef idx="1">
-              <a:schemeClr val="accent1"/>
-            </a:fillRef>
-            <a:effectRef idx="0">
-              <a:schemeClr val="accent1"/>
-            </a:effectRef>
-            <a:fontRef idx="minor">
-              <a:schemeClr val="lt1"/>
-            </a:fontRef>
-          </p:style>
-          <p:txBody>
-            <a:bodyPr rtlCol="0" anchor="ctr"/>
-            <a:lstStyle/>
-            <a:p>
-              <a:pPr algn="ctr"/>
-              <a:r>
-                <a:rPr lang="es-DO" sz="2000" b="1" dirty="0"/>
-                <a:t>Aulas</a:t>
-              </a:r>
-              <a:endParaRPr lang="es-DO" b="1" dirty="0">
-                <a:solidFill>
-                  <a:schemeClr val="bg1"/>
-                </a:solidFill>
-              </a:endParaRPr>
-            </a:p>
-          </p:txBody>
-        </p:sp>
-        <p:sp>
-          <p:nvSpPr>
-            <p:cNvPr id="29" name="Oval 28">
-              <a:extLst>
-                <a:ext uri="{FF2B5EF4-FFF2-40B4-BE49-F238E27FC236}">
-                  <a16:creationId xmlns:a16="http://schemas.microsoft.com/office/drawing/2014/main" id="{7300715C-160D-4018-8D46-7FB503F0B5C8}"/>
-                </a:ext>
-              </a:extLst>
-            </p:cNvPr>
-            <p:cNvSpPr/>
-            <p:nvPr/>
-          </p:nvSpPr>
-          <p:spPr>
-            <a:xfrm>
-              <a:off x="143096" y="3272763"/>
-              <a:ext cx="546892" cy="390563"/>
-            </a:xfrm>
-            <a:prstGeom prst="ellipse">
-              <a:avLst/>
-            </a:prstGeom>
-            <a:solidFill>
-              <a:schemeClr val="tx1">
-                <a:lumMod val="65000"/>
-                <a:lumOff val="35000"/>
-              </a:schemeClr>
-            </a:solidFill>
-            <a:ln>
-              <a:solidFill>
-                <a:schemeClr val="bg1"/>
-              </a:solidFill>
-            </a:ln>
-          </p:spPr>
-          <p:style>
-            <a:lnRef idx="2">
-              <a:schemeClr val="accent1">
-                <a:shade val="50000"/>
-              </a:schemeClr>
-            </a:lnRef>
-            <a:fillRef idx="1">
-              <a:schemeClr val="accent1"/>
-            </a:fillRef>
-            <a:effectRef idx="0">
-              <a:schemeClr val="accent1"/>
-            </a:effectRef>
-            <a:fontRef idx="minor">
-              <a:schemeClr val="lt1"/>
-            </a:fontRef>
-          </p:style>
-          <p:txBody>
-            <a:bodyPr rtlCol="0" anchor="ctr"/>
-            <a:lstStyle/>
-            <a:p>
-              <a:pPr algn="ctr"/>
-              <a:r>
-                <a:rPr lang="es-DO" dirty="0"/>
-                <a:t>id</a:t>
-              </a:r>
-            </a:p>
-          </p:txBody>
-        </p:sp>
-        <p:sp>
-          <p:nvSpPr>
-            <p:cNvPr id="30" name="Oval 29">
-              <a:extLst>
-                <a:ext uri="{FF2B5EF4-FFF2-40B4-BE49-F238E27FC236}">
-                  <a16:creationId xmlns:a16="http://schemas.microsoft.com/office/drawing/2014/main" id="{2779FA48-7A07-40B2-B713-F7ABC8AF45FB}"/>
-                </a:ext>
-              </a:extLst>
-            </p:cNvPr>
-            <p:cNvSpPr/>
-            <p:nvPr/>
-          </p:nvSpPr>
-          <p:spPr>
-            <a:xfrm>
-              <a:off x="192266" y="2815024"/>
-              <a:ext cx="1591905" cy="390563"/>
-            </a:xfrm>
-            <a:prstGeom prst="ellipse">
-              <a:avLst/>
-            </a:prstGeom>
-            <a:solidFill>
-              <a:schemeClr val="tx1">
-                <a:lumMod val="65000"/>
-                <a:lumOff val="35000"/>
-              </a:schemeClr>
-            </a:solidFill>
-            <a:ln>
-              <a:solidFill>
-                <a:schemeClr val="bg1"/>
-              </a:solidFill>
-            </a:ln>
-          </p:spPr>
-          <p:style>
-            <a:lnRef idx="2">
-              <a:schemeClr val="accent1">
-                <a:shade val="50000"/>
-              </a:schemeClr>
-            </a:lnRef>
-            <a:fillRef idx="1">
-              <a:schemeClr val="accent1"/>
-            </a:fillRef>
-            <a:effectRef idx="0">
-              <a:schemeClr val="accent1"/>
-            </a:effectRef>
-            <a:fontRef idx="minor">
-              <a:schemeClr val="lt1"/>
-            </a:fontRef>
-          </p:style>
-          <p:txBody>
-            <a:bodyPr rtlCol="0" anchor="ctr"/>
-            <a:lstStyle/>
-            <a:p>
-              <a:pPr algn="ctr"/>
-              <a:r>
-                <a:rPr lang="es-DO" dirty="0"/>
-                <a:t>programa</a:t>
-              </a:r>
-            </a:p>
-          </p:txBody>
-        </p:sp>
-        <p:sp>
-          <p:nvSpPr>
-            <p:cNvPr id="33" name="Oval 32">
-              <a:extLst>
-                <a:ext uri="{FF2B5EF4-FFF2-40B4-BE49-F238E27FC236}">
-                  <a16:creationId xmlns:a16="http://schemas.microsoft.com/office/drawing/2014/main" id="{542668BE-D351-42B2-A910-A39B68492919}"/>
-                </a:ext>
-              </a:extLst>
-            </p:cNvPr>
-            <p:cNvSpPr/>
-            <p:nvPr/>
-          </p:nvSpPr>
-          <p:spPr>
-            <a:xfrm>
-              <a:off x="9793879" y="1948060"/>
-              <a:ext cx="546892" cy="390563"/>
-            </a:xfrm>
-            <a:prstGeom prst="ellipse">
-              <a:avLst/>
-            </a:prstGeom>
-            <a:solidFill>
-              <a:schemeClr val="tx1">
-                <a:lumMod val="65000"/>
-                <a:lumOff val="35000"/>
-              </a:schemeClr>
-            </a:solidFill>
-            <a:ln>
-              <a:solidFill>
-                <a:schemeClr val="bg1"/>
-              </a:solidFill>
-            </a:ln>
-          </p:spPr>
-          <p:style>
-            <a:lnRef idx="2">
-              <a:schemeClr val="accent1">
-                <a:shade val="50000"/>
-              </a:schemeClr>
-            </a:lnRef>
-            <a:fillRef idx="1">
-              <a:schemeClr val="accent1"/>
-            </a:fillRef>
-            <a:effectRef idx="0">
-              <a:schemeClr val="accent1"/>
-            </a:effectRef>
-            <a:fontRef idx="minor">
-              <a:schemeClr val="lt1"/>
-            </a:fontRef>
-          </p:style>
-          <p:txBody>
-            <a:bodyPr rtlCol="0" anchor="ctr"/>
-            <a:lstStyle/>
-            <a:p>
-              <a:pPr algn="ctr"/>
-              <a:r>
-                <a:rPr lang="es-DO" dirty="0"/>
-                <a:t>id</a:t>
-              </a:r>
-            </a:p>
-          </p:txBody>
-        </p:sp>
-        <p:sp>
-          <p:nvSpPr>
-            <p:cNvPr id="34" name="Oval 33">
-              <a:extLst>
-                <a:ext uri="{FF2B5EF4-FFF2-40B4-BE49-F238E27FC236}">
-                  <a16:creationId xmlns:a16="http://schemas.microsoft.com/office/drawing/2014/main" id="{76BEDC31-6DA4-4461-9F75-34A9A7685348}"/>
-                </a:ext>
-              </a:extLst>
-            </p:cNvPr>
-            <p:cNvSpPr/>
-            <p:nvPr/>
-          </p:nvSpPr>
-          <p:spPr>
-            <a:xfrm>
-              <a:off x="2587199" y="5510939"/>
-              <a:ext cx="546892" cy="390563"/>
-            </a:xfrm>
-            <a:prstGeom prst="ellipse">
-              <a:avLst/>
-            </a:prstGeom>
-            <a:solidFill>
-              <a:schemeClr val="tx1">
-                <a:lumMod val="65000"/>
-                <a:lumOff val="35000"/>
-              </a:schemeClr>
-            </a:solidFill>
-            <a:ln>
-              <a:solidFill>
-                <a:schemeClr val="bg1"/>
-              </a:solidFill>
-            </a:ln>
-          </p:spPr>
-          <p:style>
-            <a:lnRef idx="2">
-              <a:schemeClr val="accent1">
-                <a:shade val="50000"/>
-              </a:schemeClr>
-            </a:lnRef>
-            <a:fillRef idx="1">
-              <a:schemeClr val="accent1"/>
-            </a:fillRef>
-            <a:effectRef idx="0">
-              <a:schemeClr val="accent1"/>
-            </a:effectRef>
-            <a:fontRef idx="minor">
-              <a:schemeClr val="lt1"/>
-            </a:fontRef>
-          </p:style>
-          <p:txBody>
-            <a:bodyPr rtlCol="0" anchor="ctr"/>
-            <a:lstStyle/>
-            <a:p>
-              <a:pPr algn="ctr"/>
-              <a:r>
-                <a:rPr lang="es-DO" dirty="0"/>
-                <a:t>id</a:t>
-              </a:r>
-            </a:p>
-          </p:txBody>
-        </p:sp>
-        <p:sp>
-          <p:nvSpPr>
-            <p:cNvPr id="35" name="Oval 34">
-              <a:extLst>
-                <a:ext uri="{FF2B5EF4-FFF2-40B4-BE49-F238E27FC236}">
-                  <a16:creationId xmlns:a16="http://schemas.microsoft.com/office/drawing/2014/main" id="{C1EA528A-24CE-4DA2-AC17-E0FED607A566}"/>
-                </a:ext>
-              </a:extLst>
-            </p:cNvPr>
-            <p:cNvSpPr/>
-            <p:nvPr/>
-          </p:nvSpPr>
-          <p:spPr>
-            <a:xfrm>
-              <a:off x="3776617" y="4631413"/>
-              <a:ext cx="1431241" cy="390563"/>
-            </a:xfrm>
-            <a:prstGeom prst="ellipse">
-              <a:avLst/>
-            </a:prstGeom>
-            <a:solidFill>
-              <a:schemeClr val="tx1">
-                <a:lumMod val="65000"/>
-                <a:lumOff val="35000"/>
-              </a:schemeClr>
-            </a:solidFill>
-            <a:ln>
-              <a:solidFill>
-                <a:schemeClr val="bg1"/>
-              </a:solidFill>
-            </a:ln>
-          </p:spPr>
-          <p:style>
-            <a:lnRef idx="2">
-              <a:schemeClr val="accent1">
-                <a:shade val="50000"/>
-              </a:schemeClr>
-            </a:lnRef>
-            <a:fillRef idx="1">
-              <a:schemeClr val="accent1"/>
-            </a:fillRef>
-            <a:effectRef idx="0">
-              <a:schemeClr val="accent1"/>
-            </a:effectRef>
-            <a:fontRef idx="minor">
-              <a:schemeClr val="lt1"/>
-            </a:fontRef>
-          </p:style>
-          <p:txBody>
-            <a:bodyPr rtlCol="0" anchor="ctr"/>
-            <a:lstStyle/>
-            <a:p>
-              <a:pPr algn="ctr"/>
-              <a:r>
-                <a:rPr lang="es-DO" sz="1800" dirty="0">
-                  <a:effectLst/>
-                  <a:latin typeface="Calibri" panose="020F0502020204030204" pitchFamily="34" charset="0"/>
-                  <a:ea typeface="Calibri" panose="020F0502020204030204" pitchFamily="34" charset="0"/>
-                  <a:cs typeface="Times New Roman" panose="02020603050405020304" pitchFamily="18" charset="0"/>
-                </a:rPr>
-                <a:t>título</a:t>
-              </a:r>
-              <a:endParaRPr lang="es-DO" dirty="0"/>
-            </a:p>
-          </p:txBody>
-        </p:sp>
-        <p:sp>
-          <p:nvSpPr>
-            <p:cNvPr id="36" name="Oval 35">
-              <a:extLst>
-                <a:ext uri="{FF2B5EF4-FFF2-40B4-BE49-F238E27FC236}">
-                  <a16:creationId xmlns:a16="http://schemas.microsoft.com/office/drawing/2014/main" id="{DBCFEE6E-784B-4027-AF3B-DCF0F84A294E}"/>
-                </a:ext>
-              </a:extLst>
-            </p:cNvPr>
-            <p:cNvSpPr/>
-            <p:nvPr/>
-          </p:nvSpPr>
-          <p:spPr>
-            <a:xfrm>
-              <a:off x="2492708" y="5042725"/>
-              <a:ext cx="2272844" cy="390563"/>
-            </a:xfrm>
-            <a:prstGeom prst="ellipse">
-              <a:avLst/>
-            </a:prstGeom>
-            <a:solidFill>
-              <a:schemeClr val="tx1">
-                <a:lumMod val="65000"/>
-                <a:lumOff val="35000"/>
-              </a:schemeClr>
-            </a:solidFill>
-            <a:ln>
-              <a:solidFill>
-                <a:schemeClr val="bg1"/>
-              </a:solidFill>
-            </a:ln>
-          </p:spPr>
-          <p:style>
-            <a:lnRef idx="2">
-              <a:schemeClr val="accent1">
-                <a:shade val="50000"/>
-              </a:schemeClr>
-            </a:lnRef>
-            <a:fillRef idx="1">
-              <a:schemeClr val="accent1"/>
-            </a:fillRef>
-            <a:effectRef idx="0">
-              <a:schemeClr val="accent1"/>
-            </a:effectRef>
-            <a:fontRef idx="minor">
-              <a:schemeClr val="lt1"/>
-            </a:fontRef>
-          </p:style>
-          <p:txBody>
-            <a:bodyPr rtlCol="0" anchor="ctr"/>
-            <a:lstStyle/>
-            <a:p>
-              <a:pPr algn="ctr"/>
-              <a:r>
-                <a:rPr lang="es-DO" dirty="0"/>
-                <a:t>departamento</a:t>
-              </a:r>
-            </a:p>
-          </p:txBody>
-        </p:sp>
-        <p:sp>
-          <p:nvSpPr>
-            <p:cNvPr id="37" name="Oval 36">
-              <a:extLst>
-                <a:ext uri="{FF2B5EF4-FFF2-40B4-BE49-F238E27FC236}">
-                  <a16:creationId xmlns:a16="http://schemas.microsoft.com/office/drawing/2014/main" id="{08C8517E-6A02-4B93-A2DC-C641912ADFE2}"/>
-                </a:ext>
-              </a:extLst>
-            </p:cNvPr>
-            <p:cNvSpPr/>
-            <p:nvPr/>
-          </p:nvSpPr>
-          <p:spPr>
-            <a:xfrm>
-              <a:off x="3776617" y="5569888"/>
-              <a:ext cx="1431241" cy="390563"/>
-            </a:xfrm>
-            <a:prstGeom prst="ellipse">
-              <a:avLst/>
-            </a:prstGeom>
-            <a:solidFill>
-              <a:schemeClr val="tx1">
-                <a:lumMod val="65000"/>
-                <a:lumOff val="35000"/>
-              </a:schemeClr>
-            </a:solidFill>
-            <a:ln>
-              <a:solidFill>
-                <a:schemeClr val="bg1"/>
-              </a:solidFill>
-            </a:ln>
-          </p:spPr>
-          <p:style>
-            <a:lnRef idx="2">
-              <a:schemeClr val="accent1">
-                <a:shade val="50000"/>
-              </a:schemeClr>
-            </a:lnRef>
-            <a:fillRef idx="1">
-              <a:schemeClr val="accent1"/>
-            </a:fillRef>
-            <a:effectRef idx="0">
-              <a:schemeClr val="accent1"/>
-            </a:effectRef>
-            <a:fontRef idx="minor">
-              <a:schemeClr val="lt1"/>
-            </a:fontRef>
-          </p:style>
-          <p:txBody>
-            <a:bodyPr rtlCol="0" anchor="ctr"/>
-            <a:lstStyle/>
-            <a:p>
-              <a:pPr algn="ctr"/>
-              <a:r>
-                <a:rPr lang="es-DO" dirty="0"/>
-                <a:t>nombre</a:t>
-              </a:r>
-            </a:p>
-          </p:txBody>
-        </p:sp>
-        <p:sp>
-          <p:nvSpPr>
-            <p:cNvPr id="38" name="Oval 37">
-              <a:extLst>
-                <a:ext uri="{FF2B5EF4-FFF2-40B4-BE49-F238E27FC236}">
-                  <a16:creationId xmlns:a16="http://schemas.microsoft.com/office/drawing/2014/main" id="{DB44EF0A-DC5D-4BF7-A3F9-4B78ABDC96AB}"/>
-                </a:ext>
-              </a:extLst>
-            </p:cNvPr>
-            <p:cNvSpPr/>
-            <p:nvPr/>
-          </p:nvSpPr>
-          <p:spPr>
-            <a:xfrm>
-              <a:off x="7426317" y="4684062"/>
-              <a:ext cx="546892" cy="390563"/>
-            </a:xfrm>
-            <a:prstGeom prst="ellipse">
-              <a:avLst/>
-            </a:prstGeom>
-            <a:solidFill>
-              <a:schemeClr val="tx1">
-                <a:lumMod val="65000"/>
-                <a:lumOff val="35000"/>
-              </a:schemeClr>
-            </a:solidFill>
-            <a:ln>
-              <a:solidFill>
-                <a:schemeClr val="bg1"/>
-              </a:solidFill>
-            </a:ln>
-          </p:spPr>
-          <p:style>
-            <a:lnRef idx="2">
-              <a:schemeClr val="accent1">
-                <a:shade val="50000"/>
-              </a:schemeClr>
-            </a:lnRef>
-            <a:fillRef idx="1">
-              <a:schemeClr val="accent1"/>
-            </a:fillRef>
-            <a:effectRef idx="0">
-              <a:schemeClr val="accent1"/>
-            </a:effectRef>
-            <a:fontRef idx="minor">
-              <a:schemeClr val="lt1"/>
-            </a:fontRef>
-          </p:style>
-          <p:txBody>
-            <a:bodyPr rtlCol="0" anchor="ctr"/>
-            <a:lstStyle/>
-            <a:p>
-              <a:pPr algn="ctr"/>
-              <a:r>
-                <a:rPr lang="es-DO" dirty="0"/>
-                <a:t>id</a:t>
-              </a:r>
-            </a:p>
-          </p:txBody>
-        </p:sp>
-        <p:sp>
-          <p:nvSpPr>
-            <p:cNvPr id="39" name="Oval 38">
-              <a:extLst>
-                <a:ext uri="{FF2B5EF4-FFF2-40B4-BE49-F238E27FC236}">
-                  <a16:creationId xmlns:a16="http://schemas.microsoft.com/office/drawing/2014/main" id="{74461B95-E5DD-4AD9-BB06-899CBDC578C4}"/>
-                </a:ext>
-              </a:extLst>
-            </p:cNvPr>
-            <p:cNvSpPr/>
-            <p:nvPr/>
-          </p:nvSpPr>
-          <p:spPr>
-            <a:xfrm>
-              <a:off x="10110312" y="5705834"/>
-              <a:ext cx="546892" cy="390563"/>
-            </a:xfrm>
-            <a:prstGeom prst="ellipse">
-              <a:avLst/>
-            </a:prstGeom>
-            <a:solidFill>
-              <a:schemeClr val="tx1">
-                <a:lumMod val="65000"/>
-                <a:lumOff val="35000"/>
-              </a:schemeClr>
-            </a:solidFill>
-            <a:ln>
-              <a:solidFill>
-                <a:schemeClr val="bg1"/>
-              </a:solidFill>
-            </a:ln>
-          </p:spPr>
-          <p:style>
-            <a:lnRef idx="2">
-              <a:schemeClr val="accent1">
-                <a:shade val="50000"/>
-              </a:schemeClr>
-            </a:lnRef>
-            <a:fillRef idx="1">
-              <a:schemeClr val="accent1"/>
-            </a:fillRef>
-            <a:effectRef idx="0">
-              <a:schemeClr val="accent1"/>
-            </a:effectRef>
-            <a:fontRef idx="minor">
-              <a:schemeClr val="lt1"/>
-            </a:fontRef>
-          </p:style>
-          <p:txBody>
-            <a:bodyPr rtlCol="0" anchor="ctr"/>
-            <a:lstStyle/>
-            <a:p>
-              <a:pPr algn="ctr"/>
-              <a:r>
-                <a:rPr lang="es-DO" dirty="0"/>
-                <a:t>id</a:t>
-              </a:r>
-            </a:p>
-          </p:txBody>
-        </p:sp>
-        <p:sp>
-          <p:nvSpPr>
-            <p:cNvPr id="40" name="Oval 39">
-              <a:extLst>
-                <a:ext uri="{FF2B5EF4-FFF2-40B4-BE49-F238E27FC236}">
-                  <a16:creationId xmlns:a16="http://schemas.microsoft.com/office/drawing/2014/main" id="{117A2883-2F72-4D13-971A-A0F7AE44C264}"/>
-                </a:ext>
-              </a:extLst>
-            </p:cNvPr>
-            <p:cNvSpPr/>
-            <p:nvPr/>
-          </p:nvSpPr>
-          <p:spPr>
-            <a:xfrm>
-              <a:off x="8068843" y="4589113"/>
-              <a:ext cx="1431241" cy="390563"/>
-            </a:xfrm>
-            <a:prstGeom prst="ellipse">
-              <a:avLst/>
-            </a:prstGeom>
-            <a:solidFill>
-              <a:schemeClr val="tx1">
-                <a:lumMod val="65000"/>
-                <a:lumOff val="35000"/>
-              </a:schemeClr>
-            </a:solidFill>
-            <a:ln>
-              <a:solidFill>
-                <a:schemeClr val="bg1"/>
-              </a:solidFill>
-            </a:ln>
-          </p:spPr>
-          <p:style>
-            <a:lnRef idx="2">
-              <a:schemeClr val="accent1">
-                <a:shade val="50000"/>
-              </a:schemeClr>
-            </a:lnRef>
-            <a:fillRef idx="1">
-              <a:schemeClr val="accent1"/>
-            </a:fillRef>
-            <a:effectRef idx="0">
-              <a:schemeClr val="accent1"/>
-            </a:effectRef>
-            <a:fontRef idx="minor">
-              <a:schemeClr val="lt1"/>
-            </a:fontRef>
-          </p:style>
-          <p:txBody>
-            <a:bodyPr rtlCol="0" anchor="ctr"/>
-            <a:lstStyle/>
-            <a:p>
-              <a:pPr algn="ctr"/>
-              <a:r>
-                <a:rPr lang="es-DO" dirty="0"/>
-                <a:t>Código</a:t>
-              </a:r>
-            </a:p>
-          </p:txBody>
-        </p:sp>
-        <p:sp>
-          <p:nvSpPr>
-            <p:cNvPr id="42" name="Oval 41">
-              <a:extLst>
-                <a:ext uri="{FF2B5EF4-FFF2-40B4-BE49-F238E27FC236}">
-                  <a16:creationId xmlns:a16="http://schemas.microsoft.com/office/drawing/2014/main" id="{3BDAB581-BDA5-4F82-8B65-FFE65759AA08}"/>
-                </a:ext>
-              </a:extLst>
-            </p:cNvPr>
-            <p:cNvSpPr/>
-            <p:nvPr/>
-          </p:nvSpPr>
-          <p:spPr>
-            <a:xfrm>
-              <a:off x="10703291" y="5808093"/>
-              <a:ext cx="1431241" cy="390563"/>
-            </a:xfrm>
-            <a:prstGeom prst="ellipse">
-              <a:avLst/>
-            </a:prstGeom>
-            <a:solidFill>
-              <a:schemeClr val="tx1">
-                <a:lumMod val="65000"/>
-                <a:lumOff val="35000"/>
-              </a:schemeClr>
-            </a:solidFill>
-            <a:ln>
-              <a:solidFill>
-                <a:schemeClr val="bg1"/>
-              </a:solidFill>
-            </a:ln>
-          </p:spPr>
-          <p:style>
-            <a:lnRef idx="2">
-              <a:schemeClr val="accent1">
-                <a:shade val="50000"/>
-              </a:schemeClr>
-            </a:lnRef>
-            <a:fillRef idx="1">
-              <a:schemeClr val="accent1"/>
-            </a:fillRef>
-            <a:effectRef idx="0">
-              <a:schemeClr val="accent1"/>
-            </a:effectRef>
-            <a:fontRef idx="minor">
-              <a:schemeClr val="lt1"/>
-            </a:fontRef>
-          </p:style>
-          <p:txBody>
-            <a:bodyPr rtlCol="0" anchor="ctr"/>
-            <a:lstStyle/>
-            <a:p>
-              <a:pPr algn="ctr"/>
-              <a:r>
-                <a:rPr lang="es-DO" dirty="0"/>
-                <a:t>Código</a:t>
-              </a:r>
-            </a:p>
-          </p:txBody>
-        </p:sp>
-        <p:sp>
-          <p:nvSpPr>
-            <p:cNvPr id="43" name="Oval 42">
-              <a:extLst>
-                <a:ext uri="{FF2B5EF4-FFF2-40B4-BE49-F238E27FC236}">
-                  <a16:creationId xmlns:a16="http://schemas.microsoft.com/office/drawing/2014/main" id="{4A21AFD3-04C5-4435-93C2-CB6AF1980B70}"/>
-                </a:ext>
-              </a:extLst>
-            </p:cNvPr>
-            <p:cNvSpPr/>
-            <p:nvPr/>
-          </p:nvSpPr>
-          <p:spPr>
-            <a:xfrm>
-              <a:off x="10274178" y="5268900"/>
-              <a:ext cx="1885099" cy="390563"/>
-            </a:xfrm>
-            <a:prstGeom prst="ellipse">
-              <a:avLst/>
-            </a:prstGeom>
-            <a:solidFill>
-              <a:schemeClr val="tx1">
-                <a:lumMod val="65000"/>
-                <a:lumOff val="35000"/>
-              </a:schemeClr>
-            </a:solidFill>
-            <a:ln>
-              <a:solidFill>
-                <a:schemeClr val="bg1"/>
-              </a:solidFill>
-            </a:ln>
-          </p:spPr>
-          <p:style>
-            <a:lnRef idx="2">
-              <a:schemeClr val="accent1">
-                <a:shade val="50000"/>
-              </a:schemeClr>
-            </a:lnRef>
-            <a:fillRef idx="1">
-              <a:schemeClr val="accent1"/>
-            </a:fillRef>
-            <a:effectRef idx="0">
-              <a:schemeClr val="accent1"/>
-            </a:effectRef>
-            <a:fontRef idx="minor">
-              <a:schemeClr val="lt1"/>
-            </a:fontRef>
-          </p:style>
-          <p:txBody>
-            <a:bodyPr rtlCol="0" anchor="ctr"/>
-            <a:lstStyle/>
-            <a:p>
-              <a:pPr algn="ctr"/>
-              <a:r>
-                <a:rPr lang="es-DO" dirty="0"/>
-                <a:t>ubicación</a:t>
-              </a:r>
-            </a:p>
-          </p:txBody>
-        </p:sp>
-        <p:sp>
-          <p:nvSpPr>
-            <p:cNvPr id="44" name="Diamond 43">
-              <a:extLst>
-                <a:ext uri="{FF2B5EF4-FFF2-40B4-BE49-F238E27FC236}">
-                  <a16:creationId xmlns:a16="http://schemas.microsoft.com/office/drawing/2014/main" id="{51CA7095-4721-4CF9-98D2-579667E74395}"/>
-                </a:ext>
-              </a:extLst>
-            </p:cNvPr>
-            <p:cNvSpPr/>
-            <p:nvPr/>
-          </p:nvSpPr>
-          <p:spPr>
-            <a:xfrm>
-              <a:off x="4761445" y="1923632"/>
-              <a:ext cx="2429767" cy="597455"/>
-            </a:xfrm>
-            <a:prstGeom prst="diamond">
-              <a:avLst/>
-            </a:prstGeom>
-          </p:spPr>
-          <p:style>
-            <a:lnRef idx="2">
-              <a:schemeClr val="accent1">
-                <a:shade val="50000"/>
-              </a:schemeClr>
-            </a:lnRef>
-            <a:fillRef idx="1">
-              <a:schemeClr val="accent1"/>
-            </a:fillRef>
-            <a:effectRef idx="0">
-              <a:schemeClr val="accent1"/>
-            </a:effectRef>
-            <a:fontRef idx="minor">
-              <a:schemeClr val="lt1"/>
-            </a:fontRef>
-          </p:style>
-          <p:txBody>
-            <a:bodyPr rtlCol="0" anchor="ctr"/>
-            <a:lstStyle/>
-            <a:p>
-              <a:pPr algn="ctr"/>
-              <a:r>
-                <a:rPr lang="es-DO" sz="1400" dirty="0">
-                  <a:effectLst/>
-                  <a:latin typeface="Calibri" panose="020F0502020204030204" pitchFamily="34" charset="0"/>
-                  <a:ea typeface="Calibri" panose="020F0502020204030204" pitchFamily="34" charset="0"/>
-                  <a:cs typeface="Times New Roman" panose="02020603050405020304" pitchFamily="18" charset="0"/>
-                </a:rPr>
-                <a:t>id_ asignatura</a:t>
-              </a:r>
-              <a:endParaRPr lang="es-DO" sz="1400" dirty="0"/>
-            </a:p>
-          </p:txBody>
-        </p:sp>
-        <p:sp>
-          <p:nvSpPr>
-            <p:cNvPr id="45" name="Diamond 44">
-              <a:extLst>
-                <a:ext uri="{FF2B5EF4-FFF2-40B4-BE49-F238E27FC236}">
-                  <a16:creationId xmlns:a16="http://schemas.microsoft.com/office/drawing/2014/main" id="{3D7A53EA-2D6B-4F15-87AA-B0BBB62012EE}"/>
-                </a:ext>
-              </a:extLst>
-            </p:cNvPr>
-            <p:cNvSpPr/>
-            <p:nvPr/>
-          </p:nvSpPr>
-          <p:spPr>
-            <a:xfrm>
-              <a:off x="1831059" y="2446844"/>
-              <a:ext cx="2022773" cy="597455"/>
-            </a:xfrm>
-            <a:prstGeom prst="diamond">
-              <a:avLst/>
-            </a:prstGeom>
-          </p:spPr>
-          <p:style>
-            <a:lnRef idx="2">
-              <a:schemeClr val="accent1">
-                <a:shade val="50000"/>
-              </a:schemeClr>
-            </a:lnRef>
-            <a:fillRef idx="1">
-              <a:schemeClr val="accent1"/>
-            </a:fillRef>
-            <a:effectRef idx="0">
-              <a:schemeClr val="accent1"/>
-            </a:effectRef>
-            <a:fontRef idx="minor">
-              <a:schemeClr val="lt1"/>
-            </a:fontRef>
-          </p:style>
-          <p:txBody>
-            <a:bodyPr rtlCol="0" anchor="ctr"/>
-            <a:lstStyle/>
-            <a:p>
-              <a:pPr algn="ctr"/>
-              <a:r>
-                <a:rPr lang="en-US" sz="1400" dirty="0" err="1"/>
-                <a:t>Id_seguro</a:t>
-              </a:r>
-              <a:endParaRPr lang="es-DO" sz="1400" dirty="0"/>
-            </a:p>
-          </p:txBody>
-        </p:sp>
-        <p:sp>
-          <p:nvSpPr>
-            <p:cNvPr id="47" name="Diamond 46">
-              <a:extLst>
-                <a:ext uri="{FF2B5EF4-FFF2-40B4-BE49-F238E27FC236}">
-                  <a16:creationId xmlns:a16="http://schemas.microsoft.com/office/drawing/2014/main" id="{1308E3BC-B951-4B80-BAF3-5A8F642969FC}"/>
-                </a:ext>
-              </a:extLst>
-            </p:cNvPr>
-            <p:cNvSpPr/>
-            <p:nvPr/>
-          </p:nvSpPr>
-          <p:spPr>
-            <a:xfrm>
-              <a:off x="10331891" y="4149449"/>
-              <a:ext cx="2022773" cy="597455"/>
-            </a:xfrm>
-            <a:prstGeom prst="diamond">
-              <a:avLst/>
-            </a:prstGeom>
-          </p:spPr>
-          <p:style>
-            <a:lnRef idx="2">
-              <a:schemeClr val="accent1">
-                <a:shade val="50000"/>
-              </a:schemeClr>
-            </a:lnRef>
-            <a:fillRef idx="1">
-              <a:schemeClr val="accent1"/>
-            </a:fillRef>
-            <a:effectRef idx="0">
-              <a:schemeClr val="accent1"/>
-            </a:effectRef>
-            <a:fontRef idx="minor">
-              <a:schemeClr val="lt1"/>
-            </a:fontRef>
-          </p:style>
-          <p:txBody>
-            <a:bodyPr rtlCol="0" anchor="ctr"/>
-            <a:lstStyle/>
-            <a:p>
-              <a:pPr algn="ctr"/>
-              <a:r>
-                <a:rPr lang="es-DO" sz="1400" dirty="0">
-                  <a:effectLst/>
-                  <a:latin typeface="Calibri" panose="020F0502020204030204" pitchFamily="34" charset="0"/>
-                  <a:ea typeface="Calibri" panose="020F0502020204030204" pitchFamily="34" charset="0"/>
-                  <a:cs typeface="Times New Roman" panose="02020603050405020304" pitchFamily="18" charset="0"/>
-                </a:rPr>
-                <a:t>id_ aula</a:t>
-              </a:r>
-              <a:endParaRPr lang="es-DO" sz="1400" dirty="0"/>
-            </a:p>
-          </p:txBody>
-        </p:sp>
-        <p:sp>
-          <p:nvSpPr>
-            <p:cNvPr id="48" name="Diamond 47">
-              <a:extLst>
-                <a:ext uri="{FF2B5EF4-FFF2-40B4-BE49-F238E27FC236}">
-                  <a16:creationId xmlns:a16="http://schemas.microsoft.com/office/drawing/2014/main" id="{C8CC3E71-B670-422E-80A2-987174590A21}"/>
-                </a:ext>
-              </a:extLst>
-            </p:cNvPr>
-            <p:cNvSpPr/>
-            <p:nvPr/>
-          </p:nvSpPr>
-          <p:spPr>
-            <a:xfrm>
-              <a:off x="7982507" y="3551994"/>
-              <a:ext cx="2022773" cy="597455"/>
-            </a:xfrm>
-            <a:prstGeom prst="diamond">
-              <a:avLst/>
-            </a:prstGeom>
-          </p:spPr>
-          <p:style>
-            <a:lnRef idx="2">
-              <a:schemeClr val="accent1">
-                <a:shade val="50000"/>
-              </a:schemeClr>
-            </a:lnRef>
-            <a:fillRef idx="1">
-              <a:schemeClr val="accent1"/>
-            </a:fillRef>
-            <a:effectRef idx="0">
-              <a:schemeClr val="accent1"/>
-            </a:effectRef>
-            <a:fontRef idx="minor">
-              <a:schemeClr val="lt1"/>
-            </a:fontRef>
-          </p:style>
-          <p:txBody>
-            <a:bodyPr rtlCol="0" anchor="ctr"/>
-            <a:lstStyle/>
-            <a:p>
-              <a:pPr algn="ctr"/>
-              <a:r>
-                <a:rPr lang="es-DO" sz="1400"/>
-                <a:t>Id_seccion</a:t>
-              </a:r>
-              <a:endParaRPr lang="es-DO" sz="1400" dirty="0"/>
-            </a:p>
-          </p:txBody>
-        </p:sp>
-        <p:sp>
-          <p:nvSpPr>
-            <p:cNvPr id="49" name="Diamond 48">
-              <a:extLst>
-                <a:ext uri="{FF2B5EF4-FFF2-40B4-BE49-F238E27FC236}">
-                  <a16:creationId xmlns:a16="http://schemas.microsoft.com/office/drawing/2014/main" id="{69BAC2F6-FE6E-49C7-9DD8-6B17C7011832}"/>
-                </a:ext>
-              </a:extLst>
-            </p:cNvPr>
-            <p:cNvSpPr/>
-            <p:nvPr/>
-          </p:nvSpPr>
-          <p:spPr>
-            <a:xfrm>
-              <a:off x="3776617" y="3486046"/>
-              <a:ext cx="2429767" cy="597455"/>
-            </a:xfrm>
-            <a:prstGeom prst="diamond">
-              <a:avLst/>
-            </a:prstGeom>
-          </p:spPr>
-          <p:style>
-            <a:lnRef idx="2">
-              <a:schemeClr val="accent1">
-                <a:shade val="50000"/>
-              </a:schemeClr>
-            </a:lnRef>
-            <a:fillRef idx="1">
-              <a:schemeClr val="accent1"/>
-            </a:fillRef>
-            <a:effectRef idx="0">
-              <a:schemeClr val="accent1"/>
-            </a:effectRef>
-            <a:fontRef idx="minor">
-              <a:schemeClr val="lt1"/>
-            </a:fontRef>
-          </p:style>
-          <p:txBody>
-            <a:bodyPr rtlCol="0" anchor="ctr"/>
-            <a:lstStyle/>
-            <a:p>
-              <a:pPr algn="ctr"/>
-              <a:r>
-                <a:rPr lang="es-DO" sz="1400" dirty="0">
-                  <a:effectLst/>
-                  <a:latin typeface="Calibri" panose="020F0502020204030204" pitchFamily="34" charset="0"/>
-                  <a:ea typeface="Calibri" panose="020F0502020204030204" pitchFamily="34" charset="0"/>
-                  <a:cs typeface="Times New Roman" panose="02020603050405020304" pitchFamily="18" charset="0"/>
-                </a:rPr>
-                <a:t>id_ profesor</a:t>
-              </a:r>
-              <a:endParaRPr lang="es-DO" sz="1400" dirty="0"/>
-            </a:p>
-          </p:txBody>
-        </p:sp>
-        <p:cxnSp>
-          <p:nvCxnSpPr>
-            <p:cNvPr id="51" name="Straight Connector 50">
-              <a:extLst>
-                <a:ext uri="{FF2B5EF4-FFF2-40B4-BE49-F238E27FC236}">
-                  <a16:creationId xmlns:a16="http://schemas.microsoft.com/office/drawing/2014/main" id="{6B00CC3B-AB00-4C1B-A9C6-132E1506A840}"/>
-                </a:ext>
-              </a:extLst>
-            </p:cNvPr>
-            <p:cNvCxnSpPr>
-              <a:stCxn id="2" idx="2"/>
-              <a:endCxn id="49" idx="0"/>
-            </p:cNvCxnSpPr>
-            <p:nvPr/>
-          </p:nvCxnSpPr>
-          <p:spPr>
-            <a:xfrm>
-              <a:off x="2981664" y="2026365"/>
-              <a:ext cx="2009837" cy="1459681"/>
-            </a:xfrm>
-            <a:prstGeom prst="line">
-              <a:avLst/>
-            </a:prstGeom>
-            <a:ln w="38100">
-              <a:solidFill>
-                <a:srgbClr val="C00000"/>
-              </a:solidFill>
-            </a:ln>
-          </p:spPr>
-          <p:style>
-            <a:lnRef idx="3">
-              <a:schemeClr val="accent2"/>
-            </a:lnRef>
-            <a:fillRef idx="0">
-              <a:schemeClr val="accent2"/>
-            </a:fillRef>
-            <a:effectRef idx="2">
-              <a:schemeClr val="accent2"/>
-            </a:effectRef>
-            <a:fontRef idx="minor">
-              <a:schemeClr val="tx1"/>
-            </a:fontRef>
-          </p:style>
-        </p:cxnSp>
-        <p:cxnSp>
-          <p:nvCxnSpPr>
-            <p:cNvPr id="52" name="Straight Connector 51">
-              <a:extLst>
-                <a:ext uri="{FF2B5EF4-FFF2-40B4-BE49-F238E27FC236}">
-                  <a16:creationId xmlns:a16="http://schemas.microsoft.com/office/drawing/2014/main" id="{12E9B3D5-C457-4A00-B67B-B36CECAA66B1}"/>
-                </a:ext>
-              </a:extLst>
-            </p:cNvPr>
-            <p:cNvCxnSpPr>
-              <a:cxnSpLocks/>
-              <a:stCxn id="49" idx="2"/>
-              <a:endCxn id="5" idx="0"/>
-            </p:cNvCxnSpPr>
-            <p:nvPr/>
-          </p:nvCxnSpPr>
-          <p:spPr>
-            <a:xfrm flipH="1">
-              <a:off x="3822415" y="4083501"/>
-              <a:ext cx="1169086" cy="1922949"/>
-            </a:xfrm>
-            <a:prstGeom prst="line">
-              <a:avLst/>
-            </a:prstGeom>
-            <a:ln w="38100">
-              <a:solidFill>
-                <a:srgbClr val="C00000"/>
-              </a:solidFill>
-            </a:ln>
-          </p:spPr>
-          <p:style>
-            <a:lnRef idx="3">
-              <a:schemeClr val="accent2"/>
-            </a:lnRef>
-            <a:fillRef idx="0">
-              <a:schemeClr val="accent2"/>
-            </a:fillRef>
-            <a:effectRef idx="2">
-              <a:schemeClr val="accent2"/>
-            </a:effectRef>
-            <a:fontRef idx="minor">
-              <a:schemeClr val="tx1"/>
-            </a:fontRef>
-          </p:style>
-        </p:cxnSp>
-        <p:cxnSp>
-          <p:nvCxnSpPr>
-            <p:cNvPr id="55" name="Straight Connector 54">
-              <a:extLst>
-                <a:ext uri="{FF2B5EF4-FFF2-40B4-BE49-F238E27FC236}">
-                  <a16:creationId xmlns:a16="http://schemas.microsoft.com/office/drawing/2014/main" id="{386CF865-39D4-4223-B9D8-BF171636B63C}"/>
-                </a:ext>
-              </a:extLst>
-            </p:cNvPr>
-            <p:cNvCxnSpPr>
-              <a:cxnSpLocks/>
-              <a:stCxn id="2" idx="3"/>
-              <a:endCxn id="44" idx="1"/>
-            </p:cNvCxnSpPr>
-            <p:nvPr/>
-          </p:nvCxnSpPr>
-          <p:spPr>
-            <a:xfrm>
-              <a:off x="3924214" y="1781200"/>
-              <a:ext cx="837231" cy="441160"/>
-            </a:xfrm>
-            <a:prstGeom prst="line">
-              <a:avLst/>
-            </a:prstGeom>
-            <a:ln w="38100">
-              <a:solidFill>
-                <a:srgbClr val="C00000"/>
-              </a:solidFill>
-            </a:ln>
-          </p:spPr>
-          <p:style>
-            <a:lnRef idx="3">
-              <a:schemeClr val="accent2"/>
-            </a:lnRef>
-            <a:fillRef idx="0">
-              <a:schemeClr val="accent2"/>
-            </a:fillRef>
-            <a:effectRef idx="2">
-              <a:schemeClr val="accent2"/>
-            </a:effectRef>
-            <a:fontRef idx="minor">
-              <a:schemeClr val="tx1"/>
-            </a:fontRef>
-          </p:style>
-        </p:cxnSp>
-        <p:cxnSp>
-          <p:nvCxnSpPr>
-            <p:cNvPr id="58" name="Straight Connector 57">
-              <a:extLst>
-                <a:ext uri="{FF2B5EF4-FFF2-40B4-BE49-F238E27FC236}">
-                  <a16:creationId xmlns:a16="http://schemas.microsoft.com/office/drawing/2014/main" id="{834E8394-40D8-49EE-A3F9-AF1A0135641F}"/>
-                </a:ext>
-              </a:extLst>
-            </p:cNvPr>
-            <p:cNvCxnSpPr>
-              <a:cxnSpLocks/>
-              <a:stCxn id="44" idx="3"/>
-              <a:endCxn id="4" idx="1"/>
-            </p:cNvCxnSpPr>
-            <p:nvPr/>
-          </p:nvCxnSpPr>
-          <p:spPr>
-            <a:xfrm>
-              <a:off x="7191212" y="2222360"/>
-              <a:ext cx="1325233" cy="413830"/>
-            </a:xfrm>
-            <a:prstGeom prst="line">
-              <a:avLst/>
-            </a:prstGeom>
-            <a:ln w="38100">
-              <a:solidFill>
-                <a:srgbClr val="C00000"/>
-              </a:solidFill>
-            </a:ln>
-          </p:spPr>
-          <p:style>
-            <a:lnRef idx="3">
-              <a:schemeClr val="accent2"/>
-            </a:lnRef>
-            <a:fillRef idx="0">
-              <a:schemeClr val="accent2"/>
-            </a:fillRef>
-            <a:effectRef idx="2">
-              <a:schemeClr val="accent2"/>
-            </a:effectRef>
-            <a:fontRef idx="minor">
-              <a:schemeClr val="tx1"/>
-            </a:fontRef>
-          </p:style>
-        </p:cxnSp>
-        <p:cxnSp>
-          <p:nvCxnSpPr>
-            <p:cNvPr id="61" name="Straight Connector 60">
-              <a:extLst>
-                <a:ext uri="{FF2B5EF4-FFF2-40B4-BE49-F238E27FC236}">
-                  <a16:creationId xmlns:a16="http://schemas.microsoft.com/office/drawing/2014/main" id="{9AFAF4D1-9388-4A06-968E-6AB0827A7385}"/>
-                </a:ext>
-              </a:extLst>
-            </p:cNvPr>
-            <p:cNvCxnSpPr>
-              <a:cxnSpLocks/>
-              <a:stCxn id="2" idx="2"/>
-              <a:endCxn id="45" idx="0"/>
-            </p:cNvCxnSpPr>
-            <p:nvPr/>
-          </p:nvCxnSpPr>
-          <p:spPr>
-            <a:xfrm flipH="1">
-              <a:off x="2842446" y="2026365"/>
-              <a:ext cx="139218" cy="420479"/>
-            </a:xfrm>
-            <a:prstGeom prst="line">
-              <a:avLst/>
-            </a:prstGeom>
-            <a:ln w="38100">
-              <a:solidFill>
-                <a:srgbClr val="C00000"/>
-              </a:solidFill>
-            </a:ln>
-          </p:spPr>
-          <p:style>
-            <a:lnRef idx="3">
-              <a:schemeClr val="accent2"/>
-            </a:lnRef>
-            <a:fillRef idx="0">
-              <a:schemeClr val="accent2"/>
-            </a:fillRef>
-            <a:effectRef idx="2">
-              <a:schemeClr val="accent2"/>
-            </a:effectRef>
-            <a:fontRef idx="minor">
-              <a:schemeClr val="tx1"/>
-            </a:fontRef>
-          </p:style>
-        </p:cxnSp>
-        <p:cxnSp>
-          <p:nvCxnSpPr>
-            <p:cNvPr id="64" name="Straight Connector 63">
-              <a:extLst>
-                <a:ext uri="{FF2B5EF4-FFF2-40B4-BE49-F238E27FC236}">
-                  <a16:creationId xmlns:a16="http://schemas.microsoft.com/office/drawing/2014/main" id="{6D69D174-B122-4381-8E01-4F850AD2E3F8}"/>
-                </a:ext>
-              </a:extLst>
-            </p:cNvPr>
-            <p:cNvCxnSpPr>
-              <a:cxnSpLocks/>
-              <a:stCxn id="45" idx="2"/>
-              <a:endCxn id="3" idx="0"/>
-            </p:cNvCxnSpPr>
-            <p:nvPr/>
-          </p:nvCxnSpPr>
-          <p:spPr>
-            <a:xfrm flipH="1">
-              <a:off x="1083825" y="3044299"/>
-              <a:ext cx="1758621" cy="686203"/>
-            </a:xfrm>
-            <a:prstGeom prst="line">
-              <a:avLst/>
-            </a:prstGeom>
-            <a:ln w="38100">
-              <a:solidFill>
-                <a:srgbClr val="C00000"/>
-              </a:solidFill>
-            </a:ln>
-          </p:spPr>
-          <p:style>
-            <a:lnRef idx="3">
-              <a:schemeClr val="accent2"/>
-            </a:lnRef>
-            <a:fillRef idx="0">
-              <a:schemeClr val="accent2"/>
-            </a:fillRef>
-            <a:effectRef idx="2">
-              <a:schemeClr val="accent2"/>
-            </a:effectRef>
-            <a:fontRef idx="minor">
-              <a:schemeClr val="tx1"/>
-            </a:fontRef>
-          </p:style>
-        </p:cxnSp>
-        <p:cxnSp>
-          <p:nvCxnSpPr>
-            <p:cNvPr id="68" name="Straight Connector 67">
-              <a:extLst>
-                <a:ext uri="{FF2B5EF4-FFF2-40B4-BE49-F238E27FC236}">
-                  <a16:creationId xmlns:a16="http://schemas.microsoft.com/office/drawing/2014/main" id="{D541A465-0566-45A6-8854-4295F25C8E03}"/>
-                </a:ext>
-              </a:extLst>
-            </p:cNvPr>
-            <p:cNvCxnSpPr>
-              <a:cxnSpLocks/>
-              <a:stCxn id="4" idx="2"/>
-              <a:endCxn id="48" idx="0"/>
-            </p:cNvCxnSpPr>
-            <p:nvPr/>
-          </p:nvCxnSpPr>
-          <p:spPr>
-            <a:xfrm flipH="1">
-              <a:off x="8993894" y="2909327"/>
-              <a:ext cx="923007" cy="642667"/>
-            </a:xfrm>
-            <a:prstGeom prst="line">
-              <a:avLst/>
-            </a:prstGeom>
-            <a:ln w="38100">
-              <a:solidFill>
-                <a:srgbClr val="C00000"/>
-              </a:solidFill>
-            </a:ln>
-          </p:spPr>
-          <p:style>
-            <a:lnRef idx="3">
-              <a:schemeClr val="accent2"/>
-            </a:lnRef>
-            <a:fillRef idx="0">
-              <a:schemeClr val="accent2"/>
-            </a:fillRef>
-            <a:effectRef idx="2">
-              <a:schemeClr val="accent2"/>
-            </a:effectRef>
-            <a:fontRef idx="minor">
-              <a:schemeClr val="tx1"/>
-            </a:fontRef>
-          </p:style>
-        </p:cxnSp>
-        <p:cxnSp>
-          <p:nvCxnSpPr>
-            <p:cNvPr id="71" name="Straight Connector 70">
-              <a:extLst>
-                <a:ext uri="{FF2B5EF4-FFF2-40B4-BE49-F238E27FC236}">
-                  <a16:creationId xmlns:a16="http://schemas.microsoft.com/office/drawing/2014/main" id="{3D303C6D-2628-48D5-9690-F21555B2319D}"/>
-                </a:ext>
-              </a:extLst>
-            </p:cNvPr>
-            <p:cNvCxnSpPr>
-              <a:cxnSpLocks/>
-              <a:stCxn id="48" idx="2"/>
-              <a:endCxn id="19" idx="0"/>
-            </p:cNvCxnSpPr>
-            <p:nvPr/>
-          </p:nvCxnSpPr>
-          <p:spPr>
-            <a:xfrm flipH="1">
-              <a:off x="8642313" y="4149449"/>
-              <a:ext cx="351581" cy="1012826"/>
-            </a:xfrm>
-            <a:prstGeom prst="line">
-              <a:avLst/>
-            </a:prstGeom>
-            <a:ln w="38100">
-              <a:solidFill>
-                <a:srgbClr val="C00000"/>
-              </a:solidFill>
-            </a:ln>
-          </p:spPr>
-          <p:style>
-            <a:lnRef idx="3">
-              <a:schemeClr val="accent2"/>
-            </a:lnRef>
-            <a:fillRef idx="0">
-              <a:schemeClr val="accent2"/>
-            </a:fillRef>
-            <a:effectRef idx="2">
-              <a:schemeClr val="accent2"/>
-            </a:effectRef>
-            <a:fontRef idx="minor">
-              <a:schemeClr val="tx1"/>
-            </a:fontRef>
-          </p:style>
-        </p:cxnSp>
-        <p:cxnSp>
-          <p:nvCxnSpPr>
-            <p:cNvPr id="74" name="Straight Connector 73">
-              <a:extLst>
-                <a:ext uri="{FF2B5EF4-FFF2-40B4-BE49-F238E27FC236}">
-                  <a16:creationId xmlns:a16="http://schemas.microsoft.com/office/drawing/2014/main" id="{31BEFB01-3F7B-4313-97B5-A8AB3AF41A8B}"/>
-                </a:ext>
-              </a:extLst>
-            </p:cNvPr>
-            <p:cNvCxnSpPr>
-              <a:cxnSpLocks/>
-              <a:stCxn id="4" idx="2"/>
-              <a:endCxn id="47" idx="0"/>
-            </p:cNvCxnSpPr>
-            <p:nvPr/>
-          </p:nvCxnSpPr>
-          <p:spPr>
-            <a:xfrm>
-              <a:off x="9916901" y="2909327"/>
-              <a:ext cx="1426377" cy="1240122"/>
-            </a:xfrm>
-            <a:prstGeom prst="line">
-              <a:avLst/>
-            </a:prstGeom>
-            <a:ln w="38100">
-              <a:solidFill>
-                <a:srgbClr val="C00000"/>
-              </a:solidFill>
-            </a:ln>
-          </p:spPr>
-          <p:style>
-            <a:lnRef idx="3">
-              <a:schemeClr val="accent2"/>
-            </a:lnRef>
-            <a:fillRef idx="0">
-              <a:schemeClr val="accent2"/>
-            </a:fillRef>
-            <a:effectRef idx="2">
-              <a:schemeClr val="accent2"/>
-            </a:effectRef>
-            <a:fontRef idx="minor">
-              <a:schemeClr val="tx1"/>
-            </a:fontRef>
-          </p:style>
-        </p:cxnSp>
-        <p:cxnSp>
-          <p:nvCxnSpPr>
-            <p:cNvPr id="77" name="Straight Connector 76">
-              <a:extLst>
-                <a:ext uri="{FF2B5EF4-FFF2-40B4-BE49-F238E27FC236}">
-                  <a16:creationId xmlns:a16="http://schemas.microsoft.com/office/drawing/2014/main" id="{B2E764AB-46D5-4F39-BB2F-409D3A085F5E}"/>
-                </a:ext>
-              </a:extLst>
-            </p:cNvPr>
-            <p:cNvCxnSpPr>
-              <a:cxnSpLocks/>
-              <a:endCxn id="26" idx="0"/>
-            </p:cNvCxnSpPr>
-            <p:nvPr/>
-          </p:nvCxnSpPr>
-          <p:spPr>
-            <a:xfrm flipH="1">
-              <a:off x="11109938" y="4587584"/>
-              <a:ext cx="308974" cy="1728195"/>
-            </a:xfrm>
-            <a:prstGeom prst="line">
-              <a:avLst/>
-            </a:prstGeom>
-            <a:ln w="38100">
-              <a:solidFill>
-                <a:srgbClr val="C00000"/>
-              </a:solidFill>
-            </a:ln>
-          </p:spPr>
-          <p:style>
-            <a:lnRef idx="3">
-              <a:schemeClr val="accent2"/>
-            </a:lnRef>
-            <a:fillRef idx="0">
-              <a:schemeClr val="accent2"/>
-            </a:fillRef>
-            <a:effectRef idx="2">
-              <a:schemeClr val="accent2"/>
-            </a:effectRef>
-            <a:fontRef idx="minor">
-              <a:schemeClr val="tx1"/>
-            </a:fontRef>
-          </p:style>
-        </p:cxnSp>
-        <p:sp>
-          <p:nvSpPr>
-            <p:cNvPr id="80" name="Oval 79">
-              <a:extLst>
-                <a:ext uri="{FF2B5EF4-FFF2-40B4-BE49-F238E27FC236}">
-                  <a16:creationId xmlns:a16="http://schemas.microsoft.com/office/drawing/2014/main" id="{19AA00D0-3BF4-4E48-8F9A-FC03945DFA59}"/>
-                </a:ext>
-              </a:extLst>
-            </p:cNvPr>
-            <p:cNvSpPr/>
-            <p:nvPr/>
-          </p:nvSpPr>
-          <p:spPr>
-            <a:xfrm>
-              <a:off x="3843880" y="1371712"/>
-              <a:ext cx="495300" cy="522491"/>
-            </a:xfrm>
-            <a:prstGeom prst="ellipse">
-              <a:avLst/>
-            </a:prstGeom>
-            <a:noFill/>
-            <a:ln>
-              <a:noFill/>
-            </a:ln>
-          </p:spPr>
-          <p:style>
-            <a:lnRef idx="2">
-              <a:schemeClr val="accent1">
-                <a:shade val="50000"/>
-              </a:schemeClr>
-            </a:lnRef>
-            <a:fillRef idx="1">
-              <a:schemeClr val="accent1"/>
-            </a:fillRef>
-            <a:effectRef idx="0">
-              <a:schemeClr val="accent1"/>
-            </a:effectRef>
-            <a:fontRef idx="minor">
-              <a:schemeClr val="lt1"/>
-            </a:fontRef>
-          </p:style>
-          <p:txBody>
-            <a:bodyPr rtlCol="0" anchor="ctr"/>
-            <a:lstStyle/>
-            <a:p>
-              <a:pPr algn="ctr"/>
-              <a:r>
-                <a:rPr lang="en-US" dirty="0">
-                  <a:solidFill>
-                    <a:schemeClr val="tx1"/>
-                  </a:solidFill>
-                </a:rPr>
-                <a:t>*</a:t>
-              </a:r>
-              <a:endParaRPr lang="es-DO" dirty="0">
-                <a:solidFill>
-                  <a:schemeClr val="tx1"/>
-                </a:solidFill>
-              </a:endParaRPr>
-            </a:p>
-          </p:txBody>
-        </p:sp>
-        <p:sp>
-          <p:nvSpPr>
-            <p:cNvPr id="81" name="Oval 80">
-              <a:extLst>
-                <a:ext uri="{FF2B5EF4-FFF2-40B4-BE49-F238E27FC236}">
-                  <a16:creationId xmlns:a16="http://schemas.microsoft.com/office/drawing/2014/main" id="{DC9D949B-510B-43AF-B6AE-1E1AEB44E3B6}"/>
-                </a:ext>
-              </a:extLst>
-            </p:cNvPr>
-            <p:cNvSpPr/>
-            <p:nvPr/>
-          </p:nvSpPr>
-          <p:spPr>
-            <a:xfrm>
-              <a:off x="8147013" y="2175329"/>
-              <a:ext cx="495300" cy="522491"/>
-            </a:xfrm>
-            <a:prstGeom prst="ellipse">
-              <a:avLst/>
-            </a:prstGeom>
-            <a:noFill/>
-            <a:ln>
-              <a:noFill/>
-            </a:ln>
-          </p:spPr>
-          <p:style>
-            <a:lnRef idx="2">
-              <a:schemeClr val="accent1">
-                <a:shade val="50000"/>
-              </a:schemeClr>
-            </a:lnRef>
-            <a:fillRef idx="1">
-              <a:schemeClr val="accent1"/>
-            </a:fillRef>
-            <a:effectRef idx="0">
-              <a:schemeClr val="accent1"/>
-            </a:effectRef>
-            <a:fontRef idx="minor">
-              <a:schemeClr val="lt1"/>
-            </a:fontRef>
-          </p:style>
-          <p:txBody>
-            <a:bodyPr rtlCol="0" anchor="ctr"/>
-            <a:lstStyle/>
-            <a:p>
-              <a:pPr algn="ctr"/>
-              <a:r>
-                <a:rPr lang="en-US" dirty="0">
-                  <a:solidFill>
-                    <a:schemeClr val="tx1"/>
-                  </a:solidFill>
-                </a:rPr>
-                <a:t>*</a:t>
-              </a:r>
-              <a:endParaRPr lang="es-DO" dirty="0">
-                <a:solidFill>
-                  <a:schemeClr val="tx1"/>
-                </a:solidFill>
-              </a:endParaRPr>
-            </a:p>
-          </p:txBody>
-        </p:sp>
-        <p:sp>
-          <p:nvSpPr>
-            <p:cNvPr id="82" name="Oval 81">
-              <a:extLst>
-                <a:ext uri="{FF2B5EF4-FFF2-40B4-BE49-F238E27FC236}">
-                  <a16:creationId xmlns:a16="http://schemas.microsoft.com/office/drawing/2014/main" id="{395FD3AF-D33C-4F37-95AA-05021EEF5C33}"/>
-                </a:ext>
-              </a:extLst>
-            </p:cNvPr>
-            <p:cNvSpPr/>
-            <p:nvPr/>
-          </p:nvSpPr>
-          <p:spPr>
-            <a:xfrm>
-              <a:off x="2537741" y="1874873"/>
-              <a:ext cx="495300" cy="522491"/>
-            </a:xfrm>
-            <a:prstGeom prst="ellipse">
-              <a:avLst/>
-            </a:prstGeom>
-            <a:noFill/>
-            <a:ln>
-              <a:noFill/>
-            </a:ln>
-          </p:spPr>
-          <p:style>
-            <a:lnRef idx="2">
-              <a:schemeClr val="accent1">
-                <a:shade val="50000"/>
-              </a:schemeClr>
-            </a:lnRef>
-            <a:fillRef idx="1">
-              <a:schemeClr val="accent1"/>
-            </a:fillRef>
-            <a:effectRef idx="0">
-              <a:schemeClr val="accent1"/>
-            </a:effectRef>
-            <a:fontRef idx="minor">
-              <a:schemeClr val="lt1"/>
-            </a:fontRef>
-          </p:style>
-          <p:txBody>
-            <a:bodyPr rtlCol="0" anchor="ctr"/>
-            <a:lstStyle/>
-            <a:p>
-              <a:pPr algn="ctr"/>
-              <a:r>
-                <a:rPr lang="en-US" dirty="0">
-                  <a:solidFill>
-                    <a:schemeClr val="tx1"/>
-                  </a:solidFill>
-                </a:rPr>
-                <a:t>*</a:t>
-              </a:r>
-              <a:endParaRPr lang="es-DO" dirty="0">
-                <a:solidFill>
-                  <a:schemeClr val="tx1"/>
-                </a:solidFill>
-              </a:endParaRPr>
-            </a:p>
-          </p:txBody>
-        </p:sp>
-        <p:sp>
-          <p:nvSpPr>
-            <p:cNvPr id="83" name="Oval 82">
-              <a:extLst>
-                <a:ext uri="{FF2B5EF4-FFF2-40B4-BE49-F238E27FC236}">
-                  <a16:creationId xmlns:a16="http://schemas.microsoft.com/office/drawing/2014/main" id="{6282C736-CD8B-431E-A9CE-BA57C034471A}"/>
-                </a:ext>
-              </a:extLst>
-            </p:cNvPr>
-            <p:cNvSpPr/>
-            <p:nvPr/>
-          </p:nvSpPr>
-          <p:spPr>
-            <a:xfrm>
-              <a:off x="3170098" y="1867852"/>
-              <a:ext cx="495300" cy="522491"/>
-            </a:xfrm>
-            <a:prstGeom prst="ellipse">
-              <a:avLst/>
-            </a:prstGeom>
-            <a:noFill/>
-            <a:ln>
-              <a:noFill/>
-            </a:ln>
-          </p:spPr>
-          <p:style>
-            <a:lnRef idx="2">
-              <a:schemeClr val="accent1">
-                <a:shade val="50000"/>
-              </a:schemeClr>
-            </a:lnRef>
-            <a:fillRef idx="1">
-              <a:schemeClr val="accent1"/>
-            </a:fillRef>
-            <a:effectRef idx="0">
-              <a:schemeClr val="accent1"/>
-            </a:effectRef>
-            <a:fontRef idx="minor">
-              <a:schemeClr val="lt1"/>
-            </a:fontRef>
-          </p:style>
-          <p:txBody>
-            <a:bodyPr rtlCol="0" anchor="ctr"/>
-            <a:lstStyle/>
-            <a:p>
-              <a:pPr algn="ctr"/>
-              <a:r>
-                <a:rPr lang="en-US" dirty="0">
-                  <a:solidFill>
-                    <a:schemeClr val="tx1"/>
-                  </a:solidFill>
-                </a:rPr>
-                <a:t>*</a:t>
-              </a:r>
-              <a:endParaRPr lang="es-DO" dirty="0">
-                <a:solidFill>
-                  <a:schemeClr val="tx1"/>
-                </a:solidFill>
-              </a:endParaRPr>
-            </a:p>
-          </p:txBody>
-        </p:sp>
-        <p:sp>
-          <p:nvSpPr>
-            <p:cNvPr id="84" name="Oval 83">
-              <a:extLst>
-                <a:ext uri="{FF2B5EF4-FFF2-40B4-BE49-F238E27FC236}">
-                  <a16:creationId xmlns:a16="http://schemas.microsoft.com/office/drawing/2014/main" id="{0A47BD7D-810D-466F-89AA-9C8637DB3D10}"/>
-                </a:ext>
-              </a:extLst>
-            </p:cNvPr>
-            <p:cNvSpPr/>
-            <p:nvPr/>
-          </p:nvSpPr>
-          <p:spPr>
-            <a:xfrm>
-              <a:off x="3371364" y="5584598"/>
-              <a:ext cx="495300" cy="522491"/>
-            </a:xfrm>
-            <a:prstGeom prst="ellipse">
-              <a:avLst/>
-            </a:prstGeom>
-            <a:noFill/>
-            <a:ln>
-              <a:noFill/>
-            </a:ln>
-          </p:spPr>
-          <p:style>
-            <a:lnRef idx="2">
-              <a:schemeClr val="accent1">
-                <a:shade val="50000"/>
-              </a:schemeClr>
-            </a:lnRef>
-            <a:fillRef idx="1">
-              <a:schemeClr val="accent1"/>
-            </a:fillRef>
-            <a:effectRef idx="0">
-              <a:schemeClr val="accent1"/>
-            </a:effectRef>
-            <a:fontRef idx="minor">
-              <a:schemeClr val="lt1"/>
-            </a:fontRef>
-          </p:style>
-          <p:txBody>
-            <a:bodyPr rtlCol="0" anchor="ctr"/>
-            <a:lstStyle/>
-            <a:p>
-              <a:pPr algn="ctr"/>
-              <a:r>
-                <a:rPr lang="en-US" dirty="0">
-                  <a:solidFill>
-                    <a:schemeClr val="tx1"/>
-                  </a:solidFill>
-                </a:rPr>
-                <a:t>*</a:t>
-              </a:r>
-              <a:endParaRPr lang="es-DO" dirty="0">
-                <a:solidFill>
-                  <a:schemeClr val="tx1"/>
-                </a:solidFill>
-              </a:endParaRPr>
-            </a:p>
-          </p:txBody>
-        </p:sp>
-        <p:sp>
-          <p:nvSpPr>
-            <p:cNvPr id="85" name="Oval 84">
-              <a:extLst>
-                <a:ext uri="{FF2B5EF4-FFF2-40B4-BE49-F238E27FC236}">
-                  <a16:creationId xmlns:a16="http://schemas.microsoft.com/office/drawing/2014/main" id="{3900C763-B968-48B4-B7A5-B16CAA0020AC}"/>
-                </a:ext>
-              </a:extLst>
-            </p:cNvPr>
-            <p:cNvSpPr/>
-            <p:nvPr/>
-          </p:nvSpPr>
-          <p:spPr>
-            <a:xfrm>
-              <a:off x="757214" y="3369773"/>
-              <a:ext cx="495300" cy="522491"/>
-            </a:xfrm>
-            <a:prstGeom prst="ellipse">
-              <a:avLst/>
-            </a:prstGeom>
-            <a:noFill/>
-            <a:ln>
-              <a:noFill/>
-            </a:ln>
-          </p:spPr>
-          <p:style>
-            <a:lnRef idx="2">
-              <a:schemeClr val="accent1">
-                <a:shade val="50000"/>
-              </a:schemeClr>
-            </a:lnRef>
-            <a:fillRef idx="1">
-              <a:schemeClr val="accent1"/>
-            </a:fillRef>
-            <a:effectRef idx="0">
-              <a:schemeClr val="accent1"/>
-            </a:effectRef>
-            <a:fontRef idx="minor">
-              <a:schemeClr val="lt1"/>
-            </a:fontRef>
-          </p:style>
-          <p:txBody>
-            <a:bodyPr rtlCol="0" anchor="ctr"/>
-            <a:lstStyle/>
-            <a:p>
-              <a:pPr algn="ctr"/>
-              <a:r>
-                <a:rPr lang="en-US" dirty="0">
-                  <a:solidFill>
-                    <a:schemeClr val="tx1"/>
-                  </a:solidFill>
-                </a:rPr>
-                <a:t>1</a:t>
-              </a:r>
-              <a:endParaRPr lang="es-DO" dirty="0">
-                <a:solidFill>
-                  <a:schemeClr val="tx1"/>
-                </a:solidFill>
-              </a:endParaRPr>
-            </a:p>
-          </p:txBody>
-        </p:sp>
-        <p:sp>
-          <p:nvSpPr>
-            <p:cNvPr id="86" name="Oval 85">
-              <a:extLst>
-                <a:ext uri="{FF2B5EF4-FFF2-40B4-BE49-F238E27FC236}">
-                  <a16:creationId xmlns:a16="http://schemas.microsoft.com/office/drawing/2014/main" id="{BF96B171-83C0-4CCB-9BB6-30ABD05CC04D}"/>
-                </a:ext>
-              </a:extLst>
-            </p:cNvPr>
-            <p:cNvSpPr/>
-            <p:nvPr/>
-          </p:nvSpPr>
-          <p:spPr>
-            <a:xfrm>
-              <a:off x="8225889" y="4760730"/>
-              <a:ext cx="495300" cy="522491"/>
-            </a:xfrm>
-            <a:prstGeom prst="ellipse">
-              <a:avLst/>
-            </a:prstGeom>
-            <a:noFill/>
-            <a:ln>
-              <a:noFill/>
-            </a:ln>
-          </p:spPr>
-          <p:style>
-            <a:lnRef idx="2">
-              <a:schemeClr val="accent1">
-                <a:shade val="50000"/>
-              </a:schemeClr>
-            </a:lnRef>
-            <a:fillRef idx="1">
-              <a:schemeClr val="accent1"/>
-            </a:fillRef>
-            <a:effectRef idx="0">
-              <a:schemeClr val="accent1"/>
-            </a:effectRef>
-            <a:fontRef idx="minor">
-              <a:schemeClr val="lt1"/>
-            </a:fontRef>
-          </p:style>
-          <p:txBody>
-            <a:bodyPr rtlCol="0" anchor="ctr"/>
-            <a:lstStyle/>
-            <a:p>
-              <a:pPr algn="ctr"/>
-              <a:r>
-                <a:rPr lang="en-US" dirty="0">
-                  <a:solidFill>
-                    <a:schemeClr val="tx1"/>
-                  </a:solidFill>
-                </a:rPr>
-                <a:t>*</a:t>
-              </a:r>
-              <a:endParaRPr lang="es-DO" dirty="0">
-                <a:solidFill>
-                  <a:schemeClr val="tx1"/>
-                </a:solidFill>
-              </a:endParaRPr>
-            </a:p>
-          </p:txBody>
-        </p:sp>
-        <p:sp>
-          <p:nvSpPr>
-            <p:cNvPr id="88" name="Oval 87">
-              <a:extLst>
-                <a:ext uri="{FF2B5EF4-FFF2-40B4-BE49-F238E27FC236}">
-                  <a16:creationId xmlns:a16="http://schemas.microsoft.com/office/drawing/2014/main" id="{569E8D27-2176-4524-BAF5-5AA2B2516E07}"/>
-                </a:ext>
-              </a:extLst>
-            </p:cNvPr>
-            <p:cNvSpPr/>
-            <p:nvPr/>
-          </p:nvSpPr>
-          <p:spPr>
-            <a:xfrm>
-              <a:off x="10662647" y="5920213"/>
-              <a:ext cx="495300" cy="522491"/>
-            </a:xfrm>
-            <a:prstGeom prst="ellipse">
-              <a:avLst/>
-            </a:prstGeom>
-            <a:noFill/>
-            <a:ln>
-              <a:noFill/>
-            </a:ln>
-          </p:spPr>
-          <p:style>
-            <a:lnRef idx="2">
-              <a:schemeClr val="accent1">
-                <a:shade val="50000"/>
-              </a:schemeClr>
-            </a:lnRef>
-            <a:fillRef idx="1">
-              <a:schemeClr val="accent1"/>
-            </a:fillRef>
-            <a:effectRef idx="0">
-              <a:schemeClr val="accent1"/>
-            </a:effectRef>
-            <a:fontRef idx="minor">
-              <a:schemeClr val="lt1"/>
-            </a:fontRef>
-          </p:style>
-          <p:txBody>
-            <a:bodyPr rtlCol="0" anchor="ctr"/>
-            <a:lstStyle/>
-            <a:p>
-              <a:pPr algn="ctr"/>
-              <a:r>
-                <a:rPr lang="en-US" dirty="0">
-                  <a:solidFill>
-                    <a:schemeClr val="tx1"/>
-                  </a:solidFill>
-                </a:rPr>
-                <a:t>*</a:t>
-              </a:r>
-              <a:endParaRPr lang="es-DO" dirty="0">
-                <a:solidFill>
-                  <a:schemeClr val="tx1"/>
-                </a:solidFill>
-              </a:endParaRPr>
-            </a:p>
-          </p:txBody>
-        </p:sp>
-        <p:sp>
-          <p:nvSpPr>
-            <p:cNvPr id="89" name="Oval 88">
-              <a:extLst>
-                <a:ext uri="{FF2B5EF4-FFF2-40B4-BE49-F238E27FC236}">
-                  <a16:creationId xmlns:a16="http://schemas.microsoft.com/office/drawing/2014/main" id="{1C8EE06E-FD75-4CFD-AF29-0352BF6758B2}"/>
-                </a:ext>
-              </a:extLst>
-            </p:cNvPr>
-            <p:cNvSpPr/>
-            <p:nvPr/>
-          </p:nvSpPr>
-          <p:spPr>
-            <a:xfrm>
-              <a:off x="10005280" y="2775295"/>
-              <a:ext cx="495300" cy="522491"/>
-            </a:xfrm>
-            <a:prstGeom prst="ellipse">
-              <a:avLst/>
-            </a:prstGeom>
-            <a:noFill/>
-            <a:ln>
-              <a:noFill/>
-            </a:ln>
-          </p:spPr>
-          <p:style>
-            <a:lnRef idx="2">
-              <a:schemeClr val="accent1">
-                <a:shade val="50000"/>
-              </a:schemeClr>
-            </a:lnRef>
-            <a:fillRef idx="1">
-              <a:schemeClr val="accent1"/>
-            </a:fillRef>
-            <a:effectRef idx="0">
-              <a:schemeClr val="accent1"/>
-            </a:effectRef>
-            <a:fontRef idx="minor">
-              <a:schemeClr val="lt1"/>
-            </a:fontRef>
-          </p:style>
-          <p:txBody>
-            <a:bodyPr rtlCol="0" anchor="ctr"/>
-            <a:lstStyle/>
-            <a:p>
-              <a:pPr algn="ctr"/>
-              <a:r>
-                <a:rPr lang="en-US" dirty="0">
-                  <a:solidFill>
-                    <a:schemeClr val="tx1"/>
-                  </a:solidFill>
-                </a:rPr>
-                <a:t>*</a:t>
-              </a:r>
-              <a:endParaRPr lang="es-DO" dirty="0">
-                <a:solidFill>
-                  <a:schemeClr val="tx1"/>
-                </a:solidFill>
-              </a:endParaRPr>
-            </a:p>
-          </p:txBody>
-        </p:sp>
-        <p:sp>
-          <p:nvSpPr>
-            <p:cNvPr id="90" name="Oval 89">
-              <a:extLst>
-                <a:ext uri="{FF2B5EF4-FFF2-40B4-BE49-F238E27FC236}">
-                  <a16:creationId xmlns:a16="http://schemas.microsoft.com/office/drawing/2014/main" id="{0AE6932C-E1C4-45D5-804A-A321727B08B8}"/>
-                </a:ext>
-              </a:extLst>
-            </p:cNvPr>
-            <p:cNvSpPr/>
-            <p:nvPr/>
-          </p:nvSpPr>
-          <p:spPr>
-            <a:xfrm>
-              <a:off x="9252434" y="2803579"/>
-              <a:ext cx="495300" cy="522491"/>
-            </a:xfrm>
-            <a:prstGeom prst="ellipse">
-              <a:avLst/>
-            </a:prstGeom>
-            <a:noFill/>
-            <a:ln>
-              <a:noFill/>
-            </a:ln>
-          </p:spPr>
-          <p:style>
-            <a:lnRef idx="2">
-              <a:schemeClr val="accent1">
-                <a:shade val="50000"/>
-              </a:schemeClr>
-            </a:lnRef>
-            <a:fillRef idx="1">
-              <a:schemeClr val="accent1"/>
-            </a:fillRef>
-            <a:effectRef idx="0">
-              <a:schemeClr val="accent1"/>
-            </a:effectRef>
-            <a:fontRef idx="minor">
-              <a:schemeClr val="lt1"/>
-            </a:fontRef>
-          </p:style>
-          <p:txBody>
-            <a:bodyPr rtlCol="0" anchor="ctr"/>
-            <a:lstStyle/>
-            <a:p>
-              <a:pPr algn="ctr"/>
-              <a:r>
-                <a:rPr lang="en-US" dirty="0">
-                  <a:solidFill>
-                    <a:schemeClr val="tx1"/>
-                  </a:solidFill>
-                </a:rPr>
-                <a:t>*</a:t>
-              </a:r>
-              <a:endParaRPr lang="es-DO" dirty="0">
-                <a:solidFill>
-                  <a:schemeClr val="tx1"/>
-                </a:solidFill>
-              </a:endParaRPr>
-            </a:p>
-          </p:txBody>
-        </p:sp>
-      </p:grpSp>
-    </p:spTree>
-    <p:extLst>
-      <p:ext uri="{BB962C8B-B14F-4D97-AF65-F5344CB8AC3E}">
-        <p14:creationId xmlns:p14="http://schemas.microsoft.com/office/powerpoint/2010/main" val="2646355860"/>
-      </p:ext>
-    </p:extLst>
-  </p:cSld>
-  <p:clrMapOvr>
-    <a:masterClrMapping/>
-  </p:clrMapOvr>
-</p:sld>
-</file>
-
-<file path=ppt/slides/slide3.xml><?xml version="1.0" encoding="utf-8"?>
-<p:sld xmlns:a="http://schemas.openxmlformats.org/drawingml/2006/main" xmlns:r="http://schemas.openxmlformats.org/officeDocument/2006/relationships" xmlns:p="http://schemas.openxmlformats.org/presentationml/2006/main">
-  <p:cSld>
-    <p:spTree>
-      <p:nvGrpSpPr>
-        <p:cNvPr id="1" name=""/>
-        <p:cNvGrpSpPr/>
-        <p:nvPr/>
-      </p:nvGrpSpPr>
-      <p:grpSpPr>
-        <a:xfrm>
-          <a:off x="0" y="0"/>
-          <a:ext cx="0" cy="0"/>
-          <a:chOff x="0" y="0"/>
-          <a:chExt cx="0" cy="0"/>
-        </a:xfrm>
-      </p:grpSpPr>
-      <p:grpSp>
-        <p:nvGrpSpPr>
           <p:cNvPr id="4" name="Group 3">
             <a:extLst>
               <a:ext uri="{FF2B5EF4-FFF2-40B4-BE49-F238E27FC236}">
@@ -10443,7 +4882,7 @@
 </p:sld>
 </file>
 
-<file path=ppt/slides/slide4.xml><?xml version="1.0" encoding="utf-8"?>
+<file path=ppt/slides/slide2.xml><?xml version="1.0" encoding="utf-8"?>
 <p:sld xmlns:a="http://schemas.openxmlformats.org/drawingml/2006/main" xmlns:r="http://schemas.openxmlformats.org/officeDocument/2006/relationships" xmlns:p="http://schemas.openxmlformats.org/presentationml/2006/main">
   <p:cSld>
     <p:spTree>
@@ -12236,7 +6675,7 @@
 </p:sld>
 </file>
 
-<file path=ppt/slides/slide5.xml><?xml version="1.0" encoding="utf-8"?>
+<file path=ppt/slides/slide3.xml><?xml version="1.0" encoding="utf-8"?>
 <p:sld xmlns:a="http://schemas.openxmlformats.org/drawingml/2006/main" xmlns:r="http://schemas.openxmlformats.org/officeDocument/2006/relationships" xmlns:p="http://schemas.openxmlformats.org/presentationml/2006/main">
   <p:cSld>
     <p:spTree>
